--- a/Presentation.pptx
+++ b/Presentation.pptx
@@ -1,43 +1,42 @@
 
 <file path=ppt/presentation.xml><?xml version="1.0" encoding="utf-8"?>
-<p:presentation xmlns:a="http://schemas.openxmlformats.org/drawingml/2006/main" xmlns:r="http://schemas.openxmlformats.org/officeDocument/2006/relationships" xmlns:mc="http://schemas.openxmlformats.org/markup-compatibility/2006" xmlns:mv="urn:schemas-microsoft-com:mac:vml" xmlns:p="http://schemas.openxmlformats.org/presentationml/2006/main" xmlns:c="http://schemas.openxmlformats.org/drawingml/2006/chart" xmlns:dgm="http://schemas.openxmlformats.org/drawingml/2006/diagram" xmlns:o="urn:schemas-microsoft-com:office:office" xmlns:v="urn:schemas-microsoft-com:vml" xmlns:pvml="urn:schemas-microsoft-com:office:powerpoint" xmlns:com="http://schemas.openxmlformats.org/drawingml/2006/compatibility" xmlns:p14="http://schemas.microsoft.com/office/powerpoint/2010/main" xmlns:p15="http://schemas.microsoft.com/office/powerpoint/2012/main" xmlns:ahyp="http://schemas.microsoft.com/office/drawing/2018/hyperlinkcolor" autoCompressPictures="0" embedTrueTypeFonts="1" strictFirstAndLastChars="0" saveSubsetFonts="1">
+<p:presentation xmlns:a="http://schemas.openxmlformats.org/drawingml/2006/main" xmlns:r="http://schemas.openxmlformats.org/officeDocument/2006/relationships" xmlns:p="http://schemas.openxmlformats.org/presentationml/2006/main" strictFirstAndLastChars="0" embedTrueTypeFonts="1" saveSubsetFonts="1" autoCompressPictures="0">
   <p:sldMasterIdLst>
-    <p:sldMasterId id="2147483659" r:id="rId4"/>
+    <p:sldMasterId id="2147483659" r:id="rId1"/>
   </p:sldMasterIdLst>
   <p:notesMasterIdLst>
-    <p:notesMasterId r:id="rId5"/>
+    <p:notesMasterId r:id="rId10"/>
   </p:notesMasterIdLst>
   <p:sldIdLst>
-    <p:sldId id="256" r:id="rId6"/>
-    <p:sldId id="257" r:id="rId7"/>
-    <p:sldId id="258" r:id="rId8"/>
-    <p:sldId id="259" r:id="rId9"/>
-    <p:sldId id="260" r:id="rId10"/>
-    <p:sldId id="261" r:id="rId11"/>
-    <p:sldId id="262" r:id="rId12"/>
-    <p:sldId id="263" r:id="rId13"/>
-    <p:sldId id="264" r:id="rId14"/>
+    <p:sldId id="256" r:id="rId2"/>
+    <p:sldId id="257" r:id="rId3"/>
+    <p:sldId id="258" r:id="rId4"/>
+    <p:sldId id="259" r:id="rId5"/>
+    <p:sldId id="260" r:id="rId6"/>
+    <p:sldId id="261" r:id="rId7"/>
+    <p:sldId id="262" r:id="rId8"/>
+    <p:sldId id="263" r:id="rId9"/>
   </p:sldIdLst>
-  <p:sldSz cy="5143500" cx="9144000"/>
+  <p:sldSz cx="9144000" cy="5143500" type="screen16x9"/>
   <p:notesSz cx="6858000" cy="9144000"/>
   <p:embeddedFontLst>
     <p:embeddedFont>
-      <p:font typeface="Roboto"/>
+      <p:font typeface="Merriweather" panose="020B0604020202020204" pitchFamily="2" charset="0"/>
+      <p:regular r:id="rId11"/>
+      <p:bold r:id="rId12"/>
+      <p:italic r:id="rId13"/>
+      <p:boldItalic r:id="rId14"/>
+    </p:embeddedFont>
+    <p:embeddedFont>
+      <p:font typeface="Roboto" panose="02000000000000000000" pitchFamily="2" charset="0"/>
       <p:regular r:id="rId15"/>
       <p:bold r:id="rId16"/>
       <p:italic r:id="rId17"/>
       <p:boldItalic r:id="rId18"/>
     </p:embeddedFont>
-    <p:embeddedFont>
-      <p:font typeface="Merriweather"/>
-      <p:regular r:id="rId19"/>
-      <p:bold r:id="rId20"/>
-      <p:italic r:id="rId21"/>
-      <p:boldItalic r:id="rId22"/>
-    </p:embeddedFont>
   </p:embeddedFontLst>
   <p:defaultTextStyle>
-    <a:defPPr lvl="0" marR="0" rtl="0" algn="l">
+    <a:defPPr marR="0" lvl="0" algn="l" rtl="0">
       <a:lnSpc>
         <a:spcPct val="100000"/>
       </a:lnSpc>
@@ -48,7 +47,7 @@
         <a:spcPts val="0"/>
       </a:spcAft>
     </a:defPPr>
-    <a:lvl1pPr lvl="0" marR="0" rtl="0" algn="l">
+    <a:lvl1pPr marR="0" lvl="0" algn="l" rtl="0">
       <a:lnSpc>
         <a:spcPct val="100000"/>
       </a:lnSpc>
@@ -62,7 +61,7 @@
         <a:srgbClr val="000000"/>
       </a:buClr>
       <a:buFont typeface="Arial"/>
-      <a:defRPr b="0" i="0" sz="1400" u="none" cap="none" strike="noStrike">
+      <a:defRPr sz="1400" b="0" i="0" u="none" strike="noStrike" cap="none">
         <a:solidFill>
           <a:srgbClr val="000000"/>
         </a:solidFill>
@@ -72,7 +71,7 @@
         <a:sym typeface="Arial"/>
       </a:defRPr>
     </a:lvl1pPr>
-    <a:lvl2pPr lvl="1" marR="0" rtl="0" algn="l">
+    <a:lvl2pPr marR="0" lvl="1" algn="l" rtl="0">
       <a:lnSpc>
         <a:spcPct val="100000"/>
       </a:lnSpc>
@@ -86,7 +85,7 @@
         <a:srgbClr val="000000"/>
       </a:buClr>
       <a:buFont typeface="Arial"/>
-      <a:defRPr b="0" i="0" sz="1400" u="none" cap="none" strike="noStrike">
+      <a:defRPr sz="1400" b="0" i="0" u="none" strike="noStrike" cap="none">
         <a:solidFill>
           <a:srgbClr val="000000"/>
         </a:solidFill>
@@ -96,7 +95,7 @@
         <a:sym typeface="Arial"/>
       </a:defRPr>
     </a:lvl2pPr>
-    <a:lvl3pPr lvl="2" marR="0" rtl="0" algn="l">
+    <a:lvl3pPr marR="0" lvl="2" algn="l" rtl="0">
       <a:lnSpc>
         <a:spcPct val="100000"/>
       </a:lnSpc>
@@ -110,7 +109,7 @@
         <a:srgbClr val="000000"/>
       </a:buClr>
       <a:buFont typeface="Arial"/>
-      <a:defRPr b="0" i="0" sz="1400" u="none" cap="none" strike="noStrike">
+      <a:defRPr sz="1400" b="0" i="0" u="none" strike="noStrike" cap="none">
         <a:solidFill>
           <a:srgbClr val="000000"/>
         </a:solidFill>
@@ -120,7 +119,7 @@
         <a:sym typeface="Arial"/>
       </a:defRPr>
     </a:lvl3pPr>
-    <a:lvl4pPr lvl="3" marR="0" rtl="0" algn="l">
+    <a:lvl4pPr marR="0" lvl="3" algn="l" rtl="0">
       <a:lnSpc>
         <a:spcPct val="100000"/>
       </a:lnSpc>
@@ -134,7 +133,7 @@
         <a:srgbClr val="000000"/>
       </a:buClr>
       <a:buFont typeface="Arial"/>
-      <a:defRPr b="0" i="0" sz="1400" u="none" cap="none" strike="noStrike">
+      <a:defRPr sz="1400" b="0" i="0" u="none" strike="noStrike" cap="none">
         <a:solidFill>
           <a:srgbClr val="000000"/>
         </a:solidFill>
@@ -144,7 +143,7 @@
         <a:sym typeface="Arial"/>
       </a:defRPr>
     </a:lvl4pPr>
-    <a:lvl5pPr lvl="4" marR="0" rtl="0" algn="l">
+    <a:lvl5pPr marR="0" lvl="4" algn="l" rtl="0">
       <a:lnSpc>
         <a:spcPct val="100000"/>
       </a:lnSpc>
@@ -158,7 +157,7 @@
         <a:srgbClr val="000000"/>
       </a:buClr>
       <a:buFont typeface="Arial"/>
-      <a:defRPr b="0" i="0" sz="1400" u="none" cap="none" strike="noStrike">
+      <a:defRPr sz="1400" b="0" i="0" u="none" strike="noStrike" cap="none">
         <a:solidFill>
           <a:srgbClr val="000000"/>
         </a:solidFill>
@@ -168,7 +167,7 @@
         <a:sym typeface="Arial"/>
       </a:defRPr>
     </a:lvl5pPr>
-    <a:lvl6pPr lvl="5" marR="0" rtl="0" algn="l">
+    <a:lvl6pPr marR="0" lvl="5" algn="l" rtl="0">
       <a:lnSpc>
         <a:spcPct val="100000"/>
       </a:lnSpc>
@@ -182,7 +181,7 @@
         <a:srgbClr val="000000"/>
       </a:buClr>
       <a:buFont typeface="Arial"/>
-      <a:defRPr b="0" i="0" sz="1400" u="none" cap="none" strike="noStrike">
+      <a:defRPr sz="1400" b="0" i="0" u="none" strike="noStrike" cap="none">
         <a:solidFill>
           <a:srgbClr val="000000"/>
         </a:solidFill>
@@ -192,7 +191,7 @@
         <a:sym typeface="Arial"/>
       </a:defRPr>
     </a:lvl6pPr>
-    <a:lvl7pPr lvl="6" marR="0" rtl="0" algn="l">
+    <a:lvl7pPr marR="0" lvl="6" algn="l" rtl="0">
       <a:lnSpc>
         <a:spcPct val="100000"/>
       </a:lnSpc>
@@ -206,7 +205,7 @@
         <a:srgbClr val="000000"/>
       </a:buClr>
       <a:buFont typeface="Arial"/>
-      <a:defRPr b="0" i="0" sz="1400" u="none" cap="none" strike="noStrike">
+      <a:defRPr sz="1400" b="0" i="0" u="none" strike="noStrike" cap="none">
         <a:solidFill>
           <a:srgbClr val="000000"/>
         </a:solidFill>
@@ -216,7 +215,7 @@
         <a:sym typeface="Arial"/>
       </a:defRPr>
     </a:lvl7pPr>
-    <a:lvl8pPr lvl="7" marR="0" rtl="0" algn="l">
+    <a:lvl8pPr marR="0" lvl="7" algn="l" rtl="0">
       <a:lnSpc>
         <a:spcPct val="100000"/>
       </a:lnSpc>
@@ -230,7 +229,7 @@
         <a:srgbClr val="000000"/>
       </a:buClr>
       <a:buFont typeface="Arial"/>
-      <a:defRPr b="0" i="0" sz="1400" u="none" cap="none" strike="noStrike">
+      <a:defRPr sz="1400" b="0" i="0" u="none" strike="noStrike" cap="none">
         <a:solidFill>
           <a:srgbClr val="000000"/>
         </a:solidFill>
@@ -240,7 +239,7 @@
         <a:sym typeface="Arial"/>
       </a:defRPr>
     </a:lvl8pPr>
-    <a:lvl9pPr lvl="8" marR="0" rtl="0" algn="l">
+    <a:lvl9pPr marR="0" lvl="8" algn="l" rtl="0">
       <a:lnSpc>
         <a:spcPct val="100000"/>
       </a:lnSpc>
@@ -254,7 +253,7 @@
         <a:srgbClr val="000000"/>
       </a:buClr>
       <a:buFont typeface="Arial"/>
-      <a:defRPr b="0" i="0" sz="1400" u="none" cap="none" strike="noStrike">
+      <a:defRPr sz="1400" b="0" i="0" u="none" strike="noStrike" cap="none">
         <a:solidFill>
           <a:srgbClr val="000000"/>
         </a:solidFill>
@@ -267,7 +266,7 @@
   </p:defaultTextStyle>
   <p:extLst>
     <p:ext uri="{EFAFB233-063F-42B5-8137-9DF3F51BA10A}">
-      <p15:sldGuideLst>
+      <p15:sldGuideLst xmlns:p15="http://schemas.microsoft.com/office/powerpoint/2012/main">
         <p15:guide id="1" orient="horz" pos="1620">
           <p15:clr>
             <a:srgbClr val="A4A3A4"/>
@@ -285,11 +284,16 @@
 </file>
 
 <file path=ppt/notesMasters/notesMaster1.xml><?xml version="1.0" encoding="utf-8"?>
-<p:notesMaster xmlns:a="http://schemas.openxmlformats.org/drawingml/2006/main" xmlns:r="http://schemas.openxmlformats.org/officeDocument/2006/relationships" xmlns:mc="http://schemas.openxmlformats.org/markup-compatibility/2006" xmlns:mv="urn:schemas-microsoft-com:mac:vml" xmlns:p="http://schemas.openxmlformats.org/presentationml/2006/main" xmlns:c="http://schemas.openxmlformats.org/drawingml/2006/chart" xmlns:dgm="http://schemas.openxmlformats.org/drawingml/2006/diagram" xmlns:o="urn:schemas-microsoft-com:office:office" xmlns:v="urn:schemas-microsoft-com:vml" xmlns:pvml="urn:schemas-microsoft-com:office:powerpoint" xmlns:com="http://schemas.openxmlformats.org/drawingml/2006/compatibility" xmlns:p14="http://schemas.microsoft.com/office/powerpoint/2010/main" xmlns:p15="http://schemas.microsoft.com/office/powerpoint/2012/main" xmlns:ahyp="http://schemas.microsoft.com/office/drawing/2018/hyperlinkcolor">
+<p:notesMaster xmlns:a="http://schemas.openxmlformats.org/drawingml/2006/main" xmlns:r="http://schemas.openxmlformats.org/officeDocument/2006/relationships" xmlns:p="http://schemas.openxmlformats.org/presentationml/2006/main">
   <p:cSld>
+    <p:bg>
+      <p:bgRef idx="1001">
+        <a:schemeClr val="bg1"/>
+      </p:bgRef>
+    </p:bg>
     <p:spTree>
       <p:nvGrpSpPr>
-        <p:cNvPr id="2" name="Shape 2"/>
+        <p:cNvPr id="1" name="Shape 2"/>
         <p:cNvGrpSpPr/>
         <p:nvPr/>
       </p:nvGrpSpPr>
@@ -304,9 +308,11 @@
       <p:sp>
         <p:nvSpPr>
           <p:cNvPr id="3" name="Google Shape;3;n"/>
-          <p:cNvSpPr/>
+          <p:cNvSpPr>
+            <a:spLocks noGrp="1" noRot="1" noChangeAspect="1"/>
+          </p:cNvSpPr>
           <p:nvPr>
-            <p:ph idx="2" type="sldImg"/>
+            <p:ph type="sldImg" idx="2"/>
           </p:nvPr>
         </p:nvSpPr>
         <p:spPr>
@@ -315,9 +321,13 @@
             <a:ext cx="6096075" cy="3429000"/>
           </a:xfrm>
           <a:custGeom>
-            <a:rect b="b" l="l" r="r" t="t"/>
+            <a:avLst/>
+            <a:gdLst/>
+            <a:ahLst/>
+            <a:cxnLst/>
+            <a:rect l="l" t="t" r="r" b="b"/>
             <a:pathLst>
-              <a:path extrusionOk="0" h="120000" w="120000">
+              <a:path w="120000" h="120000" extrusionOk="0">
                 <a:moveTo>
                   <a:pt x="0" y="0"/>
                 </a:moveTo>
@@ -335,23 +345,25 @@
             </a:pathLst>
           </a:custGeom>
           <a:noFill/>
-          <a:ln cap="flat" cmpd="sng" w="9525">
+          <a:ln w="9525" cap="flat" cmpd="sng">
             <a:solidFill>
               <a:srgbClr val="000000"/>
             </a:solidFill>
             <a:prstDash val="solid"/>
             <a:round/>
-            <a:headEnd len="sm" w="sm" type="none"/>
-            <a:tailEnd len="sm" w="sm" type="none"/>
+            <a:headEnd type="none" w="sm" len="sm"/>
+            <a:tailEnd type="none" w="sm" len="sm"/>
           </a:ln>
         </p:spPr>
       </p:sp>
       <p:sp>
         <p:nvSpPr>
           <p:cNvPr id="4" name="Google Shape;4;n"/>
-          <p:cNvSpPr txBox="1"/>
+          <p:cNvSpPr txBox="1">
+            <a:spLocks noGrp="1"/>
+          </p:cNvSpPr>
           <p:nvPr>
-            <p:ph idx="1" type="body"/>
+            <p:ph type="body" idx="1"/>
           </p:nvPr>
         </p:nvSpPr>
         <p:spPr>
@@ -368,11 +380,11 @@
           </a:ln>
         </p:spPr>
         <p:txBody>
-          <a:bodyPr anchorCtr="0" anchor="t" bIns="91425" lIns="91425" spcFirstLastPara="1" rIns="91425" wrap="square" tIns="91425">
+          <a:bodyPr spcFirstLastPara="1" wrap="square" lIns="91425" tIns="91425" rIns="91425" bIns="91425" anchor="t" anchorCtr="0">
             <a:noAutofit/>
           </a:bodyPr>
           <a:lstStyle>
-            <a:lvl1pPr indent="-298450" lvl="0" marL="457200">
+            <a:lvl1pPr marL="457200" lvl="0" indent="-298450">
               <a:spcBef>
                 <a:spcPts val="0"/>
               </a:spcBef>
@@ -383,7 +395,7 @@
               <a:buChar char="●"/>
               <a:defRPr sz="1100"/>
             </a:lvl1pPr>
-            <a:lvl2pPr indent="-298450" lvl="1" marL="914400">
+            <a:lvl2pPr marL="914400" lvl="1" indent="-298450">
               <a:spcBef>
                 <a:spcPts val="0"/>
               </a:spcBef>
@@ -394,7 +406,7 @@
               <a:buChar char="○"/>
               <a:defRPr sz="1100"/>
             </a:lvl2pPr>
-            <a:lvl3pPr indent="-298450" lvl="2" marL="1371600">
+            <a:lvl3pPr marL="1371600" lvl="2" indent="-298450">
               <a:spcBef>
                 <a:spcPts val="0"/>
               </a:spcBef>
@@ -405,7 +417,7 @@
               <a:buChar char="■"/>
               <a:defRPr sz="1100"/>
             </a:lvl3pPr>
-            <a:lvl4pPr indent="-298450" lvl="3" marL="1828800">
+            <a:lvl4pPr marL="1828800" lvl="3" indent="-298450">
               <a:spcBef>
                 <a:spcPts val="0"/>
               </a:spcBef>
@@ -416,7 +428,7 @@
               <a:buChar char="●"/>
               <a:defRPr sz="1100"/>
             </a:lvl4pPr>
-            <a:lvl5pPr indent="-298450" lvl="4" marL="2286000">
+            <a:lvl5pPr marL="2286000" lvl="4" indent="-298450">
               <a:spcBef>
                 <a:spcPts val="0"/>
               </a:spcBef>
@@ -427,7 +439,7 @@
               <a:buChar char="○"/>
               <a:defRPr sz="1100"/>
             </a:lvl5pPr>
-            <a:lvl6pPr indent="-298450" lvl="5" marL="2743200">
+            <a:lvl6pPr marL="2743200" lvl="5" indent="-298450">
               <a:spcBef>
                 <a:spcPts val="0"/>
               </a:spcBef>
@@ -438,7 +450,7 @@
               <a:buChar char="■"/>
               <a:defRPr sz="1100"/>
             </a:lvl6pPr>
-            <a:lvl7pPr indent="-298450" lvl="6" marL="3200400">
+            <a:lvl7pPr marL="3200400" lvl="6" indent="-298450">
               <a:spcBef>
                 <a:spcPts val="0"/>
               </a:spcBef>
@@ -449,7 +461,7 @@
               <a:buChar char="●"/>
               <a:defRPr sz="1100"/>
             </a:lvl7pPr>
-            <a:lvl8pPr indent="-298450" lvl="7" marL="3657600">
+            <a:lvl8pPr marL="3657600" lvl="7" indent="-298450">
               <a:spcBef>
                 <a:spcPts val="0"/>
               </a:spcBef>
@@ -460,7 +472,7 @@
               <a:buChar char="○"/>
               <a:defRPr sz="1100"/>
             </a:lvl8pPr>
-            <a:lvl9pPr indent="-298450" lvl="8" marL="4114800">
+            <a:lvl9pPr marL="4114800" lvl="8" indent="-298450">
               <a:spcBef>
                 <a:spcPts val="0"/>
               </a:spcBef>
@@ -472,14 +484,16 @@
               <a:defRPr sz="1100"/>
             </a:lvl9pPr>
           </a:lstStyle>
-          <a:p/>
+          <a:p>
+            <a:endParaRPr/>
+          </a:p>
         </p:txBody>
       </p:sp>
     </p:spTree>
   </p:cSld>
-  <p:clrMap accent1="accent1" accent2="accent2" accent3="accent3" accent4="accent4" accent5="accent5" accent6="accent6" bg1="lt1" bg2="dk2" tx1="dk1" tx2="lt2" folHlink="folHlink" hlink="hlink"/>
+  <p:clrMap bg1="lt1" tx1="dk1" bg2="dk2" tx2="lt2" accent1="accent1" accent2="accent2" accent3="accent3" accent4="accent4" accent5="accent5" accent6="accent6" hlink="hlink" folHlink="folHlink"/>
   <p:notesStyle>
-    <a:defPPr lvl="0" marR="0" rtl="0" algn="l">
+    <a:defPPr marR="0" lvl="0" algn="l" rtl="0">
       <a:lnSpc>
         <a:spcPct val="100000"/>
       </a:lnSpc>
@@ -490,7 +504,7 @@
         <a:spcPts val="0"/>
       </a:spcAft>
     </a:defPPr>
-    <a:lvl1pPr lvl="0" marR="0" rtl="0" algn="l">
+    <a:lvl1pPr marR="0" lvl="0" algn="l" rtl="0">
       <a:lnSpc>
         <a:spcPct val="100000"/>
       </a:lnSpc>
@@ -504,7 +518,7 @@
         <a:srgbClr val="000000"/>
       </a:buClr>
       <a:buFont typeface="Arial"/>
-      <a:defRPr b="0" i="0" sz="1400" u="none" cap="none" strike="noStrike">
+      <a:defRPr sz="1400" b="0" i="0" u="none" strike="noStrike" cap="none">
         <a:solidFill>
           <a:srgbClr val="000000"/>
         </a:solidFill>
@@ -514,7 +528,7 @@
         <a:sym typeface="Arial"/>
       </a:defRPr>
     </a:lvl1pPr>
-    <a:lvl2pPr lvl="1" marR="0" rtl="0" algn="l">
+    <a:lvl2pPr marR="0" lvl="1" algn="l" rtl="0">
       <a:lnSpc>
         <a:spcPct val="100000"/>
       </a:lnSpc>
@@ -528,7 +542,7 @@
         <a:srgbClr val="000000"/>
       </a:buClr>
       <a:buFont typeface="Arial"/>
-      <a:defRPr b="0" i="0" sz="1400" u="none" cap="none" strike="noStrike">
+      <a:defRPr sz="1400" b="0" i="0" u="none" strike="noStrike" cap="none">
         <a:solidFill>
           <a:srgbClr val="000000"/>
         </a:solidFill>
@@ -538,7 +552,7 @@
         <a:sym typeface="Arial"/>
       </a:defRPr>
     </a:lvl2pPr>
-    <a:lvl3pPr lvl="2" marR="0" rtl="0" algn="l">
+    <a:lvl3pPr marR="0" lvl="2" algn="l" rtl="0">
       <a:lnSpc>
         <a:spcPct val="100000"/>
       </a:lnSpc>
@@ -552,7 +566,7 @@
         <a:srgbClr val="000000"/>
       </a:buClr>
       <a:buFont typeface="Arial"/>
-      <a:defRPr b="0" i="0" sz="1400" u="none" cap="none" strike="noStrike">
+      <a:defRPr sz="1400" b="0" i="0" u="none" strike="noStrike" cap="none">
         <a:solidFill>
           <a:srgbClr val="000000"/>
         </a:solidFill>
@@ -562,7 +576,7 @@
         <a:sym typeface="Arial"/>
       </a:defRPr>
     </a:lvl3pPr>
-    <a:lvl4pPr lvl="3" marR="0" rtl="0" algn="l">
+    <a:lvl4pPr marR="0" lvl="3" algn="l" rtl="0">
       <a:lnSpc>
         <a:spcPct val="100000"/>
       </a:lnSpc>
@@ -576,7 +590,7 @@
         <a:srgbClr val="000000"/>
       </a:buClr>
       <a:buFont typeface="Arial"/>
-      <a:defRPr b="0" i="0" sz="1400" u="none" cap="none" strike="noStrike">
+      <a:defRPr sz="1400" b="0" i="0" u="none" strike="noStrike" cap="none">
         <a:solidFill>
           <a:srgbClr val="000000"/>
         </a:solidFill>
@@ -586,7 +600,7 @@
         <a:sym typeface="Arial"/>
       </a:defRPr>
     </a:lvl4pPr>
-    <a:lvl5pPr lvl="4" marR="0" rtl="0" algn="l">
+    <a:lvl5pPr marR="0" lvl="4" algn="l" rtl="0">
       <a:lnSpc>
         <a:spcPct val="100000"/>
       </a:lnSpc>
@@ -600,7 +614,7 @@
         <a:srgbClr val="000000"/>
       </a:buClr>
       <a:buFont typeface="Arial"/>
-      <a:defRPr b="0" i="0" sz="1400" u="none" cap="none" strike="noStrike">
+      <a:defRPr sz="1400" b="0" i="0" u="none" strike="noStrike" cap="none">
         <a:solidFill>
           <a:srgbClr val="000000"/>
         </a:solidFill>
@@ -610,7 +624,7 @@
         <a:sym typeface="Arial"/>
       </a:defRPr>
     </a:lvl5pPr>
-    <a:lvl6pPr lvl="5" marR="0" rtl="0" algn="l">
+    <a:lvl6pPr marR="0" lvl="5" algn="l" rtl="0">
       <a:lnSpc>
         <a:spcPct val="100000"/>
       </a:lnSpc>
@@ -624,7 +638,7 @@
         <a:srgbClr val="000000"/>
       </a:buClr>
       <a:buFont typeface="Arial"/>
-      <a:defRPr b="0" i="0" sz="1400" u="none" cap="none" strike="noStrike">
+      <a:defRPr sz="1400" b="0" i="0" u="none" strike="noStrike" cap="none">
         <a:solidFill>
           <a:srgbClr val="000000"/>
         </a:solidFill>
@@ -634,7 +648,7 @@
         <a:sym typeface="Arial"/>
       </a:defRPr>
     </a:lvl6pPr>
-    <a:lvl7pPr lvl="6" marR="0" rtl="0" algn="l">
+    <a:lvl7pPr marR="0" lvl="6" algn="l" rtl="0">
       <a:lnSpc>
         <a:spcPct val="100000"/>
       </a:lnSpc>
@@ -648,7 +662,7 @@
         <a:srgbClr val="000000"/>
       </a:buClr>
       <a:buFont typeface="Arial"/>
-      <a:defRPr b="0" i="0" sz="1400" u="none" cap="none" strike="noStrike">
+      <a:defRPr sz="1400" b="0" i="0" u="none" strike="noStrike" cap="none">
         <a:solidFill>
           <a:srgbClr val="000000"/>
         </a:solidFill>
@@ -658,7 +672,7 @@
         <a:sym typeface="Arial"/>
       </a:defRPr>
     </a:lvl7pPr>
-    <a:lvl8pPr lvl="7" marR="0" rtl="0" algn="l">
+    <a:lvl8pPr marR="0" lvl="7" algn="l" rtl="0">
       <a:lnSpc>
         <a:spcPct val="100000"/>
       </a:lnSpc>
@@ -672,7 +686,7 @@
         <a:srgbClr val="000000"/>
       </a:buClr>
       <a:buFont typeface="Arial"/>
-      <a:defRPr b="0" i="0" sz="1400" u="none" cap="none" strike="noStrike">
+      <a:defRPr sz="1400" b="0" i="0" u="none" strike="noStrike" cap="none">
         <a:solidFill>
           <a:srgbClr val="000000"/>
         </a:solidFill>
@@ -682,7 +696,7 @@
         <a:sym typeface="Arial"/>
       </a:defRPr>
     </a:lvl8pPr>
-    <a:lvl9pPr lvl="8" marR="0" rtl="0" algn="l">
+    <a:lvl9pPr marR="0" lvl="8" algn="l" rtl="0">
       <a:lnSpc>
         <a:spcPct val="100000"/>
       </a:lnSpc>
@@ -696,7 +710,7 @@
         <a:srgbClr val="000000"/>
       </a:buClr>
       <a:buFont typeface="Arial"/>
-      <a:defRPr b="0" i="0" sz="1400" u="none" cap="none" strike="noStrike">
+      <a:defRPr sz="1400" b="0" i="0" u="none" strike="noStrike" cap="none">
         <a:solidFill>
           <a:srgbClr val="000000"/>
         </a:solidFill>
@@ -711,11 +725,11 @@
 </file>
 
 <file path=ppt/notesSlides/notesSlide1.xml><?xml version="1.0" encoding="utf-8"?>
-<p:notes xmlns:a="http://schemas.openxmlformats.org/drawingml/2006/main" xmlns:r="http://schemas.openxmlformats.org/officeDocument/2006/relationships" xmlns:mc="http://schemas.openxmlformats.org/markup-compatibility/2006" xmlns:mv="urn:schemas-microsoft-com:mac:vml" xmlns:p="http://schemas.openxmlformats.org/presentationml/2006/main" xmlns:c="http://schemas.openxmlformats.org/drawingml/2006/chart" xmlns:dgm="http://schemas.openxmlformats.org/drawingml/2006/diagram" xmlns:o="urn:schemas-microsoft-com:office:office" xmlns:v="urn:schemas-microsoft-com:vml" xmlns:pvml="urn:schemas-microsoft-com:office:powerpoint" xmlns:com="http://schemas.openxmlformats.org/drawingml/2006/compatibility" xmlns:p14="http://schemas.microsoft.com/office/powerpoint/2010/main" xmlns:p15="http://schemas.microsoft.com/office/powerpoint/2012/main" xmlns:ahyp="http://schemas.microsoft.com/office/drawing/2018/hyperlinkcolor" showMasterPhAnim="0" showMasterSp="0">
+<p:notes xmlns:a="http://schemas.openxmlformats.org/drawingml/2006/main" xmlns:r="http://schemas.openxmlformats.org/officeDocument/2006/relationships" xmlns:p="http://schemas.openxmlformats.org/presentationml/2006/main" showMasterSp="0" showMasterPhAnim="0">
   <p:cSld>
     <p:spTree>
       <p:nvGrpSpPr>
-        <p:cNvPr id="60" name="Shape 60"/>
+        <p:cNvPr id="1" name="Shape 60"/>
         <p:cNvGrpSpPr/>
         <p:nvPr/>
       </p:nvGrpSpPr>
@@ -730,9 +744,11 @@
       <p:sp>
         <p:nvSpPr>
           <p:cNvPr id="61" name="Google Shape;61;p:notes"/>
-          <p:cNvSpPr/>
+          <p:cNvSpPr>
+            <a:spLocks noGrp="1" noRot="1" noChangeAspect="1"/>
+          </p:cNvSpPr>
           <p:nvPr>
-            <p:ph idx="2" type="sldImg"/>
+            <p:ph type="sldImg" idx="2"/>
           </p:nvPr>
         </p:nvSpPr>
         <p:spPr>
@@ -741,9 +757,13 @@
             <a:ext cx="6096075" cy="3429000"/>
           </a:xfrm>
           <a:custGeom>
-            <a:rect b="b" l="l" r="r" t="t"/>
+            <a:avLst/>
+            <a:gdLst/>
+            <a:ahLst/>
+            <a:cxnLst/>
+            <a:rect l="l" t="t" r="r" b="b"/>
             <a:pathLst>
-              <a:path extrusionOk="0" h="120000" w="120000">
+              <a:path w="120000" h="120000" extrusionOk="0">
                 <a:moveTo>
                   <a:pt x="0" y="0"/>
                 </a:moveTo>
@@ -765,9 +785,11 @@
       <p:sp>
         <p:nvSpPr>
           <p:cNvPr id="62" name="Google Shape;62;p:notes"/>
-          <p:cNvSpPr txBox="1"/>
+          <p:cNvSpPr txBox="1">
+            <a:spLocks noGrp="1"/>
+          </p:cNvSpPr>
           <p:nvPr>
-            <p:ph idx="1" type="body"/>
+            <p:ph type="body" idx="1"/>
           </p:nvPr>
         </p:nvSpPr>
         <p:spPr>
@@ -780,12 +802,12 @@
           </a:prstGeom>
         </p:spPr>
         <p:txBody>
-          <a:bodyPr anchorCtr="0" anchor="t" bIns="91425" lIns="91425" spcFirstLastPara="1" rIns="91425" wrap="square" tIns="91425">
+          <a:bodyPr spcFirstLastPara="1" wrap="square" lIns="91425" tIns="91425" rIns="91425" bIns="91425" anchor="t" anchorCtr="0">
             <a:noAutofit/>
           </a:bodyPr>
           <a:lstStyle/>
           <a:p>
-            <a:pPr indent="0" lvl="0" marL="0" rtl="0" algn="l">
+            <a:pPr marL="0" lvl="0" indent="0" algn="l" rtl="0">
               <a:spcBef>
                 <a:spcPts val="0"/>
               </a:spcBef>
@@ -794,9 +816,6 @@
               </a:spcAft>
               <a:buNone/>
             </a:pPr>
-            <a:r>
-              <a:t/>
-            </a:r>
             <a:endParaRPr/>
           </a:p>
         </p:txBody>
@@ -810,11 +829,11 @@
 </file>
 
 <file path=ppt/notesSlides/notesSlide2.xml><?xml version="1.0" encoding="utf-8"?>
-<p:notes xmlns:a="http://schemas.openxmlformats.org/drawingml/2006/main" xmlns:r="http://schemas.openxmlformats.org/officeDocument/2006/relationships" xmlns:mc="http://schemas.openxmlformats.org/markup-compatibility/2006" xmlns:mv="urn:schemas-microsoft-com:mac:vml" xmlns:p="http://schemas.openxmlformats.org/presentationml/2006/main" xmlns:c="http://schemas.openxmlformats.org/drawingml/2006/chart" xmlns:dgm="http://schemas.openxmlformats.org/drawingml/2006/diagram" xmlns:o="urn:schemas-microsoft-com:office:office" xmlns:v="urn:schemas-microsoft-com:vml" xmlns:pvml="urn:schemas-microsoft-com:office:powerpoint" xmlns:com="http://schemas.openxmlformats.org/drawingml/2006/compatibility" xmlns:p14="http://schemas.microsoft.com/office/powerpoint/2010/main" xmlns:p15="http://schemas.microsoft.com/office/powerpoint/2012/main" xmlns:ahyp="http://schemas.microsoft.com/office/drawing/2018/hyperlinkcolor" showMasterPhAnim="0" showMasterSp="0">
+<p:notes xmlns:a="http://schemas.openxmlformats.org/drawingml/2006/main" xmlns:r="http://schemas.openxmlformats.org/officeDocument/2006/relationships" xmlns:p="http://schemas.openxmlformats.org/presentationml/2006/main" showMasterSp="0" showMasterPhAnim="0">
   <p:cSld>
     <p:spTree>
       <p:nvGrpSpPr>
-        <p:cNvPr id="67" name="Shape 67"/>
+        <p:cNvPr id="1" name="Shape 67"/>
         <p:cNvGrpSpPr/>
         <p:nvPr/>
       </p:nvGrpSpPr>
@@ -829,20 +848,26 @@
       <p:sp>
         <p:nvSpPr>
           <p:cNvPr id="68" name="Google Shape;68;gd19e63aa9a_0_56:notes"/>
-          <p:cNvSpPr/>
+          <p:cNvSpPr>
+            <a:spLocks noGrp="1" noRot="1" noChangeAspect="1"/>
+          </p:cNvSpPr>
           <p:nvPr>
-            <p:ph idx="2" type="sldImg"/>
+            <p:ph type="sldImg" idx="2"/>
           </p:nvPr>
         </p:nvSpPr>
         <p:spPr>
           <a:xfrm>
-            <a:off x="381300" y="685800"/>
+            <a:off x="381000" y="685800"/>
             <a:ext cx="6096000" cy="3429000"/>
           </a:xfrm>
           <a:custGeom>
-            <a:rect b="b" l="l" r="r" t="t"/>
+            <a:avLst/>
+            <a:gdLst/>
+            <a:ahLst/>
+            <a:cxnLst/>
+            <a:rect l="l" t="t" r="r" b="b"/>
             <a:pathLst>
-              <a:path extrusionOk="0" h="120000" w="120000">
+              <a:path w="120000" h="120000" extrusionOk="0">
                 <a:moveTo>
                   <a:pt x="0" y="0"/>
                 </a:moveTo>
@@ -864,9 +889,11 @@
       <p:sp>
         <p:nvSpPr>
           <p:cNvPr id="69" name="Google Shape;69;gd19e63aa9a_0_56:notes"/>
-          <p:cNvSpPr txBox="1"/>
+          <p:cNvSpPr txBox="1">
+            <a:spLocks noGrp="1"/>
+          </p:cNvSpPr>
           <p:nvPr>
-            <p:ph idx="1" type="body"/>
+            <p:ph type="body" idx="1"/>
           </p:nvPr>
         </p:nvSpPr>
         <p:spPr>
@@ -879,12 +906,12 @@
           </a:prstGeom>
         </p:spPr>
         <p:txBody>
-          <a:bodyPr anchorCtr="0" anchor="t" bIns="91425" lIns="91425" spcFirstLastPara="1" rIns="91425" wrap="square" tIns="91425">
+          <a:bodyPr spcFirstLastPara="1" wrap="square" lIns="91425" tIns="91425" rIns="91425" bIns="91425" anchor="t" anchorCtr="0">
             <a:noAutofit/>
           </a:bodyPr>
           <a:lstStyle/>
           <a:p>
-            <a:pPr indent="0" lvl="0" marL="0" rtl="0" algn="l">
+            <a:pPr marL="0" lvl="0" indent="0" algn="l" rtl="0">
               <a:spcBef>
                 <a:spcPts val="0"/>
               </a:spcBef>
@@ -893,9 +920,6 @@
               </a:spcAft>
               <a:buNone/>
             </a:pPr>
-            <a:r>
-              <a:t/>
-            </a:r>
             <a:endParaRPr/>
           </a:p>
         </p:txBody>
@@ -909,11 +933,11 @@
 </file>
 
 <file path=ppt/notesSlides/notesSlide3.xml><?xml version="1.0" encoding="utf-8"?>
-<p:notes xmlns:a="http://schemas.openxmlformats.org/drawingml/2006/main" xmlns:r="http://schemas.openxmlformats.org/officeDocument/2006/relationships" xmlns:mc="http://schemas.openxmlformats.org/markup-compatibility/2006" xmlns:mv="urn:schemas-microsoft-com:mac:vml" xmlns:p="http://schemas.openxmlformats.org/presentationml/2006/main" xmlns:c="http://schemas.openxmlformats.org/drawingml/2006/chart" xmlns:dgm="http://schemas.openxmlformats.org/drawingml/2006/diagram" xmlns:o="urn:schemas-microsoft-com:office:office" xmlns:v="urn:schemas-microsoft-com:vml" xmlns:pvml="urn:schemas-microsoft-com:office:powerpoint" xmlns:com="http://schemas.openxmlformats.org/drawingml/2006/compatibility" xmlns:p14="http://schemas.microsoft.com/office/powerpoint/2010/main" xmlns:p15="http://schemas.microsoft.com/office/powerpoint/2012/main" xmlns:ahyp="http://schemas.microsoft.com/office/drawing/2018/hyperlinkcolor" showMasterPhAnim="0" showMasterSp="0">
+<p:notes xmlns:a="http://schemas.openxmlformats.org/drawingml/2006/main" xmlns:r="http://schemas.openxmlformats.org/officeDocument/2006/relationships" xmlns:p="http://schemas.openxmlformats.org/presentationml/2006/main" showMasterSp="0" showMasterPhAnim="0">
   <p:cSld>
     <p:spTree>
       <p:nvGrpSpPr>
-        <p:cNvPr id="73" name="Shape 73"/>
+        <p:cNvPr id="1" name="Shape 73"/>
         <p:cNvGrpSpPr/>
         <p:nvPr/>
       </p:nvGrpSpPr>
@@ -928,20 +952,26 @@
       <p:sp>
         <p:nvSpPr>
           <p:cNvPr id="74" name="Google Shape;74;gd19e63aa9a_0_61:notes"/>
-          <p:cNvSpPr/>
+          <p:cNvSpPr>
+            <a:spLocks noGrp="1" noRot="1" noChangeAspect="1"/>
+          </p:cNvSpPr>
           <p:nvPr>
-            <p:ph idx="2" type="sldImg"/>
+            <p:ph type="sldImg" idx="2"/>
           </p:nvPr>
         </p:nvSpPr>
         <p:spPr>
           <a:xfrm>
-            <a:off x="381300" y="685800"/>
+            <a:off x="381000" y="685800"/>
             <a:ext cx="6096000" cy="3429000"/>
           </a:xfrm>
           <a:custGeom>
-            <a:rect b="b" l="l" r="r" t="t"/>
+            <a:avLst/>
+            <a:gdLst/>
+            <a:ahLst/>
+            <a:cxnLst/>
+            <a:rect l="l" t="t" r="r" b="b"/>
             <a:pathLst>
-              <a:path extrusionOk="0" h="120000" w="120000">
+              <a:path w="120000" h="120000" extrusionOk="0">
                 <a:moveTo>
                   <a:pt x="0" y="0"/>
                 </a:moveTo>
@@ -963,9 +993,11 @@
       <p:sp>
         <p:nvSpPr>
           <p:cNvPr id="75" name="Google Shape;75;gd19e63aa9a_0_61:notes"/>
-          <p:cNvSpPr txBox="1"/>
+          <p:cNvSpPr txBox="1">
+            <a:spLocks noGrp="1"/>
+          </p:cNvSpPr>
           <p:nvPr>
-            <p:ph idx="1" type="body"/>
+            <p:ph type="body" idx="1"/>
           </p:nvPr>
         </p:nvSpPr>
         <p:spPr>
@@ -978,12 +1010,12 @@
           </a:prstGeom>
         </p:spPr>
         <p:txBody>
-          <a:bodyPr anchorCtr="0" anchor="t" bIns="91425" lIns="91425" spcFirstLastPara="1" rIns="91425" wrap="square" tIns="91425">
+          <a:bodyPr spcFirstLastPara="1" wrap="square" lIns="91425" tIns="91425" rIns="91425" bIns="91425" anchor="t" anchorCtr="0">
             <a:noAutofit/>
           </a:bodyPr>
           <a:lstStyle/>
           <a:p>
-            <a:pPr indent="0" lvl="0" marL="0" rtl="0" algn="l">
+            <a:pPr marL="0" lvl="0" indent="0" algn="l" rtl="0">
               <a:spcBef>
                 <a:spcPts val="0"/>
               </a:spcBef>
@@ -992,9 +1024,6 @@
               </a:spcAft>
               <a:buNone/>
             </a:pPr>
-            <a:r>
-              <a:t/>
-            </a:r>
             <a:endParaRPr/>
           </a:p>
         </p:txBody>
@@ -1008,11 +1037,11 @@
 </file>
 
 <file path=ppt/notesSlides/notesSlide4.xml><?xml version="1.0" encoding="utf-8"?>
-<p:notes xmlns:a="http://schemas.openxmlformats.org/drawingml/2006/main" xmlns:r="http://schemas.openxmlformats.org/officeDocument/2006/relationships" xmlns:mc="http://schemas.openxmlformats.org/markup-compatibility/2006" xmlns:mv="urn:schemas-microsoft-com:mac:vml" xmlns:p="http://schemas.openxmlformats.org/presentationml/2006/main" xmlns:c="http://schemas.openxmlformats.org/drawingml/2006/chart" xmlns:dgm="http://schemas.openxmlformats.org/drawingml/2006/diagram" xmlns:o="urn:schemas-microsoft-com:office:office" xmlns:v="urn:schemas-microsoft-com:vml" xmlns:pvml="urn:schemas-microsoft-com:office:powerpoint" xmlns:com="http://schemas.openxmlformats.org/drawingml/2006/compatibility" xmlns:p14="http://schemas.microsoft.com/office/powerpoint/2010/main" xmlns:p15="http://schemas.microsoft.com/office/powerpoint/2012/main" xmlns:ahyp="http://schemas.microsoft.com/office/drawing/2018/hyperlinkcolor" showMasterPhAnim="0" showMasterSp="0">
+<p:notes xmlns:a="http://schemas.openxmlformats.org/drawingml/2006/main" xmlns:r="http://schemas.openxmlformats.org/officeDocument/2006/relationships" xmlns:p="http://schemas.openxmlformats.org/presentationml/2006/main" showMasterSp="0" showMasterPhAnim="0">
   <p:cSld>
     <p:spTree>
       <p:nvGrpSpPr>
-        <p:cNvPr id="79" name="Shape 79"/>
+        <p:cNvPr id="1" name="Shape 79"/>
         <p:cNvGrpSpPr/>
         <p:nvPr/>
       </p:nvGrpSpPr>
@@ -1027,9 +1056,11 @@
       <p:sp>
         <p:nvSpPr>
           <p:cNvPr id="80" name="Google Shape;80;gd19e63aa9a_0_65:notes"/>
-          <p:cNvSpPr/>
+          <p:cNvSpPr>
+            <a:spLocks noGrp="1" noRot="1" noChangeAspect="1"/>
+          </p:cNvSpPr>
           <p:nvPr>
-            <p:ph idx="2" type="sldImg"/>
+            <p:ph type="sldImg" idx="2"/>
           </p:nvPr>
         </p:nvSpPr>
         <p:spPr>
@@ -1038,9 +1069,13 @@
             <a:ext cx="6096000" cy="3429000"/>
           </a:xfrm>
           <a:custGeom>
-            <a:rect b="b" l="l" r="r" t="t"/>
+            <a:avLst/>
+            <a:gdLst/>
+            <a:ahLst/>
+            <a:cxnLst/>
+            <a:rect l="l" t="t" r="r" b="b"/>
             <a:pathLst>
-              <a:path extrusionOk="0" h="120000" w="120000">
+              <a:path w="120000" h="120000" extrusionOk="0">
                 <a:moveTo>
                   <a:pt x="0" y="0"/>
                 </a:moveTo>
@@ -1062,9 +1097,11 @@
       <p:sp>
         <p:nvSpPr>
           <p:cNvPr id="81" name="Google Shape;81;gd19e63aa9a_0_65:notes"/>
-          <p:cNvSpPr txBox="1"/>
+          <p:cNvSpPr txBox="1">
+            <a:spLocks noGrp="1"/>
+          </p:cNvSpPr>
           <p:nvPr>
-            <p:ph idx="1" type="body"/>
+            <p:ph type="body" idx="1"/>
           </p:nvPr>
         </p:nvSpPr>
         <p:spPr>
@@ -1077,12 +1114,12 @@
           </a:prstGeom>
         </p:spPr>
         <p:txBody>
-          <a:bodyPr anchorCtr="0" anchor="t" bIns="91425" lIns="91425" spcFirstLastPara="1" rIns="91425" wrap="square" tIns="91425">
+          <a:bodyPr spcFirstLastPara="1" wrap="square" lIns="91425" tIns="91425" rIns="91425" bIns="91425" anchor="t" anchorCtr="0">
             <a:noAutofit/>
           </a:bodyPr>
           <a:lstStyle/>
           <a:p>
-            <a:pPr indent="0" lvl="0" marL="0" rtl="0" algn="l">
+            <a:pPr marL="0" lvl="0" indent="0" algn="l" rtl="0">
               <a:spcBef>
                 <a:spcPts val="0"/>
               </a:spcBef>
@@ -1091,9 +1128,6 @@
               </a:spcAft>
               <a:buNone/>
             </a:pPr>
-            <a:r>
-              <a:t/>
-            </a:r>
             <a:endParaRPr/>
           </a:p>
         </p:txBody>
@@ -1107,11 +1141,11 @@
 </file>
 
 <file path=ppt/notesSlides/notesSlide5.xml><?xml version="1.0" encoding="utf-8"?>
-<p:notes xmlns:a="http://schemas.openxmlformats.org/drawingml/2006/main" xmlns:r="http://schemas.openxmlformats.org/officeDocument/2006/relationships" xmlns:mc="http://schemas.openxmlformats.org/markup-compatibility/2006" xmlns:mv="urn:schemas-microsoft-com:mac:vml" xmlns:p="http://schemas.openxmlformats.org/presentationml/2006/main" xmlns:c="http://schemas.openxmlformats.org/drawingml/2006/chart" xmlns:dgm="http://schemas.openxmlformats.org/drawingml/2006/diagram" xmlns:o="urn:schemas-microsoft-com:office:office" xmlns:v="urn:schemas-microsoft-com:vml" xmlns:pvml="urn:schemas-microsoft-com:office:powerpoint" xmlns:com="http://schemas.openxmlformats.org/drawingml/2006/compatibility" xmlns:p14="http://schemas.microsoft.com/office/powerpoint/2010/main" xmlns:p15="http://schemas.microsoft.com/office/powerpoint/2012/main" xmlns:ahyp="http://schemas.microsoft.com/office/drawing/2018/hyperlinkcolor" showMasterPhAnim="0" showMasterSp="0">
+<p:notes xmlns:a="http://schemas.openxmlformats.org/drawingml/2006/main" xmlns:r="http://schemas.openxmlformats.org/officeDocument/2006/relationships" xmlns:p="http://schemas.openxmlformats.org/presentationml/2006/main" showMasterSp="0" showMasterPhAnim="0">
   <p:cSld>
     <p:spTree>
       <p:nvGrpSpPr>
-        <p:cNvPr id="85" name="Shape 85"/>
+        <p:cNvPr id="1" name="Shape 85"/>
         <p:cNvGrpSpPr/>
         <p:nvPr/>
       </p:nvGrpSpPr>
@@ -1126,20 +1160,26 @@
       <p:sp>
         <p:nvSpPr>
           <p:cNvPr id="86" name="Google Shape;86;gd19e63aa9a_0_70:notes"/>
-          <p:cNvSpPr/>
+          <p:cNvSpPr>
+            <a:spLocks noGrp="1" noRot="1" noChangeAspect="1"/>
+          </p:cNvSpPr>
           <p:nvPr>
-            <p:ph idx="2" type="sldImg"/>
+            <p:ph type="sldImg" idx="2"/>
           </p:nvPr>
         </p:nvSpPr>
         <p:spPr>
           <a:xfrm>
-            <a:off x="381300" y="685800"/>
+            <a:off x="381000" y="685800"/>
             <a:ext cx="6096000" cy="3429000"/>
           </a:xfrm>
           <a:custGeom>
-            <a:rect b="b" l="l" r="r" t="t"/>
+            <a:avLst/>
+            <a:gdLst/>
+            <a:ahLst/>
+            <a:cxnLst/>
+            <a:rect l="l" t="t" r="r" b="b"/>
             <a:pathLst>
-              <a:path extrusionOk="0" h="120000" w="120000">
+              <a:path w="120000" h="120000" extrusionOk="0">
                 <a:moveTo>
                   <a:pt x="0" y="0"/>
                 </a:moveTo>
@@ -1161,9 +1201,11 @@
       <p:sp>
         <p:nvSpPr>
           <p:cNvPr id="87" name="Google Shape;87;gd19e63aa9a_0_70:notes"/>
-          <p:cNvSpPr txBox="1"/>
+          <p:cNvSpPr txBox="1">
+            <a:spLocks noGrp="1"/>
+          </p:cNvSpPr>
           <p:nvPr>
-            <p:ph idx="1" type="body"/>
+            <p:ph type="body" idx="1"/>
           </p:nvPr>
         </p:nvSpPr>
         <p:spPr>
@@ -1176,12 +1218,12 @@
           </a:prstGeom>
         </p:spPr>
         <p:txBody>
-          <a:bodyPr anchorCtr="0" anchor="t" bIns="91425" lIns="91425" spcFirstLastPara="1" rIns="91425" wrap="square" tIns="91425">
+          <a:bodyPr spcFirstLastPara="1" wrap="square" lIns="91425" tIns="91425" rIns="91425" bIns="91425" anchor="t" anchorCtr="0">
             <a:noAutofit/>
           </a:bodyPr>
           <a:lstStyle/>
           <a:p>
-            <a:pPr indent="0" lvl="0" marL="0" rtl="0" algn="l">
+            <a:pPr marL="0" lvl="0" indent="0" algn="l" rtl="0">
               <a:spcBef>
                 <a:spcPts val="0"/>
               </a:spcBef>
@@ -1190,9 +1232,6 @@
               </a:spcAft>
               <a:buNone/>
             </a:pPr>
-            <a:r>
-              <a:t/>
-            </a:r>
             <a:endParaRPr/>
           </a:p>
         </p:txBody>
@@ -1206,11 +1245,11 @@
 </file>
 
 <file path=ppt/notesSlides/notesSlide6.xml><?xml version="1.0" encoding="utf-8"?>
-<p:notes xmlns:a="http://schemas.openxmlformats.org/drawingml/2006/main" xmlns:r="http://schemas.openxmlformats.org/officeDocument/2006/relationships" xmlns:mc="http://schemas.openxmlformats.org/markup-compatibility/2006" xmlns:mv="urn:schemas-microsoft-com:mac:vml" xmlns:p="http://schemas.openxmlformats.org/presentationml/2006/main" xmlns:c="http://schemas.openxmlformats.org/drawingml/2006/chart" xmlns:dgm="http://schemas.openxmlformats.org/drawingml/2006/diagram" xmlns:o="urn:schemas-microsoft-com:office:office" xmlns:v="urn:schemas-microsoft-com:vml" xmlns:pvml="urn:schemas-microsoft-com:office:powerpoint" xmlns:com="http://schemas.openxmlformats.org/drawingml/2006/compatibility" xmlns:p14="http://schemas.microsoft.com/office/powerpoint/2010/main" xmlns:p15="http://schemas.microsoft.com/office/powerpoint/2012/main" xmlns:ahyp="http://schemas.microsoft.com/office/drawing/2018/hyperlinkcolor" showMasterPhAnim="0" showMasterSp="0">
+<p:notes xmlns:a="http://schemas.openxmlformats.org/drawingml/2006/main" xmlns:r="http://schemas.openxmlformats.org/officeDocument/2006/relationships" xmlns:p="http://schemas.openxmlformats.org/presentationml/2006/main" showMasterSp="0" showMasterPhAnim="0">
   <p:cSld>
     <p:spTree>
       <p:nvGrpSpPr>
-        <p:cNvPr id="91" name="Shape 91"/>
+        <p:cNvPr id="1" name="Shape 91"/>
         <p:cNvGrpSpPr/>
         <p:nvPr/>
       </p:nvGrpSpPr>
@@ -1225,9 +1264,11 @@
       <p:sp>
         <p:nvSpPr>
           <p:cNvPr id="92" name="Google Shape;92;gd19e63aa9a_0_74:notes"/>
-          <p:cNvSpPr/>
+          <p:cNvSpPr>
+            <a:spLocks noGrp="1" noRot="1" noChangeAspect="1"/>
+          </p:cNvSpPr>
           <p:nvPr>
-            <p:ph idx="2" type="sldImg"/>
+            <p:ph type="sldImg" idx="2"/>
           </p:nvPr>
         </p:nvSpPr>
         <p:spPr>
@@ -1236,9 +1277,13 @@
             <a:ext cx="6096000" cy="3429000"/>
           </a:xfrm>
           <a:custGeom>
-            <a:rect b="b" l="l" r="r" t="t"/>
+            <a:avLst/>
+            <a:gdLst/>
+            <a:ahLst/>
+            <a:cxnLst/>
+            <a:rect l="l" t="t" r="r" b="b"/>
             <a:pathLst>
-              <a:path extrusionOk="0" h="120000" w="120000">
+              <a:path w="120000" h="120000" extrusionOk="0">
                 <a:moveTo>
                   <a:pt x="0" y="0"/>
                 </a:moveTo>
@@ -1260,9 +1305,11 @@
       <p:sp>
         <p:nvSpPr>
           <p:cNvPr id="93" name="Google Shape;93;gd19e63aa9a_0_74:notes"/>
-          <p:cNvSpPr txBox="1"/>
+          <p:cNvSpPr txBox="1">
+            <a:spLocks noGrp="1"/>
+          </p:cNvSpPr>
           <p:nvPr>
-            <p:ph idx="1" type="body"/>
+            <p:ph type="body" idx="1"/>
           </p:nvPr>
         </p:nvSpPr>
         <p:spPr>
@@ -1275,12 +1322,12 @@
           </a:prstGeom>
         </p:spPr>
         <p:txBody>
-          <a:bodyPr anchorCtr="0" anchor="t" bIns="91425" lIns="91425" spcFirstLastPara="1" rIns="91425" wrap="square" tIns="91425">
+          <a:bodyPr spcFirstLastPara="1" wrap="square" lIns="91425" tIns="91425" rIns="91425" bIns="91425" anchor="t" anchorCtr="0">
             <a:noAutofit/>
           </a:bodyPr>
           <a:lstStyle/>
           <a:p>
-            <a:pPr indent="0" lvl="0" marL="0" rtl="0" algn="l">
+            <a:pPr marL="0" lvl="0" indent="0" algn="l" rtl="0">
               <a:spcBef>
                 <a:spcPts val="0"/>
               </a:spcBef>
@@ -1289,9 +1336,6 @@
               </a:spcAft>
               <a:buNone/>
             </a:pPr>
-            <a:r>
-              <a:t/>
-            </a:r>
             <a:endParaRPr/>
           </a:p>
         </p:txBody>
@@ -1305,11 +1349,11 @@
 </file>
 
 <file path=ppt/notesSlides/notesSlide7.xml><?xml version="1.0" encoding="utf-8"?>
-<p:notes xmlns:a="http://schemas.openxmlformats.org/drawingml/2006/main" xmlns:r="http://schemas.openxmlformats.org/officeDocument/2006/relationships" xmlns:mc="http://schemas.openxmlformats.org/markup-compatibility/2006" xmlns:mv="urn:schemas-microsoft-com:mac:vml" xmlns:p="http://schemas.openxmlformats.org/presentationml/2006/main" xmlns:c="http://schemas.openxmlformats.org/drawingml/2006/chart" xmlns:dgm="http://schemas.openxmlformats.org/drawingml/2006/diagram" xmlns:o="urn:schemas-microsoft-com:office:office" xmlns:v="urn:schemas-microsoft-com:vml" xmlns:pvml="urn:schemas-microsoft-com:office:powerpoint" xmlns:com="http://schemas.openxmlformats.org/drawingml/2006/compatibility" xmlns:p14="http://schemas.microsoft.com/office/powerpoint/2010/main" xmlns:p15="http://schemas.microsoft.com/office/powerpoint/2012/main" xmlns:ahyp="http://schemas.microsoft.com/office/drawing/2018/hyperlinkcolor" showMasterPhAnim="0" showMasterSp="0">
+<p:notes xmlns:a="http://schemas.openxmlformats.org/drawingml/2006/main" xmlns:r="http://schemas.openxmlformats.org/officeDocument/2006/relationships" xmlns:p="http://schemas.openxmlformats.org/presentationml/2006/main" showMasterSp="0" showMasterPhAnim="0">
   <p:cSld>
     <p:spTree>
       <p:nvGrpSpPr>
-        <p:cNvPr id="98" name="Shape 98"/>
+        <p:cNvPr id="1" name="Shape 98"/>
         <p:cNvGrpSpPr/>
         <p:nvPr/>
       </p:nvGrpSpPr>
@@ -1324,9 +1368,11 @@
       <p:sp>
         <p:nvSpPr>
           <p:cNvPr id="99" name="Google Shape;99;gd19e63aa9a_0_78:notes"/>
-          <p:cNvSpPr/>
+          <p:cNvSpPr>
+            <a:spLocks noGrp="1" noRot="1" noChangeAspect="1"/>
+          </p:cNvSpPr>
           <p:nvPr>
-            <p:ph idx="2" type="sldImg"/>
+            <p:ph type="sldImg" idx="2"/>
           </p:nvPr>
         </p:nvSpPr>
         <p:spPr>
@@ -1335,9 +1381,13 @@
             <a:ext cx="6096000" cy="3429000"/>
           </a:xfrm>
           <a:custGeom>
-            <a:rect b="b" l="l" r="r" t="t"/>
+            <a:avLst/>
+            <a:gdLst/>
+            <a:ahLst/>
+            <a:cxnLst/>
+            <a:rect l="l" t="t" r="r" b="b"/>
             <a:pathLst>
-              <a:path extrusionOk="0" h="120000" w="120000">
+              <a:path w="120000" h="120000" extrusionOk="0">
                 <a:moveTo>
                   <a:pt x="0" y="0"/>
                 </a:moveTo>
@@ -1359,9 +1409,11 @@
       <p:sp>
         <p:nvSpPr>
           <p:cNvPr id="100" name="Google Shape;100;gd19e63aa9a_0_78:notes"/>
-          <p:cNvSpPr txBox="1"/>
+          <p:cNvSpPr txBox="1">
+            <a:spLocks noGrp="1"/>
+          </p:cNvSpPr>
           <p:nvPr>
-            <p:ph idx="1" type="body"/>
+            <p:ph type="body" idx="1"/>
           </p:nvPr>
         </p:nvSpPr>
         <p:spPr>
@@ -1374,12 +1426,12 @@
           </a:prstGeom>
         </p:spPr>
         <p:txBody>
-          <a:bodyPr anchorCtr="0" anchor="t" bIns="91425" lIns="91425" spcFirstLastPara="1" rIns="91425" wrap="square" tIns="91425">
+          <a:bodyPr spcFirstLastPara="1" wrap="square" lIns="91425" tIns="91425" rIns="91425" bIns="91425" anchor="t" anchorCtr="0">
             <a:noAutofit/>
           </a:bodyPr>
           <a:lstStyle/>
           <a:p>
-            <a:pPr indent="0" lvl="0" marL="0" rtl="0" algn="l">
+            <a:pPr marL="0" lvl="0" indent="0" algn="l" rtl="0">
               <a:spcBef>
                 <a:spcPts val="0"/>
               </a:spcBef>
@@ -1388,9 +1440,6 @@
               </a:spcAft>
               <a:buNone/>
             </a:pPr>
-            <a:r>
-              <a:t/>
-            </a:r>
             <a:endParaRPr/>
           </a:p>
         </p:txBody>
@@ -1404,11 +1453,11 @@
 </file>
 
 <file path=ppt/notesSlides/notesSlide8.xml><?xml version="1.0" encoding="utf-8"?>
-<p:notes xmlns:a="http://schemas.openxmlformats.org/drawingml/2006/main" xmlns:r="http://schemas.openxmlformats.org/officeDocument/2006/relationships" xmlns:mc="http://schemas.openxmlformats.org/markup-compatibility/2006" xmlns:mv="urn:schemas-microsoft-com:mac:vml" xmlns:p="http://schemas.openxmlformats.org/presentationml/2006/main" xmlns:c="http://schemas.openxmlformats.org/drawingml/2006/chart" xmlns:dgm="http://schemas.openxmlformats.org/drawingml/2006/diagram" xmlns:o="urn:schemas-microsoft-com:office:office" xmlns:v="urn:schemas-microsoft-com:vml" xmlns:pvml="urn:schemas-microsoft-com:office:powerpoint" xmlns:com="http://schemas.openxmlformats.org/drawingml/2006/compatibility" xmlns:p14="http://schemas.microsoft.com/office/powerpoint/2010/main" xmlns:p15="http://schemas.microsoft.com/office/powerpoint/2012/main" xmlns:ahyp="http://schemas.microsoft.com/office/drawing/2018/hyperlinkcolor" showMasterPhAnim="0" showMasterSp="0">
+<p:notes xmlns:a="http://schemas.openxmlformats.org/drawingml/2006/main" xmlns:r="http://schemas.openxmlformats.org/officeDocument/2006/relationships" xmlns:p="http://schemas.openxmlformats.org/presentationml/2006/main" showMasterSp="0" showMasterPhAnim="0">
   <p:cSld>
     <p:spTree>
       <p:nvGrpSpPr>
-        <p:cNvPr id="104" name="Shape 104"/>
+        <p:cNvPr id="1" name="Shape 104"/>
         <p:cNvGrpSpPr/>
         <p:nvPr/>
       </p:nvGrpSpPr>
@@ -1423,20 +1472,26 @@
       <p:sp>
         <p:nvSpPr>
           <p:cNvPr id="105" name="Google Shape;105;gd19e63aa9a_0_82:notes"/>
-          <p:cNvSpPr/>
+          <p:cNvSpPr>
+            <a:spLocks noGrp="1" noRot="1" noChangeAspect="1"/>
+          </p:cNvSpPr>
           <p:nvPr>
-            <p:ph idx="2" type="sldImg"/>
+            <p:ph type="sldImg" idx="2"/>
           </p:nvPr>
         </p:nvSpPr>
         <p:spPr>
           <a:xfrm>
-            <a:off x="381300" y="685800"/>
+            <a:off x="381000" y="685800"/>
             <a:ext cx="6096000" cy="3429000"/>
           </a:xfrm>
           <a:custGeom>
-            <a:rect b="b" l="l" r="r" t="t"/>
+            <a:avLst/>
+            <a:gdLst/>
+            <a:ahLst/>
+            <a:cxnLst/>
+            <a:rect l="l" t="t" r="r" b="b"/>
             <a:pathLst>
-              <a:path extrusionOk="0" h="120000" w="120000">
+              <a:path w="120000" h="120000" extrusionOk="0">
                 <a:moveTo>
                   <a:pt x="0" y="0"/>
                 </a:moveTo>
@@ -1458,9 +1513,11 @@
       <p:sp>
         <p:nvSpPr>
           <p:cNvPr id="106" name="Google Shape;106;gd19e63aa9a_0_82:notes"/>
-          <p:cNvSpPr txBox="1"/>
+          <p:cNvSpPr txBox="1">
+            <a:spLocks noGrp="1"/>
+          </p:cNvSpPr>
           <p:nvPr>
-            <p:ph idx="1" type="body"/>
+            <p:ph type="body" idx="1"/>
           </p:nvPr>
         </p:nvSpPr>
         <p:spPr>
@@ -1473,12 +1530,12 @@
           </a:prstGeom>
         </p:spPr>
         <p:txBody>
-          <a:bodyPr anchorCtr="0" anchor="t" bIns="91425" lIns="91425" spcFirstLastPara="1" rIns="91425" wrap="square" tIns="91425">
+          <a:bodyPr spcFirstLastPara="1" wrap="square" lIns="91425" tIns="91425" rIns="91425" bIns="91425" anchor="t" anchorCtr="0">
             <a:noAutofit/>
           </a:bodyPr>
           <a:lstStyle/>
           <a:p>
-            <a:pPr indent="0" lvl="0" marL="0" rtl="0" algn="l">
+            <a:pPr marL="0" lvl="0" indent="0" algn="l" rtl="0">
               <a:spcBef>
                 <a:spcPts val="0"/>
               </a:spcBef>
@@ -1487,108 +1544,6 @@
               </a:spcAft>
               <a:buNone/>
             </a:pPr>
-            <a:r>
-              <a:t/>
-            </a:r>
-            <a:endParaRPr/>
-          </a:p>
-        </p:txBody>
-      </p:sp>
-    </p:spTree>
-  </p:cSld>
-  <p:clrMapOvr>
-    <a:masterClrMapping/>
-  </p:clrMapOvr>
-</p:notes>
-</file>
-
-<file path=ppt/notesSlides/notesSlide9.xml><?xml version="1.0" encoding="utf-8"?>
-<p:notes xmlns:a="http://schemas.openxmlformats.org/drawingml/2006/main" xmlns:r="http://schemas.openxmlformats.org/officeDocument/2006/relationships" xmlns:mc="http://schemas.openxmlformats.org/markup-compatibility/2006" xmlns:mv="urn:schemas-microsoft-com:mac:vml" xmlns:p="http://schemas.openxmlformats.org/presentationml/2006/main" xmlns:c="http://schemas.openxmlformats.org/drawingml/2006/chart" xmlns:dgm="http://schemas.openxmlformats.org/drawingml/2006/diagram" xmlns:o="urn:schemas-microsoft-com:office:office" xmlns:v="urn:schemas-microsoft-com:vml" xmlns:pvml="urn:schemas-microsoft-com:office:powerpoint" xmlns:com="http://schemas.openxmlformats.org/drawingml/2006/compatibility" xmlns:p14="http://schemas.microsoft.com/office/powerpoint/2010/main" xmlns:p15="http://schemas.microsoft.com/office/powerpoint/2012/main" xmlns:ahyp="http://schemas.microsoft.com/office/drawing/2018/hyperlinkcolor" showMasterPhAnim="0" showMasterSp="0">
-  <p:cSld>
-    <p:spTree>
-      <p:nvGrpSpPr>
-        <p:cNvPr id="110" name="Shape 110"/>
-        <p:cNvGrpSpPr/>
-        <p:nvPr/>
-      </p:nvGrpSpPr>
-      <p:grpSpPr>
-        <a:xfrm>
-          <a:off x="0" y="0"/>
-          <a:ext cx="0" cy="0"/>
-          <a:chOff x="0" y="0"/>
-          <a:chExt cx="0" cy="0"/>
-        </a:xfrm>
-      </p:grpSpPr>
-      <p:sp>
-        <p:nvSpPr>
-          <p:cNvPr id="111" name="Google Shape;111;gd19e63aa9a_0_86:notes"/>
-          <p:cNvSpPr/>
-          <p:nvPr>
-            <p:ph idx="2" type="sldImg"/>
-          </p:nvPr>
-        </p:nvSpPr>
-        <p:spPr>
-          <a:xfrm>
-            <a:off x="381300" y="685800"/>
-            <a:ext cx="6096000" cy="3429000"/>
-          </a:xfrm>
-          <a:custGeom>
-            <a:rect b="b" l="l" r="r" t="t"/>
-            <a:pathLst>
-              <a:path extrusionOk="0" h="120000" w="120000">
-                <a:moveTo>
-                  <a:pt x="0" y="0"/>
-                </a:moveTo>
-                <a:lnTo>
-                  <a:pt x="120000" y="0"/>
-                </a:lnTo>
-                <a:lnTo>
-                  <a:pt x="120000" y="120000"/>
-                </a:lnTo>
-                <a:lnTo>
-                  <a:pt x="0" y="120000"/>
-                </a:lnTo>
-                <a:close/>
-              </a:path>
-            </a:pathLst>
-          </a:custGeom>
-        </p:spPr>
-      </p:sp>
-      <p:sp>
-        <p:nvSpPr>
-          <p:cNvPr id="112" name="Google Shape;112;gd19e63aa9a_0_86:notes"/>
-          <p:cNvSpPr txBox="1"/>
-          <p:nvPr>
-            <p:ph idx="1" type="body"/>
-          </p:nvPr>
-        </p:nvSpPr>
-        <p:spPr>
-          <a:xfrm>
-            <a:off x="685800" y="4343400"/>
-            <a:ext cx="5486400" cy="4114800"/>
-          </a:xfrm>
-          <a:prstGeom prst="rect">
-            <a:avLst/>
-          </a:prstGeom>
-        </p:spPr>
-        <p:txBody>
-          <a:bodyPr anchorCtr="0" anchor="t" bIns="91425" lIns="91425" spcFirstLastPara="1" rIns="91425" wrap="square" tIns="91425">
-            <a:noAutofit/>
-          </a:bodyPr>
-          <a:lstStyle/>
-          <a:p>
-            <a:pPr indent="0" lvl="0" marL="0" rtl="0" algn="l">
-              <a:spcBef>
-                <a:spcPts val="0"/>
-              </a:spcBef>
-              <a:spcAft>
-                <a:spcPts val="0"/>
-              </a:spcAft>
-              <a:buNone/>
-            </a:pPr>
-            <a:r>
-              <a:t/>
-            </a:r>
             <a:endParaRPr/>
           </a:p>
         </p:txBody>
@@ -1602,18 +1557,19 @@
 </file>
 
 <file path=ppt/slideLayouts/slideLayout1.xml><?xml version="1.0" encoding="utf-8"?>
-<p:sldLayout xmlns:a="http://schemas.openxmlformats.org/drawingml/2006/main" xmlns:r="http://schemas.openxmlformats.org/officeDocument/2006/relationships" xmlns:mc="http://schemas.openxmlformats.org/markup-compatibility/2006" xmlns:mv="urn:schemas-microsoft-com:mac:vml" xmlns:p="http://schemas.openxmlformats.org/presentationml/2006/main" xmlns:c="http://schemas.openxmlformats.org/drawingml/2006/chart" xmlns:dgm="http://schemas.openxmlformats.org/drawingml/2006/diagram" xmlns:o="urn:schemas-microsoft-com:office:office" xmlns:v="urn:schemas-microsoft-com:vml" xmlns:pvml="urn:schemas-microsoft-com:office:powerpoint" xmlns:com="http://schemas.openxmlformats.org/drawingml/2006/compatibility" xmlns:p14="http://schemas.microsoft.com/office/powerpoint/2010/main" xmlns:p15="http://schemas.microsoft.com/office/powerpoint/2012/main" xmlns:ahyp="http://schemas.microsoft.com/office/drawing/2018/hyperlinkcolor" matchingName="Title slide" type="title">
+<p:sldLayout xmlns:a="http://schemas.openxmlformats.org/drawingml/2006/main" xmlns:r="http://schemas.openxmlformats.org/officeDocument/2006/relationships" xmlns:p="http://schemas.openxmlformats.org/presentationml/2006/main" matchingName="Title slide" type="title">
   <p:cSld name="TITLE">
     <p:bg>
       <p:bgPr>
         <a:solidFill>
           <a:schemeClr val="dk1"/>
         </a:solidFill>
+        <a:effectLst/>
       </p:bgPr>
     </p:bg>
     <p:spTree>
       <p:nvGrpSpPr>
-        <p:cNvPr id="9" name="Shape 9"/>
+        <p:cNvPr id="1" name="Shape 9"/>
         <p:cNvGrpSpPr/>
         <p:nvPr/>
       </p:nvGrpSpPr>
@@ -1637,9 +1593,13 @@
             <a:ext cx="9144250" cy="4398100"/>
           </a:xfrm>
           <a:custGeom>
-            <a:rect b="b" l="l" r="r" t="t"/>
+            <a:avLst/>
+            <a:gdLst/>
+            <a:ahLst/>
+            <a:cxnLst/>
+            <a:rect l="l" t="t" r="r" b="b"/>
             <a:pathLst>
-              <a:path extrusionOk="0" h="175924" w="365770">
+              <a:path w="365770" h="175924" extrusionOk="0">
                 <a:moveTo>
                   <a:pt x="0" y="0"/>
                 </a:moveTo>
@@ -1667,7 +1627,9 @@
       <p:sp>
         <p:nvSpPr>
           <p:cNvPr id="11" name="Google Shape;11;p2"/>
-          <p:cNvSpPr txBox="1"/>
+          <p:cNvSpPr txBox="1">
+            <a:spLocks noGrp="1"/>
+          </p:cNvSpPr>
           <p:nvPr>
             <p:ph type="ctrTitle"/>
           </p:nvPr>
@@ -1682,7 +1644,7 @@
           </a:prstGeom>
         </p:spPr>
         <p:txBody>
-          <a:bodyPr anchorCtr="0" anchor="t" bIns="91425" lIns="91425" spcFirstLastPara="1" rIns="91425" wrap="square" tIns="91425">
+          <a:bodyPr spcFirstLastPara="1" wrap="square" lIns="91425" tIns="91425" rIns="91425" bIns="91425" anchor="t" anchorCtr="0">
             <a:normAutofit/>
           </a:bodyPr>
           <a:lstStyle>
@@ -1786,15 +1748,19 @@
               <a:defRPr sz="3600"/>
             </a:lvl9pPr>
           </a:lstStyle>
-          <a:p/>
+          <a:p>
+            <a:endParaRPr/>
+          </a:p>
         </p:txBody>
       </p:sp>
       <p:sp>
         <p:nvSpPr>
           <p:cNvPr id="12" name="Google Shape;12;p2"/>
-          <p:cNvSpPr txBox="1"/>
+          <p:cNvSpPr txBox="1">
+            <a:spLocks noGrp="1"/>
+          </p:cNvSpPr>
           <p:nvPr>
-            <p:ph idx="1" type="subTitle"/>
+            <p:ph type="subTitle" idx="1"/>
           </p:nvPr>
         </p:nvSpPr>
         <p:spPr>
@@ -1807,7 +1773,7 @@
           </a:prstGeom>
         </p:spPr>
         <p:txBody>
-          <a:bodyPr anchorCtr="0" anchor="t" bIns="91425" lIns="91425" spcFirstLastPara="1" rIns="91425" wrap="square" tIns="91425">
+          <a:bodyPr spcFirstLastPara="1" wrap="square" lIns="91425" tIns="91425" rIns="91425" bIns="91425" anchor="t" anchorCtr="0">
             <a:normAutofit/>
           </a:bodyPr>
           <a:lstStyle>
@@ -2001,15 +1967,19 @@
               </a:defRPr>
             </a:lvl9pPr>
           </a:lstStyle>
-          <a:p/>
+          <a:p>
+            <a:endParaRPr/>
+          </a:p>
         </p:txBody>
       </p:sp>
       <p:sp>
         <p:nvSpPr>
           <p:cNvPr id="13" name="Google Shape;13;p2"/>
-          <p:cNvSpPr txBox="1"/>
+          <p:cNvSpPr txBox="1">
+            <a:spLocks noGrp="1"/>
+          </p:cNvSpPr>
           <p:nvPr>
-            <p:ph idx="12" type="sldNum"/>
+            <p:ph type="sldNum" idx="12"/>
           </p:nvPr>
         </p:nvSpPr>
         <p:spPr>
@@ -2022,7 +1992,7 @@
           </a:prstGeom>
         </p:spPr>
         <p:txBody>
-          <a:bodyPr anchorCtr="0" anchor="ctr" bIns="91425" lIns="91425" spcFirstLastPara="1" rIns="91425" wrap="square" tIns="91425">
+          <a:bodyPr spcFirstLastPara="1" wrap="square" lIns="91425" tIns="91425" rIns="91425" bIns="91425" anchor="ctr" anchorCtr="0">
             <a:normAutofit/>
           </a:bodyPr>
           <a:lstStyle>
@@ -2100,7 +2070,7 @@
             </a:lvl9pPr>
           </a:lstStyle>
           <a:p>
-            <a:pPr indent="0" lvl="0" marL="0" rtl="0" algn="r">
+            <a:pPr marL="0" lvl="0" indent="0" algn="r" rtl="0">
               <a:spcBef>
                 <a:spcPts val="0"/>
               </a:spcBef>
@@ -2126,18 +2096,19 @@
 </file>
 
 <file path=ppt/slideLayouts/slideLayout10.xml><?xml version="1.0" encoding="utf-8"?>
-<p:sldLayout xmlns:a="http://schemas.openxmlformats.org/drawingml/2006/main" xmlns:r="http://schemas.openxmlformats.org/officeDocument/2006/relationships" xmlns:mc="http://schemas.openxmlformats.org/markup-compatibility/2006" xmlns:mv="urn:schemas-microsoft-com:mac:vml" xmlns:p="http://schemas.openxmlformats.org/presentationml/2006/main" xmlns:c="http://schemas.openxmlformats.org/drawingml/2006/chart" xmlns:dgm="http://schemas.openxmlformats.org/drawingml/2006/diagram" xmlns:o="urn:schemas-microsoft-com:office:office" xmlns:v="urn:schemas-microsoft-com:vml" xmlns:pvml="urn:schemas-microsoft-com:office:powerpoint" xmlns:com="http://schemas.openxmlformats.org/drawingml/2006/compatibility" xmlns:p14="http://schemas.microsoft.com/office/powerpoint/2010/main" xmlns:p15="http://schemas.microsoft.com/office/powerpoint/2012/main" xmlns:ahyp="http://schemas.microsoft.com/office/drawing/2018/hyperlinkcolor" matchingName="Big number">
+<p:sldLayout xmlns:a="http://schemas.openxmlformats.org/drawingml/2006/main" xmlns:r="http://schemas.openxmlformats.org/officeDocument/2006/relationships" xmlns:p="http://schemas.openxmlformats.org/presentationml/2006/main" matchingName="Big number">
   <p:cSld name="BIG_NUMBER">
     <p:bg>
       <p:bgPr>
         <a:solidFill>
           <a:schemeClr val="dk1"/>
         </a:solidFill>
+        <a:effectLst/>
       </p:bgPr>
     </p:bg>
     <p:spTree>
       <p:nvGrpSpPr>
-        <p:cNvPr id="54" name="Shape 54"/>
+        <p:cNvPr id="1" name="Shape 54"/>
         <p:cNvGrpSpPr/>
         <p:nvPr/>
       </p:nvGrpSpPr>
@@ -2152,9 +2123,11 @@
       <p:sp>
         <p:nvSpPr>
           <p:cNvPr id="55" name="Google Shape;55;p11"/>
-          <p:cNvSpPr txBox="1"/>
+          <p:cNvSpPr txBox="1">
+            <a:spLocks noGrp="1"/>
+          </p:cNvSpPr>
           <p:nvPr>
-            <p:ph hasCustomPrompt="1" type="title"/>
+            <p:ph type="title" hasCustomPrompt="1"/>
           </p:nvPr>
         </p:nvSpPr>
         <p:spPr>
@@ -2167,7 +2140,7 @@
           </a:prstGeom>
         </p:spPr>
         <p:txBody>
-          <a:bodyPr anchorCtr="0" anchor="b" bIns="91425" lIns="91425" spcFirstLastPara="1" rIns="91425" wrap="square" tIns="91425">
+          <a:bodyPr spcFirstLastPara="1" wrap="square" lIns="91425" tIns="91425" rIns="91425" bIns="91425" anchor="b" anchorCtr="0">
             <a:normAutofit/>
           </a:bodyPr>
           <a:lstStyle>
@@ -2344,9 +2317,11 @@
       <p:sp>
         <p:nvSpPr>
           <p:cNvPr id="56" name="Google Shape;56;p11"/>
-          <p:cNvSpPr txBox="1"/>
+          <p:cNvSpPr txBox="1">
+            <a:spLocks noGrp="1"/>
+          </p:cNvSpPr>
           <p:nvPr>
-            <p:ph idx="1" type="body"/>
+            <p:ph type="body" idx="1"/>
           </p:nvPr>
         </p:nvSpPr>
         <p:spPr>
@@ -2359,11 +2334,11 @@
           </a:prstGeom>
         </p:spPr>
         <p:txBody>
-          <a:bodyPr anchorCtr="0" anchor="t" bIns="91425" lIns="91425" spcFirstLastPara="1" rIns="91425" wrap="square" tIns="91425">
+          <a:bodyPr spcFirstLastPara="1" wrap="square" lIns="91425" tIns="91425" rIns="91425" bIns="91425" anchor="t" anchorCtr="0">
             <a:normAutofit/>
           </a:bodyPr>
           <a:lstStyle>
-            <a:lvl1pPr indent="-311150" lvl="0" marL="457200">
+            <a:lvl1pPr marL="457200" lvl="0" indent="-311150">
               <a:spcBef>
                 <a:spcPts val="0"/>
               </a:spcBef>
@@ -2381,7 +2356,7 @@
                 </a:solidFill>
               </a:defRPr>
             </a:lvl1pPr>
-            <a:lvl2pPr indent="-298450" lvl="1" marL="914400">
+            <a:lvl2pPr marL="914400" lvl="1" indent="-298450">
               <a:spcBef>
                 <a:spcPts val="0"/>
               </a:spcBef>
@@ -2399,7 +2374,7 @@
                 </a:solidFill>
               </a:defRPr>
             </a:lvl2pPr>
-            <a:lvl3pPr indent="-298450" lvl="2" marL="1371600">
+            <a:lvl3pPr marL="1371600" lvl="2" indent="-298450">
               <a:spcBef>
                 <a:spcPts val="0"/>
               </a:spcBef>
@@ -2417,7 +2392,7 @@
                 </a:solidFill>
               </a:defRPr>
             </a:lvl3pPr>
-            <a:lvl4pPr indent="-298450" lvl="3" marL="1828800">
+            <a:lvl4pPr marL="1828800" lvl="3" indent="-298450">
               <a:spcBef>
                 <a:spcPts val="0"/>
               </a:spcBef>
@@ -2435,7 +2410,7 @@
                 </a:solidFill>
               </a:defRPr>
             </a:lvl4pPr>
-            <a:lvl5pPr indent="-298450" lvl="4" marL="2286000">
+            <a:lvl5pPr marL="2286000" lvl="4" indent="-298450">
               <a:spcBef>
                 <a:spcPts val="0"/>
               </a:spcBef>
@@ -2453,7 +2428,7 @@
                 </a:solidFill>
               </a:defRPr>
             </a:lvl5pPr>
-            <a:lvl6pPr indent="-298450" lvl="5" marL="2743200">
+            <a:lvl6pPr marL="2743200" lvl="5" indent="-298450">
               <a:spcBef>
                 <a:spcPts val="0"/>
               </a:spcBef>
@@ -2471,7 +2446,7 @@
                 </a:solidFill>
               </a:defRPr>
             </a:lvl6pPr>
-            <a:lvl7pPr indent="-298450" lvl="6" marL="3200400">
+            <a:lvl7pPr marL="3200400" lvl="6" indent="-298450">
               <a:spcBef>
                 <a:spcPts val="0"/>
               </a:spcBef>
@@ -2489,7 +2464,7 @@
                 </a:solidFill>
               </a:defRPr>
             </a:lvl7pPr>
-            <a:lvl8pPr indent="-298450" lvl="7" marL="3657600">
+            <a:lvl8pPr marL="3657600" lvl="7" indent="-298450">
               <a:spcBef>
                 <a:spcPts val="0"/>
               </a:spcBef>
@@ -2507,7 +2482,7 @@
                 </a:solidFill>
               </a:defRPr>
             </a:lvl8pPr>
-            <a:lvl9pPr indent="-298450" lvl="8" marL="4114800">
+            <a:lvl9pPr marL="4114800" lvl="8" indent="-298450">
               <a:spcBef>
                 <a:spcPts val="0"/>
               </a:spcBef>
@@ -2526,15 +2501,19 @@
               </a:defRPr>
             </a:lvl9pPr>
           </a:lstStyle>
-          <a:p/>
+          <a:p>
+            <a:endParaRPr/>
+          </a:p>
         </p:txBody>
       </p:sp>
       <p:sp>
         <p:nvSpPr>
           <p:cNvPr id="57" name="Google Shape;57;p11"/>
-          <p:cNvSpPr txBox="1"/>
+          <p:cNvSpPr txBox="1">
+            <a:spLocks noGrp="1"/>
+          </p:cNvSpPr>
           <p:nvPr>
-            <p:ph idx="12" type="sldNum"/>
+            <p:ph type="sldNum" idx="12"/>
           </p:nvPr>
         </p:nvSpPr>
         <p:spPr>
@@ -2547,7 +2526,7 @@
           </a:prstGeom>
         </p:spPr>
         <p:txBody>
-          <a:bodyPr anchorCtr="0" anchor="ctr" bIns="91425" lIns="91425" spcFirstLastPara="1" rIns="91425" wrap="square" tIns="91425">
+          <a:bodyPr spcFirstLastPara="1" wrap="square" lIns="91425" tIns="91425" rIns="91425" bIns="91425" anchor="ctr" anchorCtr="0">
             <a:normAutofit/>
           </a:bodyPr>
           <a:lstStyle>
@@ -2625,7 +2604,7 @@
             </a:lvl9pPr>
           </a:lstStyle>
           <a:p>
-            <a:pPr indent="0" lvl="0" marL="0" rtl="0" algn="r">
+            <a:pPr marL="0" lvl="0" indent="0" algn="r" rtl="0">
               <a:spcBef>
                 <a:spcPts val="0"/>
               </a:spcBef>
@@ -2651,11 +2630,11 @@
 </file>
 
 <file path=ppt/slideLayouts/slideLayout11.xml><?xml version="1.0" encoding="utf-8"?>
-<p:sldLayout xmlns:a="http://schemas.openxmlformats.org/drawingml/2006/main" xmlns:r="http://schemas.openxmlformats.org/officeDocument/2006/relationships" xmlns:mc="http://schemas.openxmlformats.org/markup-compatibility/2006" xmlns:mv="urn:schemas-microsoft-com:mac:vml" xmlns:p="http://schemas.openxmlformats.org/presentationml/2006/main" xmlns:c="http://schemas.openxmlformats.org/drawingml/2006/chart" xmlns:dgm="http://schemas.openxmlformats.org/drawingml/2006/diagram" xmlns:o="urn:schemas-microsoft-com:office:office" xmlns:v="urn:schemas-microsoft-com:vml" xmlns:pvml="urn:schemas-microsoft-com:office:powerpoint" xmlns:com="http://schemas.openxmlformats.org/drawingml/2006/compatibility" xmlns:p14="http://schemas.microsoft.com/office/powerpoint/2010/main" xmlns:p15="http://schemas.microsoft.com/office/powerpoint/2012/main" xmlns:ahyp="http://schemas.microsoft.com/office/drawing/2018/hyperlinkcolor" matchingName="Blank" type="blank">
+<p:sldLayout xmlns:a="http://schemas.openxmlformats.org/drawingml/2006/main" xmlns:r="http://schemas.openxmlformats.org/officeDocument/2006/relationships" xmlns:p="http://schemas.openxmlformats.org/presentationml/2006/main" matchingName="Blank" type="blank">
   <p:cSld name="BLANK">
     <p:spTree>
       <p:nvGrpSpPr>
-        <p:cNvPr id="58" name="Shape 58"/>
+        <p:cNvPr id="1" name="Shape 58"/>
         <p:cNvGrpSpPr/>
         <p:nvPr/>
       </p:nvGrpSpPr>
@@ -2670,9 +2649,11 @@
       <p:sp>
         <p:nvSpPr>
           <p:cNvPr id="59" name="Google Shape;59;p12"/>
-          <p:cNvSpPr txBox="1"/>
+          <p:cNvSpPr txBox="1">
+            <a:spLocks noGrp="1"/>
+          </p:cNvSpPr>
           <p:nvPr>
-            <p:ph idx="12" type="sldNum"/>
+            <p:ph type="sldNum" idx="12"/>
           </p:nvPr>
         </p:nvSpPr>
         <p:spPr>
@@ -2685,7 +2666,7 @@
           </a:prstGeom>
         </p:spPr>
         <p:txBody>
-          <a:bodyPr anchorCtr="0" anchor="ctr" bIns="91425" lIns="91425" spcFirstLastPara="1" rIns="91425" wrap="square" tIns="91425">
+          <a:bodyPr spcFirstLastPara="1" wrap="square" lIns="91425" tIns="91425" rIns="91425" bIns="91425" anchor="ctr" anchorCtr="0">
             <a:normAutofit/>
           </a:bodyPr>
           <a:lstStyle>
@@ -2727,7 +2708,7 @@
             </a:lvl9pPr>
           </a:lstStyle>
           <a:p>
-            <a:pPr indent="0" lvl="0" marL="0" rtl="0" algn="r">
+            <a:pPr marL="0" lvl="0" indent="0" algn="r" rtl="0">
               <a:spcBef>
                 <a:spcPts val="0"/>
               </a:spcBef>
@@ -2753,18 +2734,19 @@
 </file>
 
 <file path=ppt/slideLayouts/slideLayout2.xml><?xml version="1.0" encoding="utf-8"?>
-<p:sldLayout xmlns:a="http://schemas.openxmlformats.org/drawingml/2006/main" xmlns:r="http://schemas.openxmlformats.org/officeDocument/2006/relationships" xmlns:mc="http://schemas.openxmlformats.org/markup-compatibility/2006" xmlns:mv="urn:schemas-microsoft-com:mac:vml" xmlns:p="http://schemas.openxmlformats.org/presentationml/2006/main" xmlns:c="http://schemas.openxmlformats.org/drawingml/2006/chart" xmlns:dgm="http://schemas.openxmlformats.org/drawingml/2006/diagram" xmlns:o="urn:schemas-microsoft-com:office:office" xmlns:v="urn:schemas-microsoft-com:vml" xmlns:pvml="urn:schemas-microsoft-com:office:powerpoint" xmlns:com="http://schemas.openxmlformats.org/drawingml/2006/compatibility" xmlns:p14="http://schemas.microsoft.com/office/powerpoint/2010/main" xmlns:p15="http://schemas.microsoft.com/office/powerpoint/2012/main" xmlns:ahyp="http://schemas.microsoft.com/office/drawing/2018/hyperlinkcolor" matchingName="Section header" type="secHead">
+<p:sldLayout xmlns:a="http://schemas.openxmlformats.org/drawingml/2006/main" xmlns:r="http://schemas.openxmlformats.org/officeDocument/2006/relationships" xmlns:p="http://schemas.openxmlformats.org/presentationml/2006/main" matchingName="Section header" type="secHead">
   <p:cSld name="SECTION_HEADER">
     <p:bg>
       <p:bgPr>
         <a:solidFill>
           <a:schemeClr val="accent3"/>
         </a:solidFill>
+        <a:effectLst/>
       </p:bgPr>
     </p:bg>
     <p:spTree>
       <p:nvGrpSpPr>
-        <p:cNvPr id="14" name="Shape 14"/>
+        <p:cNvPr id="1" name="Shape 14"/>
         <p:cNvGrpSpPr/>
         <p:nvPr/>
       </p:nvGrpSpPr>
@@ -2788,9 +2770,13 @@
             <a:ext cx="9144250" cy="4398100"/>
           </a:xfrm>
           <a:custGeom>
-            <a:rect b="b" l="l" r="r" t="t"/>
+            <a:avLst/>
+            <a:gdLst/>
+            <a:ahLst/>
+            <a:cxnLst/>
+            <a:rect l="l" t="t" r="r" b="b"/>
             <a:pathLst>
-              <a:path extrusionOk="0" h="175924" w="365770">
+              <a:path w="365770" h="175924" extrusionOk="0">
                 <a:moveTo>
                   <a:pt x="0" y="0"/>
                 </a:moveTo>
@@ -2827,9 +2813,13 @@
             <a:ext cx="9144250" cy="4398100"/>
           </a:xfrm>
           <a:custGeom>
-            <a:rect b="b" l="l" r="r" t="t"/>
+            <a:avLst/>
+            <a:gdLst/>
+            <a:ahLst/>
+            <a:cxnLst/>
+            <a:rect l="l" t="t" r="r" b="b"/>
             <a:pathLst>
-              <a:path extrusionOk="0" h="175924" w="365770">
+              <a:path w="365770" h="175924" extrusionOk="0">
                 <a:moveTo>
                   <a:pt x="0" y="0"/>
                 </a:moveTo>
@@ -2857,7 +2847,9 @@
       <p:sp>
         <p:nvSpPr>
           <p:cNvPr id="17" name="Google Shape;17;p3"/>
-          <p:cNvSpPr txBox="1"/>
+          <p:cNvSpPr txBox="1">
+            <a:spLocks noGrp="1"/>
+          </p:cNvSpPr>
           <p:nvPr>
             <p:ph type="title"/>
           </p:nvPr>
@@ -2872,7 +2864,7 @@
           </a:prstGeom>
         </p:spPr>
         <p:txBody>
-          <a:bodyPr anchorCtr="0" anchor="t" bIns="91425" lIns="91425" spcFirstLastPara="1" rIns="91425" wrap="square" tIns="91425">
+          <a:bodyPr spcFirstLastPara="1" wrap="square" lIns="91425" tIns="91425" rIns="91425" bIns="91425" anchor="t" anchorCtr="0">
             <a:normAutofit/>
           </a:bodyPr>
           <a:lstStyle>
@@ -2976,15 +2968,19 @@
               <a:defRPr sz="3600"/>
             </a:lvl9pPr>
           </a:lstStyle>
-          <a:p/>
+          <a:p>
+            <a:endParaRPr/>
+          </a:p>
         </p:txBody>
       </p:sp>
       <p:sp>
         <p:nvSpPr>
           <p:cNvPr id="18" name="Google Shape;18;p3"/>
-          <p:cNvSpPr txBox="1"/>
+          <p:cNvSpPr txBox="1">
+            <a:spLocks noGrp="1"/>
+          </p:cNvSpPr>
           <p:nvPr>
-            <p:ph idx="12" type="sldNum"/>
+            <p:ph type="sldNum" idx="12"/>
           </p:nvPr>
         </p:nvSpPr>
         <p:spPr>
@@ -2997,7 +2993,7 @@
           </a:prstGeom>
         </p:spPr>
         <p:txBody>
-          <a:bodyPr anchorCtr="0" anchor="ctr" bIns="91425" lIns="91425" spcFirstLastPara="1" rIns="91425" wrap="square" tIns="91425">
+          <a:bodyPr spcFirstLastPara="1" wrap="square" lIns="91425" tIns="91425" rIns="91425" bIns="91425" anchor="ctr" anchorCtr="0">
             <a:normAutofit/>
           </a:bodyPr>
           <a:lstStyle>
@@ -3075,7 +3071,7 @@
             </a:lvl9pPr>
           </a:lstStyle>
           <a:p>
-            <a:pPr indent="0" lvl="0" marL="0" rtl="0" algn="r">
+            <a:pPr marL="0" lvl="0" indent="0" algn="r" rtl="0">
               <a:spcBef>
                 <a:spcPts val="0"/>
               </a:spcBef>
@@ -3101,11 +3097,11 @@
 </file>
 
 <file path=ppt/slideLayouts/slideLayout3.xml><?xml version="1.0" encoding="utf-8"?>
-<p:sldLayout xmlns:a="http://schemas.openxmlformats.org/drawingml/2006/main" xmlns:r="http://schemas.openxmlformats.org/officeDocument/2006/relationships" xmlns:mc="http://schemas.openxmlformats.org/markup-compatibility/2006" xmlns:mv="urn:schemas-microsoft-com:mac:vml" xmlns:p="http://schemas.openxmlformats.org/presentationml/2006/main" xmlns:c="http://schemas.openxmlformats.org/drawingml/2006/chart" xmlns:dgm="http://schemas.openxmlformats.org/drawingml/2006/diagram" xmlns:o="urn:schemas-microsoft-com:office:office" xmlns:v="urn:schemas-microsoft-com:vml" xmlns:pvml="urn:schemas-microsoft-com:office:powerpoint" xmlns:com="http://schemas.openxmlformats.org/drawingml/2006/compatibility" xmlns:p14="http://schemas.microsoft.com/office/powerpoint/2010/main" xmlns:p15="http://schemas.microsoft.com/office/powerpoint/2012/main" xmlns:ahyp="http://schemas.microsoft.com/office/drawing/2018/hyperlinkcolor" matchingName="Title and body" type="tx">
+<p:sldLayout xmlns:a="http://schemas.openxmlformats.org/drawingml/2006/main" xmlns:r="http://schemas.openxmlformats.org/officeDocument/2006/relationships" xmlns:p="http://schemas.openxmlformats.org/presentationml/2006/main" matchingName="Title and body" type="tx">
   <p:cSld name="TITLE_AND_BODY">
     <p:spTree>
       <p:nvGrpSpPr>
-        <p:cNvPr id="19" name="Shape 19"/>
+        <p:cNvPr id="1" name="Shape 19"/>
         <p:cNvGrpSpPr/>
         <p:nvPr/>
       </p:nvGrpSpPr>
@@ -3139,12 +3135,12 @@
           </a:ln>
         </p:spPr>
         <p:txBody>
-          <a:bodyPr anchorCtr="0" anchor="ctr" bIns="91425" lIns="91425" spcFirstLastPara="1" rIns="91425" wrap="square" tIns="91425">
+          <a:bodyPr spcFirstLastPara="1" wrap="square" lIns="91425" tIns="91425" rIns="91425" bIns="91425" anchor="ctr" anchorCtr="0">
             <a:noAutofit/>
           </a:bodyPr>
           <a:lstStyle/>
           <a:p>
-            <a:pPr indent="0" lvl="0" marL="0" rtl="0" algn="l">
+            <a:pPr marL="0" lvl="0" indent="0" algn="l" rtl="0">
               <a:spcBef>
                 <a:spcPts val="0"/>
               </a:spcBef>
@@ -3153,9 +3149,6 @@
               </a:spcAft>
               <a:buNone/>
             </a:pPr>
-            <a:r>
-              <a:t/>
-            </a:r>
             <a:endParaRPr/>
           </a:p>
         </p:txBody>
@@ -3172,9 +3165,13 @@
             <a:ext cx="4313625" cy="4399375"/>
           </a:xfrm>
           <a:custGeom>
-            <a:rect b="b" l="l" r="r" t="t"/>
+            <a:avLst/>
+            <a:gdLst/>
+            <a:ahLst/>
+            <a:cxnLst/>
+            <a:rect l="l" t="t" r="r" b="b"/>
             <a:pathLst>
-              <a:path extrusionOk="0" h="175975" w="172545">
+              <a:path w="172545" h="175975" extrusionOk="0">
                 <a:moveTo>
                   <a:pt x="0" y="157"/>
                 </a:moveTo>
@@ -3211,9 +3208,13 @@
             <a:ext cx="4316900" cy="4395600"/>
           </a:xfrm>
           <a:custGeom>
-            <a:rect b="b" l="l" r="r" t="t"/>
+            <a:avLst/>
+            <a:gdLst/>
+            <a:ahLst/>
+            <a:cxnLst/>
+            <a:rect l="l" t="t" r="r" b="b"/>
             <a:pathLst>
-              <a:path extrusionOk="0" h="175824" w="172676">
+              <a:path w="172676" h="175824" extrusionOk="0">
                 <a:moveTo>
                   <a:pt x="0" y="6"/>
                 </a:moveTo>
@@ -3241,7 +3242,9 @@
       <p:sp>
         <p:nvSpPr>
           <p:cNvPr id="23" name="Google Shape;23;p4"/>
-          <p:cNvSpPr txBox="1"/>
+          <p:cNvSpPr txBox="1">
+            <a:spLocks noGrp="1"/>
+          </p:cNvSpPr>
           <p:nvPr>
             <p:ph type="title"/>
           </p:nvPr>
@@ -3256,7 +3259,7 @@
           </a:prstGeom>
         </p:spPr>
         <p:txBody>
-          <a:bodyPr anchorCtr="0" anchor="t" bIns="91425" lIns="91425" spcFirstLastPara="1" rIns="91425" wrap="square" tIns="91425">
+          <a:bodyPr spcFirstLastPara="1" wrap="square" lIns="91425" tIns="91425" rIns="91425" bIns="91425" anchor="t" anchorCtr="0">
             <a:normAutofit/>
           </a:bodyPr>
           <a:lstStyle>
@@ -3423,15 +3426,19 @@
               </a:defRPr>
             </a:lvl9pPr>
           </a:lstStyle>
-          <a:p/>
+          <a:p>
+            <a:endParaRPr/>
+          </a:p>
         </p:txBody>
       </p:sp>
       <p:sp>
         <p:nvSpPr>
           <p:cNvPr id="24" name="Google Shape;24;p4"/>
-          <p:cNvSpPr txBox="1"/>
+          <p:cNvSpPr txBox="1">
+            <a:spLocks noGrp="1"/>
+          </p:cNvSpPr>
           <p:nvPr>
-            <p:ph idx="1" type="body"/>
+            <p:ph type="body" idx="1"/>
           </p:nvPr>
         </p:nvSpPr>
         <p:spPr>
@@ -3444,11 +3451,11 @@
           </a:prstGeom>
         </p:spPr>
         <p:txBody>
-          <a:bodyPr anchorCtr="0" anchor="t" bIns="91425" lIns="91425" spcFirstLastPara="1" rIns="91425" wrap="square" tIns="91425">
+          <a:bodyPr spcFirstLastPara="1" wrap="square" lIns="91425" tIns="91425" rIns="91425" bIns="91425" anchor="t" anchorCtr="0">
             <a:normAutofit/>
           </a:bodyPr>
           <a:lstStyle>
-            <a:lvl1pPr indent="-311150" lvl="0" marL="457200">
+            <a:lvl1pPr marL="457200" lvl="0" indent="-311150">
               <a:spcBef>
                 <a:spcPts val="0"/>
               </a:spcBef>
@@ -3459,7 +3466,7 @@
               <a:buChar char="●"/>
               <a:defRPr/>
             </a:lvl1pPr>
-            <a:lvl2pPr indent="-298450" lvl="1" marL="914400">
+            <a:lvl2pPr marL="914400" lvl="1" indent="-298450">
               <a:spcBef>
                 <a:spcPts val="0"/>
               </a:spcBef>
@@ -3470,7 +3477,7 @@
               <a:buChar char="○"/>
               <a:defRPr/>
             </a:lvl2pPr>
-            <a:lvl3pPr indent="-298450" lvl="2" marL="1371600">
+            <a:lvl3pPr marL="1371600" lvl="2" indent="-298450">
               <a:spcBef>
                 <a:spcPts val="0"/>
               </a:spcBef>
@@ -3481,7 +3488,7 @@
               <a:buChar char="■"/>
               <a:defRPr/>
             </a:lvl3pPr>
-            <a:lvl4pPr indent="-298450" lvl="3" marL="1828800">
+            <a:lvl4pPr marL="1828800" lvl="3" indent="-298450">
               <a:spcBef>
                 <a:spcPts val="0"/>
               </a:spcBef>
@@ -3492,7 +3499,7 @@
               <a:buChar char="●"/>
               <a:defRPr/>
             </a:lvl4pPr>
-            <a:lvl5pPr indent="-298450" lvl="4" marL="2286000">
+            <a:lvl5pPr marL="2286000" lvl="4" indent="-298450">
               <a:spcBef>
                 <a:spcPts val="0"/>
               </a:spcBef>
@@ -3503,7 +3510,7 @@
               <a:buChar char="○"/>
               <a:defRPr/>
             </a:lvl5pPr>
-            <a:lvl6pPr indent="-298450" lvl="5" marL="2743200">
+            <a:lvl6pPr marL="2743200" lvl="5" indent="-298450">
               <a:spcBef>
                 <a:spcPts val="0"/>
               </a:spcBef>
@@ -3514,7 +3521,7 @@
               <a:buChar char="■"/>
               <a:defRPr/>
             </a:lvl6pPr>
-            <a:lvl7pPr indent="-298450" lvl="6" marL="3200400">
+            <a:lvl7pPr marL="3200400" lvl="6" indent="-298450">
               <a:spcBef>
                 <a:spcPts val="0"/>
               </a:spcBef>
@@ -3525,7 +3532,7 @@
               <a:buChar char="●"/>
               <a:defRPr/>
             </a:lvl7pPr>
-            <a:lvl8pPr indent="-298450" lvl="7" marL="3657600">
+            <a:lvl8pPr marL="3657600" lvl="7" indent="-298450">
               <a:spcBef>
                 <a:spcPts val="0"/>
               </a:spcBef>
@@ -3536,7 +3543,7 @@
               <a:buChar char="○"/>
               <a:defRPr/>
             </a:lvl8pPr>
-            <a:lvl9pPr indent="-298450" lvl="8" marL="4114800">
+            <a:lvl9pPr marL="4114800" lvl="8" indent="-298450">
               <a:spcBef>
                 <a:spcPts val="0"/>
               </a:spcBef>
@@ -3548,15 +3555,19 @@
               <a:defRPr/>
             </a:lvl9pPr>
           </a:lstStyle>
-          <a:p/>
+          <a:p>
+            <a:endParaRPr/>
+          </a:p>
         </p:txBody>
       </p:sp>
       <p:sp>
         <p:nvSpPr>
           <p:cNvPr id="25" name="Google Shape;25;p4"/>
-          <p:cNvSpPr txBox="1"/>
+          <p:cNvSpPr txBox="1">
+            <a:spLocks noGrp="1"/>
+          </p:cNvSpPr>
           <p:nvPr>
-            <p:ph idx="12" type="sldNum"/>
+            <p:ph type="sldNum" idx="12"/>
           </p:nvPr>
         </p:nvSpPr>
         <p:spPr>
@@ -3569,7 +3580,7 @@
           </a:prstGeom>
         </p:spPr>
         <p:txBody>
-          <a:bodyPr anchorCtr="0" anchor="ctr" bIns="91425" lIns="91425" spcFirstLastPara="1" rIns="91425" wrap="square" tIns="91425">
+          <a:bodyPr spcFirstLastPara="1" wrap="square" lIns="91425" tIns="91425" rIns="91425" bIns="91425" anchor="ctr" anchorCtr="0">
             <a:normAutofit/>
           </a:bodyPr>
           <a:lstStyle>
@@ -3611,7 +3622,7 @@
             </a:lvl9pPr>
           </a:lstStyle>
           <a:p>
-            <a:pPr indent="0" lvl="0" marL="0" rtl="0" algn="r">
+            <a:pPr marL="0" lvl="0" indent="0" algn="r" rtl="0">
               <a:spcBef>
                 <a:spcPts val="0"/>
               </a:spcBef>
@@ -3637,11 +3648,11 @@
 </file>
 
 <file path=ppt/slideLayouts/slideLayout4.xml><?xml version="1.0" encoding="utf-8"?>
-<p:sldLayout xmlns:a="http://schemas.openxmlformats.org/drawingml/2006/main" xmlns:r="http://schemas.openxmlformats.org/officeDocument/2006/relationships" xmlns:mc="http://schemas.openxmlformats.org/markup-compatibility/2006" xmlns:mv="urn:schemas-microsoft-com:mac:vml" xmlns:p="http://schemas.openxmlformats.org/presentationml/2006/main" xmlns:c="http://schemas.openxmlformats.org/drawingml/2006/chart" xmlns:dgm="http://schemas.openxmlformats.org/drawingml/2006/diagram" xmlns:o="urn:schemas-microsoft-com:office:office" xmlns:v="urn:schemas-microsoft-com:vml" xmlns:pvml="urn:schemas-microsoft-com:office:powerpoint" xmlns:com="http://schemas.openxmlformats.org/drawingml/2006/compatibility" xmlns:p14="http://schemas.microsoft.com/office/powerpoint/2010/main" xmlns:p15="http://schemas.microsoft.com/office/powerpoint/2012/main" xmlns:ahyp="http://schemas.microsoft.com/office/drawing/2018/hyperlinkcolor" matchingName="Title and two columns" type="twoColTx">
+<p:sldLayout xmlns:a="http://schemas.openxmlformats.org/drawingml/2006/main" xmlns:r="http://schemas.openxmlformats.org/officeDocument/2006/relationships" xmlns:p="http://schemas.openxmlformats.org/presentationml/2006/main" matchingName="Title and two columns" type="twoColTx">
   <p:cSld name="TITLE_AND_TWO_COLUMNS">
     <p:spTree>
       <p:nvGrpSpPr>
-        <p:cNvPr id="26" name="Shape 26"/>
+        <p:cNvPr id="1" name="Shape 26"/>
         <p:cNvGrpSpPr/>
         <p:nvPr/>
       </p:nvGrpSpPr>
@@ -3675,12 +3686,12 @@
           </a:ln>
         </p:spPr>
         <p:txBody>
-          <a:bodyPr anchorCtr="0" anchor="ctr" bIns="91425" lIns="91425" spcFirstLastPara="1" rIns="91425" wrap="square" tIns="91425">
+          <a:bodyPr spcFirstLastPara="1" wrap="square" lIns="91425" tIns="91425" rIns="91425" bIns="91425" anchor="ctr" anchorCtr="0">
             <a:noAutofit/>
           </a:bodyPr>
           <a:lstStyle/>
           <a:p>
-            <a:pPr indent="0" lvl="0" marL="0" rtl="0" algn="l">
+            <a:pPr marL="0" lvl="0" indent="0" algn="l" rtl="0">
               <a:spcBef>
                 <a:spcPts val="0"/>
               </a:spcBef>
@@ -3689,9 +3700,6 @@
               </a:spcAft>
               <a:buNone/>
             </a:pPr>
-            <a:r>
-              <a:t/>
-            </a:r>
             <a:endParaRPr/>
           </a:p>
         </p:txBody>
@@ -3699,7 +3707,9 @@
       <p:sp>
         <p:nvSpPr>
           <p:cNvPr id="28" name="Google Shape;28;p5"/>
-          <p:cNvSpPr txBox="1"/>
+          <p:cNvSpPr txBox="1">
+            <a:spLocks noGrp="1"/>
+          </p:cNvSpPr>
           <p:nvPr>
             <p:ph type="title"/>
           </p:nvPr>
@@ -3714,7 +3724,7 @@
           </a:prstGeom>
         </p:spPr>
         <p:txBody>
-          <a:bodyPr anchorCtr="0" anchor="t" bIns="91425" lIns="91425" spcFirstLastPara="1" rIns="91425" wrap="square" tIns="91425">
+          <a:bodyPr spcFirstLastPara="1" wrap="square" lIns="91425" tIns="91425" rIns="91425" bIns="91425" anchor="t" anchorCtr="0">
             <a:normAutofit/>
           </a:bodyPr>
           <a:lstStyle>
@@ -3881,15 +3891,19 @@
               </a:defRPr>
             </a:lvl9pPr>
           </a:lstStyle>
-          <a:p/>
+          <a:p>
+            <a:endParaRPr/>
+          </a:p>
         </p:txBody>
       </p:sp>
       <p:sp>
         <p:nvSpPr>
           <p:cNvPr id="29" name="Google Shape;29;p5"/>
-          <p:cNvSpPr txBox="1"/>
+          <p:cNvSpPr txBox="1">
+            <a:spLocks noGrp="1"/>
+          </p:cNvSpPr>
           <p:nvPr>
-            <p:ph idx="1" type="body"/>
+            <p:ph type="body" idx="1"/>
           </p:nvPr>
         </p:nvSpPr>
         <p:spPr>
@@ -3902,11 +3916,11 @@
           </a:prstGeom>
         </p:spPr>
         <p:txBody>
-          <a:bodyPr anchorCtr="0" anchor="t" bIns="91425" lIns="91425" spcFirstLastPara="1" rIns="91425" wrap="square" tIns="91425">
+          <a:bodyPr spcFirstLastPara="1" wrap="square" lIns="91425" tIns="91425" rIns="91425" bIns="91425" anchor="t" anchorCtr="0">
             <a:normAutofit/>
           </a:bodyPr>
           <a:lstStyle>
-            <a:lvl1pPr indent="-311150" lvl="0" marL="457200">
+            <a:lvl1pPr marL="457200" lvl="0" indent="-311150">
               <a:spcBef>
                 <a:spcPts val="0"/>
               </a:spcBef>
@@ -3917,7 +3931,7 @@
               <a:buChar char="●"/>
               <a:defRPr/>
             </a:lvl1pPr>
-            <a:lvl2pPr indent="-298450" lvl="1" marL="914400">
+            <a:lvl2pPr marL="914400" lvl="1" indent="-298450">
               <a:spcBef>
                 <a:spcPts val="0"/>
               </a:spcBef>
@@ -3928,7 +3942,7 @@
               <a:buChar char="○"/>
               <a:defRPr/>
             </a:lvl2pPr>
-            <a:lvl3pPr indent="-298450" lvl="2" marL="1371600">
+            <a:lvl3pPr marL="1371600" lvl="2" indent="-298450">
               <a:spcBef>
                 <a:spcPts val="0"/>
               </a:spcBef>
@@ -3939,7 +3953,7 @@
               <a:buChar char="■"/>
               <a:defRPr/>
             </a:lvl3pPr>
-            <a:lvl4pPr indent="-298450" lvl="3" marL="1828800">
+            <a:lvl4pPr marL="1828800" lvl="3" indent="-298450">
               <a:spcBef>
                 <a:spcPts val="0"/>
               </a:spcBef>
@@ -3950,7 +3964,7 @@
               <a:buChar char="●"/>
               <a:defRPr/>
             </a:lvl4pPr>
-            <a:lvl5pPr indent="-298450" lvl="4" marL="2286000">
+            <a:lvl5pPr marL="2286000" lvl="4" indent="-298450">
               <a:spcBef>
                 <a:spcPts val="0"/>
               </a:spcBef>
@@ -3961,7 +3975,7 @@
               <a:buChar char="○"/>
               <a:defRPr/>
             </a:lvl5pPr>
-            <a:lvl6pPr indent="-298450" lvl="5" marL="2743200">
+            <a:lvl6pPr marL="2743200" lvl="5" indent="-298450">
               <a:spcBef>
                 <a:spcPts val="0"/>
               </a:spcBef>
@@ -3972,7 +3986,7 @@
               <a:buChar char="■"/>
               <a:defRPr/>
             </a:lvl6pPr>
-            <a:lvl7pPr indent="-298450" lvl="6" marL="3200400">
+            <a:lvl7pPr marL="3200400" lvl="6" indent="-298450">
               <a:spcBef>
                 <a:spcPts val="0"/>
               </a:spcBef>
@@ -3983,7 +3997,7 @@
               <a:buChar char="●"/>
               <a:defRPr/>
             </a:lvl7pPr>
-            <a:lvl8pPr indent="-298450" lvl="7" marL="3657600">
+            <a:lvl8pPr marL="3657600" lvl="7" indent="-298450">
               <a:spcBef>
                 <a:spcPts val="0"/>
               </a:spcBef>
@@ -3994,7 +4008,7 @@
               <a:buChar char="○"/>
               <a:defRPr/>
             </a:lvl8pPr>
-            <a:lvl9pPr indent="-298450" lvl="8" marL="4114800">
+            <a:lvl9pPr marL="4114800" lvl="8" indent="-298450">
               <a:spcBef>
                 <a:spcPts val="0"/>
               </a:spcBef>
@@ -4006,15 +4020,19 @@
               <a:defRPr/>
             </a:lvl9pPr>
           </a:lstStyle>
-          <a:p/>
+          <a:p>
+            <a:endParaRPr/>
+          </a:p>
         </p:txBody>
       </p:sp>
       <p:sp>
         <p:nvSpPr>
           <p:cNvPr id="30" name="Google Shape;30;p5"/>
-          <p:cNvSpPr txBox="1"/>
+          <p:cNvSpPr txBox="1">
+            <a:spLocks noGrp="1"/>
+          </p:cNvSpPr>
           <p:nvPr>
-            <p:ph idx="2" type="body"/>
+            <p:ph type="body" idx="2"/>
           </p:nvPr>
         </p:nvSpPr>
         <p:spPr>
@@ -4027,11 +4045,11 @@
           </a:prstGeom>
         </p:spPr>
         <p:txBody>
-          <a:bodyPr anchorCtr="0" anchor="t" bIns="91425" lIns="91425" spcFirstLastPara="1" rIns="91425" wrap="square" tIns="91425">
+          <a:bodyPr spcFirstLastPara="1" wrap="square" lIns="91425" tIns="91425" rIns="91425" bIns="91425" anchor="t" anchorCtr="0">
             <a:normAutofit/>
           </a:bodyPr>
           <a:lstStyle>
-            <a:lvl1pPr indent="-311150" lvl="0" marL="457200">
+            <a:lvl1pPr marL="457200" lvl="0" indent="-311150">
               <a:spcBef>
                 <a:spcPts val="0"/>
               </a:spcBef>
@@ -4042,7 +4060,7 @@
               <a:buChar char="●"/>
               <a:defRPr/>
             </a:lvl1pPr>
-            <a:lvl2pPr indent="-298450" lvl="1" marL="914400">
+            <a:lvl2pPr marL="914400" lvl="1" indent="-298450">
               <a:spcBef>
                 <a:spcPts val="0"/>
               </a:spcBef>
@@ -4053,7 +4071,7 @@
               <a:buChar char="○"/>
               <a:defRPr/>
             </a:lvl2pPr>
-            <a:lvl3pPr indent="-298450" lvl="2" marL="1371600">
+            <a:lvl3pPr marL="1371600" lvl="2" indent="-298450">
               <a:spcBef>
                 <a:spcPts val="0"/>
               </a:spcBef>
@@ -4064,7 +4082,7 @@
               <a:buChar char="■"/>
               <a:defRPr/>
             </a:lvl3pPr>
-            <a:lvl4pPr indent="-298450" lvl="3" marL="1828800">
+            <a:lvl4pPr marL="1828800" lvl="3" indent="-298450">
               <a:spcBef>
                 <a:spcPts val="0"/>
               </a:spcBef>
@@ -4075,7 +4093,7 @@
               <a:buChar char="●"/>
               <a:defRPr/>
             </a:lvl4pPr>
-            <a:lvl5pPr indent="-298450" lvl="4" marL="2286000">
+            <a:lvl5pPr marL="2286000" lvl="4" indent="-298450">
               <a:spcBef>
                 <a:spcPts val="0"/>
               </a:spcBef>
@@ -4086,7 +4104,7 @@
               <a:buChar char="○"/>
               <a:defRPr/>
             </a:lvl5pPr>
-            <a:lvl6pPr indent="-298450" lvl="5" marL="2743200">
+            <a:lvl6pPr marL="2743200" lvl="5" indent="-298450">
               <a:spcBef>
                 <a:spcPts val="0"/>
               </a:spcBef>
@@ -4097,7 +4115,7 @@
               <a:buChar char="■"/>
               <a:defRPr/>
             </a:lvl6pPr>
-            <a:lvl7pPr indent="-298450" lvl="6" marL="3200400">
+            <a:lvl7pPr marL="3200400" lvl="6" indent="-298450">
               <a:spcBef>
                 <a:spcPts val="0"/>
               </a:spcBef>
@@ -4108,7 +4126,7 @@
               <a:buChar char="●"/>
               <a:defRPr/>
             </a:lvl7pPr>
-            <a:lvl8pPr indent="-298450" lvl="7" marL="3657600">
+            <a:lvl8pPr marL="3657600" lvl="7" indent="-298450">
               <a:spcBef>
                 <a:spcPts val="0"/>
               </a:spcBef>
@@ -4119,7 +4137,7 @@
               <a:buChar char="○"/>
               <a:defRPr/>
             </a:lvl8pPr>
-            <a:lvl9pPr indent="-298450" lvl="8" marL="4114800">
+            <a:lvl9pPr marL="4114800" lvl="8" indent="-298450">
               <a:spcBef>
                 <a:spcPts val="0"/>
               </a:spcBef>
@@ -4131,15 +4149,19 @@
               <a:defRPr/>
             </a:lvl9pPr>
           </a:lstStyle>
-          <a:p/>
+          <a:p>
+            <a:endParaRPr/>
+          </a:p>
         </p:txBody>
       </p:sp>
       <p:sp>
         <p:nvSpPr>
           <p:cNvPr id="31" name="Google Shape;31;p5"/>
-          <p:cNvSpPr txBox="1"/>
+          <p:cNvSpPr txBox="1">
+            <a:spLocks noGrp="1"/>
+          </p:cNvSpPr>
           <p:nvPr>
-            <p:ph idx="12" type="sldNum"/>
+            <p:ph type="sldNum" idx="12"/>
           </p:nvPr>
         </p:nvSpPr>
         <p:spPr>
@@ -4152,7 +4174,7 @@
           </a:prstGeom>
         </p:spPr>
         <p:txBody>
-          <a:bodyPr anchorCtr="0" anchor="ctr" bIns="91425" lIns="91425" spcFirstLastPara="1" rIns="91425" wrap="square" tIns="91425">
+          <a:bodyPr spcFirstLastPara="1" wrap="square" lIns="91425" tIns="91425" rIns="91425" bIns="91425" anchor="ctr" anchorCtr="0">
             <a:normAutofit/>
           </a:bodyPr>
           <a:lstStyle>
@@ -4194,7 +4216,7 @@
             </a:lvl9pPr>
           </a:lstStyle>
           <a:p>
-            <a:pPr indent="0" lvl="0" marL="0" rtl="0" algn="r">
+            <a:pPr marL="0" lvl="0" indent="0" algn="r" rtl="0">
               <a:spcBef>
                 <a:spcPts val="0"/>
               </a:spcBef>
@@ -4220,11 +4242,11 @@
 </file>
 
 <file path=ppt/slideLayouts/slideLayout5.xml><?xml version="1.0" encoding="utf-8"?>
-<p:sldLayout xmlns:a="http://schemas.openxmlformats.org/drawingml/2006/main" xmlns:r="http://schemas.openxmlformats.org/officeDocument/2006/relationships" xmlns:mc="http://schemas.openxmlformats.org/markup-compatibility/2006" xmlns:mv="urn:schemas-microsoft-com:mac:vml" xmlns:p="http://schemas.openxmlformats.org/presentationml/2006/main" xmlns:c="http://schemas.openxmlformats.org/drawingml/2006/chart" xmlns:dgm="http://schemas.openxmlformats.org/drawingml/2006/diagram" xmlns:o="urn:schemas-microsoft-com:office:office" xmlns:v="urn:schemas-microsoft-com:vml" xmlns:pvml="urn:schemas-microsoft-com:office:powerpoint" xmlns:com="http://schemas.openxmlformats.org/drawingml/2006/compatibility" xmlns:p14="http://schemas.microsoft.com/office/powerpoint/2010/main" xmlns:p15="http://schemas.microsoft.com/office/powerpoint/2012/main" xmlns:ahyp="http://schemas.microsoft.com/office/drawing/2018/hyperlinkcolor" matchingName="Title only" type="titleOnly">
+<p:sldLayout xmlns:a="http://schemas.openxmlformats.org/drawingml/2006/main" xmlns:r="http://schemas.openxmlformats.org/officeDocument/2006/relationships" xmlns:p="http://schemas.openxmlformats.org/presentationml/2006/main" matchingName="Title only" type="titleOnly">
   <p:cSld name="TITLE_ONLY">
     <p:spTree>
       <p:nvGrpSpPr>
-        <p:cNvPr id="32" name="Shape 32"/>
+        <p:cNvPr id="1" name="Shape 32"/>
         <p:cNvGrpSpPr/>
         <p:nvPr/>
       </p:nvGrpSpPr>
@@ -4258,12 +4280,12 @@
           </a:ln>
         </p:spPr>
         <p:txBody>
-          <a:bodyPr anchorCtr="0" anchor="ctr" bIns="91425" lIns="91425" spcFirstLastPara="1" rIns="91425" wrap="square" tIns="91425">
+          <a:bodyPr spcFirstLastPara="1" wrap="square" lIns="91425" tIns="91425" rIns="91425" bIns="91425" anchor="ctr" anchorCtr="0">
             <a:noAutofit/>
           </a:bodyPr>
           <a:lstStyle/>
           <a:p>
-            <a:pPr indent="0" lvl="0" marL="0" rtl="0" algn="l">
+            <a:pPr marL="0" lvl="0" indent="0" algn="l" rtl="0">
               <a:spcBef>
                 <a:spcPts val="0"/>
               </a:spcBef>
@@ -4272,9 +4294,6 @@
               </a:spcAft>
               <a:buNone/>
             </a:pPr>
-            <a:r>
-              <a:t/>
-            </a:r>
             <a:endParaRPr/>
           </a:p>
         </p:txBody>
@@ -4282,7 +4301,9 @@
       <p:sp>
         <p:nvSpPr>
           <p:cNvPr id="34" name="Google Shape;34;p6"/>
-          <p:cNvSpPr txBox="1"/>
+          <p:cNvSpPr txBox="1">
+            <a:spLocks noGrp="1"/>
+          </p:cNvSpPr>
           <p:nvPr>
             <p:ph type="title"/>
           </p:nvPr>
@@ -4297,7 +4318,7 @@
           </a:prstGeom>
         </p:spPr>
         <p:txBody>
-          <a:bodyPr anchorCtr="0" anchor="t" bIns="91425" lIns="91425" spcFirstLastPara="1" rIns="91425" wrap="square" tIns="91425">
+          <a:bodyPr spcFirstLastPara="1" wrap="square" lIns="91425" tIns="91425" rIns="91425" bIns="91425" anchor="t" anchorCtr="0">
             <a:normAutofit/>
           </a:bodyPr>
           <a:lstStyle>
@@ -4464,15 +4485,19 @@
               </a:defRPr>
             </a:lvl9pPr>
           </a:lstStyle>
-          <a:p/>
+          <a:p>
+            <a:endParaRPr/>
+          </a:p>
         </p:txBody>
       </p:sp>
       <p:sp>
         <p:nvSpPr>
           <p:cNvPr id="35" name="Google Shape;35;p6"/>
-          <p:cNvSpPr txBox="1"/>
+          <p:cNvSpPr txBox="1">
+            <a:spLocks noGrp="1"/>
+          </p:cNvSpPr>
           <p:nvPr>
-            <p:ph idx="12" type="sldNum"/>
+            <p:ph type="sldNum" idx="12"/>
           </p:nvPr>
         </p:nvSpPr>
         <p:spPr>
@@ -4485,7 +4510,7 @@
           </a:prstGeom>
         </p:spPr>
         <p:txBody>
-          <a:bodyPr anchorCtr="0" anchor="ctr" bIns="91425" lIns="91425" spcFirstLastPara="1" rIns="91425" wrap="square" tIns="91425">
+          <a:bodyPr spcFirstLastPara="1" wrap="square" lIns="91425" tIns="91425" rIns="91425" bIns="91425" anchor="ctr" anchorCtr="0">
             <a:normAutofit/>
           </a:bodyPr>
           <a:lstStyle>
@@ -4527,7 +4552,7 @@
             </a:lvl9pPr>
           </a:lstStyle>
           <a:p>
-            <a:pPr indent="0" lvl="0" marL="0" rtl="0" algn="r">
+            <a:pPr marL="0" lvl="0" indent="0" algn="r" rtl="0">
               <a:spcBef>
                 <a:spcPts val="0"/>
               </a:spcBef>
@@ -4553,11 +4578,11 @@
 </file>
 
 <file path=ppt/slideLayouts/slideLayout6.xml><?xml version="1.0" encoding="utf-8"?>
-<p:sldLayout xmlns:a="http://schemas.openxmlformats.org/drawingml/2006/main" xmlns:r="http://schemas.openxmlformats.org/officeDocument/2006/relationships" xmlns:mc="http://schemas.openxmlformats.org/markup-compatibility/2006" xmlns:mv="urn:schemas-microsoft-com:mac:vml" xmlns:p="http://schemas.openxmlformats.org/presentationml/2006/main" xmlns:c="http://schemas.openxmlformats.org/drawingml/2006/chart" xmlns:dgm="http://schemas.openxmlformats.org/drawingml/2006/diagram" xmlns:o="urn:schemas-microsoft-com:office:office" xmlns:v="urn:schemas-microsoft-com:vml" xmlns:pvml="urn:schemas-microsoft-com:office:powerpoint" xmlns:com="http://schemas.openxmlformats.org/drawingml/2006/compatibility" xmlns:p14="http://schemas.microsoft.com/office/powerpoint/2010/main" xmlns:p15="http://schemas.microsoft.com/office/powerpoint/2012/main" xmlns:ahyp="http://schemas.microsoft.com/office/drawing/2018/hyperlinkcolor" matchingName="One column text">
+<p:sldLayout xmlns:a="http://schemas.openxmlformats.org/drawingml/2006/main" xmlns:r="http://schemas.openxmlformats.org/officeDocument/2006/relationships" xmlns:p="http://schemas.openxmlformats.org/presentationml/2006/main" matchingName="One column text">
   <p:cSld name="ONE_COLUMN_TEXT">
     <p:spTree>
       <p:nvGrpSpPr>
-        <p:cNvPr id="36" name="Shape 36"/>
+        <p:cNvPr id="1" name="Shape 36"/>
         <p:cNvGrpSpPr/>
         <p:nvPr/>
       </p:nvGrpSpPr>
@@ -4591,12 +4616,12 @@
           </a:ln>
         </p:spPr>
         <p:txBody>
-          <a:bodyPr anchorCtr="0" anchor="ctr" bIns="91425" lIns="91425" spcFirstLastPara="1" rIns="91425" wrap="square" tIns="91425">
+          <a:bodyPr spcFirstLastPara="1" wrap="square" lIns="91425" tIns="91425" rIns="91425" bIns="91425" anchor="ctr" anchorCtr="0">
             <a:noAutofit/>
           </a:bodyPr>
           <a:lstStyle/>
           <a:p>
-            <a:pPr indent="0" lvl="0" marL="0" rtl="0" algn="l">
+            <a:pPr marL="0" lvl="0" indent="0" algn="l" rtl="0">
               <a:spcBef>
                 <a:spcPts val="0"/>
               </a:spcBef>
@@ -4605,9 +4630,6 @@
               </a:spcAft>
               <a:buNone/>
             </a:pPr>
-            <a:r>
-              <a:t/>
-            </a:r>
             <a:endParaRPr/>
           </a:p>
         </p:txBody>
@@ -4615,7 +4637,9 @@
       <p:sp>
         <p:nvSpPr>
           <p:cNvPr id="38" name="Google Shape;38;p7"/>
-          <p:cNvSpPr txBox="1"/>
+          <p:cNvSpPr txBox="1">
+            <a:spLocks noGrp="1"/>
+          </p:cNvSpPr>
           <p:nvPr>
             <p:ph type="title"/>
           </p:nvPr>
@@ -4630,7 +4654,7 @@
           </a:prstGeom>
         </p:spPr>
         <p:txBody>
-          <a:bodyPr anchorCtr="0" anchor="t" bIns="91425" lIns="91425" spcFirstLastPara="1" rIns="91425" wrap="square" tIns="91425">
+          <a:bodyPr spcFirstLastPara="1" wrap="square" lIns="91425" tIns="91425" rIns="91425" bIns="91425" anchor="t" anchorCtr="0">
             <a:normAutofit/>
           </a:bodyPr>
           <a:lstStyle>
@@ -4797,15 +4821,19 @@
               </a:defRPr>
             </a:lvl9pPr>
           </a:lstStyle>
-          <a:p/>
+          <a:p>
+            <a:endParaRPr/>
+          </a:p>
         </p:txBody>
       </p:sp>
       <p:sp>
         <p:nvSpPr>
           <p:cNvPr id="39" name="Google Shape;39;p7"/>
-          <p:cNvSpPr txBox="1"/>
+          <p:cNvSpPr txBox="1">
+            <a:spLocks noGrp="1"/>
+          </p:cNvSpPr>
           <p:nvPr>
-            <p:ph idx="1" type="body"/>
+            <p:ph type="body" idx="1"/>
           </p:nvPr>
         </p:nvSpPr>
         <p:spPr>
@@ -4818,11 +4846,11 @@
           </a:prstGeom>
         </p:spPr>
         <p:txBody>
-          <a:bodyPr anchorCtr="0" anchor="t" bIns="91425" lIns="91425" spcFirstLastPara="1" rIns="91425" wrap="square" tIns="91425">
+          <a:bodyPr spcFirstLastPara="1" wrap="square" lIns="91425" tIns="91425" rIns="91425" bIns="91425" anchor="t" anchorCtr="0">
             <a:normAutofit/>
           </a:bodyPr>
           <a:lstStyle>
-            <a:lvl1pPr indent="-311150" lvl="0" marL="457200">
+            <a:lvl1pPr marL="457200" lvl="0" indent="-311150">
               <a:spcBef>
                 <a:spcPts val="0"/>
               </a:spcBef>
@@ -4840,7 +4868,7 @@
                 </a:solidFill>
               </a:defRPr>
             </a:lvl1pPr>
-            <a:lvl2pPr indent="-298450" lvl="1" marL="914400">
+            <a:lvl2pPr marL="914400" lvl="1" indent="-298450">
               <a:spcBef>
                 <a:spcPts val="0"/>
               </a:spcBef>
@@ -4858,7 +4886,7 @@
                 </a:solidFill>
               </a:defRPr>
             </a:lvl2pPr>
-            <a:lvl3pPr indent="-298450" lvl="2" marL="1371600">
+            <a:lvl3pPr marL="1371600" lvl="2" indent="-298450">
               <a:spcBef>
                 <a:spcPts val="0"/>
               </a:spcBef>
@@ -4876,7 +4904,7 @@
                 </a:solidFill>
               </a:defRPr>
             </a:lvl3pPr>
-            <a:lvl4pPr indent="-298450" lvl="3" marL="1828800">
+            <a:lvl4pPr marL="1828800" lvl="3" indent="-298450">
               <a:spcBef>
                 <a:spcPts val="0"/>
               </a:spcBef>
@@ -4894,7 +4922,7 @@
                 </a:solidFill>
               </a:defRPr>
             </a:lvl4pPr>
-            <a:lvl5pPr indent="-298450" lvl="4" marL="2286000">
+            <a:lvl5pPr marL="2286000" lvl="4" indent="-298450">
               <a:spcBef>
                 <a:spcPts val="0"/>
               </a:spcBef>
@@ -4912,7 +4940,7 @@
                 </a:solidFill>
               </a:defRPr>
             </a:lvl5pPr>
-            <a:lvl6pPr indent="-298450" lvl="5" marL="2743200">
+            <a:lvl6pPr marL="2743200" lvl="5" indent="-298450">
               <a:spcBef>
                 <a:spcPts val="0"/>
               </a:spcBef>
@@ -4930,7 +4958,7 @@
                 </a:solidFill>
               </a:defRPr>
             </a:lvl6pPr>
-            <a:lvl7pPr indent="-298450" lvl="6" marL="3200400">
+            <a:lvl7pPr marL="3200400" lvl="6" indent="-298450">
               <a:spcBef>
                 <a:spcPts val="0"/>
               </a:spcBef>
@@ -4948,7 +4976,7 @@
                 </a:solidFill>
               </a:defRPr>
             </a:lvl7pPr>
-            <a:lvl8pPr indent="-298450" lvl="7" marL="3657600">
+            <a:lvl8pPr marL="3657600" lvl="7" indent="-298450">
               <a:spcBef>
                 <a:spcPts val="0"/>
               </a:spcBef>
@@ -4966,7 +4994,7 @@
                 </a:solidFill>
               </a:defRPr>
             </a:lvl8pPr>
-            <a:lvl9pPr indent="-298450" lvl="8" marL="4114800">
+            <a:lvl9pPr marL="4114800" lvl="8" indent="-298450">
               <a:spcBef>
                 <a:spcPts val="0"/>
               </a:spcBef>
@@ -4985,15 +5013,19 @@
               </a:defRPr>
             </a:lvl9pPr>
           </a:lstStyle>
-          <a:p/>
+          <a:p>
+            <a:endParaRPr/>
+          </a:p>
         </p:txBody>
       </p:sp>
       <p:sp>
         <p:nvSpPr>
           <p:cNvPr id="40" name="Google Shape;40;p7"/>
-          <p:cNvSpPr txBox="1"/>
+          <p:cNvSpPr txBox="1">
+            <a:spLocks noGrp="1"/>
+          </p:cNvSpPr>
           <p:nvPr>
-            <p:ph idx="12" type="sldNum"/>
+            <p:ph type="sldNum" idx="12"/>
           </p:nvPr>
         </p:nvSpPr>
         <p:spPr>
@@ -5006,7 +5038,7 @@
           </a:prstGeom>
         </p:spPr>
         <p:txBody>
-          <a:bodyPr anchorCtr="0" anchor="ctr" bIns="91425" lIns="91425" spcFirstLastPara="1" rIns="91425" wrap="square" tIns="91425">
+          <a:bodyPr spcFirstLastPara="1" wrap="square" lIns="91425" tIns="91425" rIns="91425" bIns="91425" anchor="ctr" anchorCtr="0">
             <a:normAutofit/>
           </a:bodyPr>
           <a:lstStyle>
@@ -5048,7 +5080,7 @@
             </a:lvl9pPr>
           </a:lstStyle>
           <a:p>
-            <a:pPr indent="0" lvl="0" marL="0" rtl="0" algn="r">
+            <a:pPr marL="0" lvl="0" indent="0" algn="r" rtl="0">
               <a:spcBef>
                 <a:spcPts val="0"/>
               </a:spcBef>
@@ -5074,18 +5106,19 @@
 </file>
 
 <file path=ppt/slideLayouts/slideLayout7.xml><?xml version="1.0" encoding="utf-8"?>
-<p:sldLayout xmlns:a="http://schemas.openxmlformats.org/drawingml/2006/main" xmlns:r="http://schemas.openxmlformats.org/officeDocument/2006/relationships" xmlns:mc="http://schemas.openxmlformats.org/markup-compatibility/2006" xmlns:mv="urn:schemas-microsoft-com:mac:vml" xmlns:p="http://schemas.openxmlformats.org/presentationml/2006/main" xmlns:c="http://schemas.openxmlformats.org/drawingml/2006/chart" xmlns:dgm="http://schemas.openxmlformats.org/drawingml/2006/diagram" xmlns:o="urn:schemas-microsoft-com:office:office" xmlns:v="urn:schemas-microsoft-com:vml" xmlns:pvml="urn:schemas-microsoft-com:office:powerpoint" xmlns:com="http://schemas.openxmlformats.org/drawingml/2006/compatibility" xmlns:p14="http://schemas.microsoft.com/office/powerpoint/2010/main" xmlns:p15="http://schemas.microsoft.com/office/powerpoint/2012/main" xmlns:ahyp="http://schemas.microsoft.com/office/drawing/2018/hyperlinkcolor" matchingName="Main point">
+<p:sldLayout xmlns:a="http://schemas.openxmlformats.org/drawingml/2006/main" xmlns:r="http://schemas.openxmlformats.org/officeDocument/2006/relationships" xmlns:p="http://schemas.openxmlformats.org/presentationml/2006/main" matchingName="Main point">
   <p:cSld name="MAIN_POINT">
     <p:bg>
       <p:bgPr>
         <a:solidFill>
           <a:schemeClr val="accent3"/>
         </a:solidFill>
+        <a:effectLst/>
       </p:bgPr>
     </p:bg>
     <p:spTree>
       <p:nvGrpSpPr>
-        <p:cNvPr id="41" name="Shape 41"/>
+        <p:cNvPr id="1" name="Shape 41"/>
         <p:cNvGrpSpPr/>
         <p:nvPr/>
       </p:nvGrpSpPr>
@@ -5100,7 +5133,9 @@
       <p:sp>
         <p:nvSpPr>
           <p:cNvPr id="42" name="Google Shape;42;p8"/>
-          <p:cNvSpPr txBox="1"/>
+          <p:cNvSpPr txBox="1">
+            <a:spLocks noGrp="1"/>
+          </p:cNvSpPr>
           <p:nvPr>
             <p:ph type="title"/>
           </p:nvPr>
@@ -5115,7 +5150,7 @@
           </a:prstGeom>
         </p:spPr>
         <p:txBody>
-          <a:bodyPr anchorCtr="0" anchor="ctr" bIns="91425" lIns="91425" spcFirstLastPara="1" rIns="91425" wrap="square" tIns="91425">
+          <a:bodyPr spcFirstLastPara="1" wrap="square" lIns="91425" tIns="91425" rIns="91425" bIns="91425" anchor="ctr" anchorCtr="0">
             <a:normAutofit/>
           </a:bodyPr>
           <a:lstStyle>
@@ -5219,15 +5254,19 @@
               <a:defRPr sz="3600"/>
             </a:lvl9pPr>
           </a:lstStyle>
-          <a:p/>
+          <a:p>
+            <a:endParaRPr/>
+          </a:p>
         </p:txBody>
       </p:sp>
       <p:sp>
         <p:nvSpPr>
           <p:cNvPr id="43" name="Google Shape;43;p8"/>
-          <p:cNvSpPr txBox="1"/>
+          <p:cNvSpPr txBox="1">
+            <a:spLocks noGrp="1"/>
+          </p:cNvSpPr>
           <p:nvPr>
-            <p:ph idx="12" type="sldNum"/>
+            <p:ph type="sldNum" idx="12"/>
           </p:nvPr>
         </p:nvSpPr>
         <p:spPr>
@@ -5240,7 +5279,7 @@
           </a:prstGeom>
         </p:spPr>
         <p:txBody>
-          <a:bodyPr anchorCtr="0" anchor="ctr" bIns="91425" lIns="91425" spcFirstLastPara="1" rIns="91425" wrap="square" tIns="91425">
+          <a:bodyPr spcFirstLastPara="1" wrap="square" lIns="91425" tIns="91425" rIns="91425" bIns="91425" anchor="ctr" anchorCtr="0">
             <a:normAutofit/>
           </a:bodyPr>
           <a:lstStyle>
@@ -5318,7 +5357,7 @@
             </a:lvl9pPr>
           </a:lstStyle>
           <a:p>
-            <a:pPr indent="0" lvl="0" marL="0" rtl="0" algn="r">
+            <a:pPr marL="0" lvl="0" indent="0" algn="r" rtl="0">
               <a:spcBef>
                 <a:spcPts val="0"/>
               </a:spcBef>
@@ -5344,11 +5383,11 @@
 </file>
 
 <file path=ppt/slideLayouts/slideLayout8.xml><?xml version="1.0" encoding="utf-8"?>
-<p:sldLayout xmlns:a="http://schemas.openxmlformats.org/drawingml/2006/main" xmlns:r="http://schemas.openxmlformats.org/officeDocument/2006/relationships" xmlns:mc="http://schemas.openxmlformats.org/markup-compatibility/2006" xmlns:mv="urn:schemas-microsoft-com:mac:vml" xmlns:p="http://schemas.openxmlformats.org/presentationml/2006/main" xmlns:c="http://schemas.openxmlformats.org/drawingml/2006/chart" xmlns:dgm="http://schemas.openxmlformats.org/drawingml/2006/diagram" xmlns:o="urn:schemas-microsoft-com:office:office" xmlns:v="urn:schemas-microsoft-com:vml" xmlns:pvml="urn:schemas-microsoft-com:office:powerpoint" xmlns:com="http://schemas.openxmlformats.org/drawingml/2006/compatibility" xmlns:p14="http://schemas.microsoft.com/office/powerpoint/2010/main" xmlns:p15="http://schemas.microsoft.com/office/powerpoint/2012/main" xmlns:ahyp="http://schemas.microsoft.com/office/drawing/2018/hyperlinkcolor" matchingName="Section title and description">
+<p:sldLayout xmlns:a="http://schemas.openxmlformats.org/drawingml/2006/main" xmlns:r="http://schemas.openxmlformats.org/officeDocument/2006/relationships" xmlns:p="http://schemas.openxmlformats.org/presentationml/2006/main" matchingName="Section title and description">
   <p:cSld name="SECTION_TITLE_AND_DESCRIPTION">
     <p:spTree>
       <p:nvGrpSpPr>
-        <p:cNvPr id="44" name="Shape 44"/>
+        <p:cNvPr id="1" name="Shape 44"/>
         <p:cNvGrpSpPr/>
         <p:nvPr/>
       </p:nvGrpSpPr>
@@ -5382,12 +5421,12 @@
           </a:ln>
         </p:spPr>
         <p:txBody>
-          <a:bodyPr anchorCtr="0" anchor="ctr" bIns="91425" lIns="91425" spcFirstLastPara="1" rIns="91425" wrap="square" tIns="91425">
+          <a:bodyPr spcFirstLastPara="1" wrap="square" lIns="91425" tIns="91425" rIns="91425" bIns="91425" anchor="ctr" anchorCtr="0">
             <a:noAutofit/>
           </a:bodyPr>
           <a:lstStyle/>
           <a:p>
-            <a:pPr indent="0" lvl="0" marL="0" rtl="0" algn="l">
+            <a:pPr marL="0" lvl="0" indent="0" algn="l" rtl="0">
               <a:spcBef>
                 <a:spcPts val="0"/>
               </a:spcBef>
@@ -5396,9 +5435,6 @@
               </a:spcAft>
               <a:buNone/>
             </a:pPr>
-            <a:r>
-              <a:t/>
-            </a:r>
             <a:endParaRPr/>
           </a:p>
         </p:txBody>
@@ -5406,7 +5442,9 @@
       <p:sp>
         <p:nvSpPr>
           <p:cNvPr id="46" name="Google Shape;46;p9"/>
-          <p:cNvSpPr txBox="1"/>
+          <p:cNvSpPr txBox="1">
+            <a:spLocks noGrp="1"/>
+          </p:cNvSpPr>
           <p:nvPr>
             <p:ph type="title"/>
           </p:nvPr>
@@ -5421,7 +5459,7 @@
           </a:prstGeom>
         </p:spPr>
         <p:txBody>
-          <a:bodyPr anchorCtr="0" anchor="t" bIns="91425" lIns="91425" spcFirstLastPara="1" rIns="91425" wrap="square" tIns="91425">
+          <a:bodyPr spcFirstLastPara="1" wrap="square" lIns="91425" tIns="91425" rIns="91425" bIns="91425" anchor="t" anchorCtr="0">
             <a:normAutofit/>
           </a:bodyPr>
           <a:lstStyle>
@@ -5588,15 +5626,19 @@
               </a:defRPr>
             </a:lvl9pPr>
           </a:lstStyle>
-          <a:p/>
+          <a:p>
+            <a:endParaRPr/>
+          </a:p>
         </p:txBody>
       </p:sp>
       <p:sp>
         <p:nvSpPr>
           <p:cNvPr id="47" name="Google Shape;47;p9"/>
-          <p:cNvSpPr txBox="1"/>
+          <p:cNvSpPr txBox="1">
+            <a:spLocks noGrp="1"/>
+          </p:cNvSpPr>
           <p:nvPr>
-            <p:ph idx="1" type="subTitle"/>
+            <p:ph type="subTitle" idx="1"/>
           </p:nvPr>
         </p:nvSpPr>
         <p:spPr>
@@ -5609,7 +5651,7 @@
           </a:prstGeom>
         </p:spPr>
         <p:txBody>
-          <a:bodyPr anchorCtr="0" anchor="t" bIns="91425" lIns="91425" spcFirstLastPara="1" rIns="91425" wrap="square" tIns="91425">
+          <a:bodyPr spcFirstLastPara="1" wrap="square" lIns="91425" tIns="91425" rIns="91425" bIns="91425" anchor="t" anchorCtr="0">
             <a:normAutofit/>
           </a:bodyPr>
           <a:lstStyle>
@@ -5803,15 +5845,19 @@
               </a:defRPr>
             </a:lvl9pPr>
           </a:lstStyle>
-          <a:p/>
+          <a:p>
+            <a:endParaRPr/>
+          </a:p>
         </p:txBody>
       </p:sp>
       <p:sp>
         <p:nvSpPr>
           <p:cNvPr id="48" name="Google Shape;48;p9"/>
-          <p:cNvSpPr txBox="1"/>
+          <p:cNvSpPr txBox="1">
+            <a:spLocks noGrp="1"/>
+          </p:cNvSpPr>
           <p:nvPr>
-            <p:ph idx="2" type="body"/>
+            <p:ph type="body" idx="2"/>
           </p:nvPr>
         </p:nvSpPr>
         <p:spPr>
@@ -5824,11 +5870,11 @@
           </a:prstGeom>
         </p:spPr>
         <p:txBody>
-          <a:bodyPr anchorCtr="0" anchor="t" bIns="91425" lIns="91425" spcFirstLastPara="1" rIns="91425" wrap="square" tIns="91425">
+          <a:bodyPr spcFirstLastPara="1" wrap="square" lIns="91425" tIns="91425" rIns="91425" bIns="91425" anchor="t" anchorCtr="0">
             <a:normAutofit/>
           </a:bodyPr>
           <a:lstStyle>
-            <a:lvl1pPr indent="-311150" lvl="0" marL="457200">
+            <a:lvl1pPr marL="457200" lvl="0" indent="-311150">
               <a:spcBef>
                 <a:spcPts val="0"/>
               </a:spcBef>
@@ -5839,7 +5885,7 @@
               <a:buChar char="●"/>
               <a:defRPr/>
             </a:lvl1pPr>
-            <a:lvl2pPr indent="-298450" lvl="1" marL="914400">
+            <a:lvl2pPr marL="914400" lvl="1" indent="-298450">
               <a:spcBef>
                 <a:spcPts val="0"/>
               </a:spcBef>
@@ -5850,7 +5896,7 @@
               <a:buChar char="○"/>
               <a:defRPr/>
             </a:lvl2pPr>
-            <a:lvl3pPr indent="-298450" lvl="2" marL="1371600">
+            <a:lvl3pPr marL="1371600" lvl="2" indent="-298450">
               <a:spcBef>
                 <a:spcPts val="0"/>
               </a:spcBef>
@@ -5861,7 +5907,7 @@
               <a:buChar char="■"/>
               <a:defRPr/>
             </a:lvl3pPr>
-            <a:lvl4pPr indent="-298450" lvl="3" marL="1828800">
+            <a:lvl4pPr marL="1828800" lvl="3" indent="-298450">
               <a:spcBef>
                 <a:spcPts val="0"/>
               </a:spcBef>
@@ -5872,7 +5918,7 @@
               <a:buChar char="●"/>
               <a:defRPr/>
             </a:lvl4pPr>
-            <a:lvl5pPr indent="-298450" lvl="4" marL="2286000">
+            <a:lvl5pPr marL="2286000" lvl="4" indent="-298450">
               <a:spcBef>
                 <a:spcPts val="0"/>
               </a:spcBef>
@@ -5883,7 +5929,7 @@
               <a:buChar char="○"/>
               <a:defRPr/>
             </a:lvl5pPr>
-            <a:lvl6pPr indent="-298450" lvl="5" marL="2743200">
+            <a:lvl6pPr marL="2743200" lvl="5" indent="-298450">
               <a:spcBef>
                 <a:spcPts val="0"/>
               </a:spcBef>
@@ -5894,7 +5940,7 @@
               <a:buChar char="■"/>
               <a:defRPr/>
             </a:lvl6pPr>
-            <a:lvl7pPr indent="-298450" lvl="6" marL="3200400">
+            <a:lvl7pPr marL="3200400" lvl="6" indent="-298450">
               <a:spcBef>
                 <a:spcPts val="0"/>
               </a:spcBef>
@@ -5905,7 +5951,7 @@
               <a:buChar char="●"/>
               <a:defRPr/>
             </a:lvl7pPr>
-            <a:lvl8pPr indent="-298450" lvl="7" marL="3657600">
+            <a:lvl8pPr marL="3657600" lvl="7" indent="-298450">
               <a:spcBef>
                 <a:spcPts val="0"/>
               </a:spcBef>
@@ -5916,7 +5962,7 @@
               <a:buChar char="○"/>
               <a:defRPr/>
             </a:lvl8pPr>
-            <a:lvl9pPr indent="-298450" lvl="8" marL="4114800">
+            <a:lvl9pPr marL="4114800" lvl="8" indent="-298450">
               <a:spcBef>
                 <a:spcPts val="0"/>
               </a:spcBef>
@@ -5928,15 +5974,19 @@
               <a:defRPr/>
             </a:lvl9pPr>
           </a:lstStyle>
-          <a:p/>
+          <a:p>
+            <a:endParaRPr/>
+          </a:p>
         </p:txBody>
       </p:sp>
       <p:sp>
         <p:nvSpPr>
           <p:cNvPr id="49" name="Google Shape;49;p9"/>
-          <p:cNvSpPr txBox="1"/>
+          <p:cNvSpPr txBox="1">
+            <a:spLocks noGrp="1"/>
+          </p:cNvSpPr>
           <p:nvPr>
-            <p:ph idx="12" type="sldNum"/>
+            <p:ph type="sldNum" idx="12"/>
           </p:nvPr>
         </p:nvSpPr>
         <p:spPr>
@@ -5949,7 +5999,7 @@
           </a:prstGeom>
         </p:spPr>
         <p:txBody>
-          <a:bodyPr anchorCtr="0" anchor="ctr" bIns="91425" lIns="91425" spcFirstLastPara="1" rIns="91425" wrap="square" tIns="91425">
+          <a:bodyPr spcFirstLastPara="1" wrap="square" lIns="91425" tIns="91425" rIns="91425" bIns="91425" anchor="ctr" anchorCtr="0">
             <a:normAutofit/>
           </a:bodyPr>
           <a:lstStyle>
@@ -5991,7 +6041,7 @@
             </a:lvl9pPr>
           </a:lstStyle>
           <a:p>
-            <a:pPr indent="0" lvl="0" marL="0" rtl="0" algn="r">
+            <a:pPr marL="0" lvl="0" indent="0" algn="r" rtl="0">
               <a:spcBef>
                 <a:spcPts val="0"/>
               </a:spcBef>
@@ -6017,11 +6067,11 @@
 </file>
 
 <file path=ppt/slideLayouts/slideLayout9.xml><?xml version="1.0" encoding="utf-8"?>
-<p:sldLayout xmlns:a="http://schemas.openxmlformats.org/drawingml/2006/main" xmlns:r="http://schemas.openxmlformats.org/officeDocument/2006/relationships" xmlns:mc="http://schemas.openxmlformats.org/markup-compatibility/2006" xmlns:mv="urn:schemas-microsoft-com:mac:vml" xmlns:p="http://schemas.openxmlformats.org/presentationml/2006/main" xmlns:c="http://schemas.openxmlformats.org/drawingml/2006/chart" xmlns:dgm="http://schemas.openxmlformats.org/drawingml/2006/diagram" xmlns:o="urn:schemas-microsoft-com:office:office" xmlns:v="urn:schemas-microsoft-com:vml" xmlns:pvml="urn:schemas-microsoft-com:office:powerpoint" xmlns:com="http://schemas.openxmlformats.org/drawingml/2006/compatibility" xmlns:p14="http://schemas.microsoft.com/office/powerpoint/2010/main" xmlns:p15="http://schemas.microsoft.com/office/powerpoint/2012/main" xmlns:ahyp="http://schemas.microsoft.com/office/drawing/2018/hyperlinkcolor" matchingName="Caption">
+<p:sldLayout xmlns:a="http://schemas.openxmlformats.org/drawingml/2006/main" xmlns:r="http://schemas.openxmlformats.org/officeDocument/2006/relationships" xmlns:p="http://schemas.openxmlformats.org/presentationml/2006/main" matchingName="Caption">
   <p:cSld name="CAPTION_ONLY">
     <p:spTree>
       <p:nvGrpSpPr>
-        <p:cNvPr id="50" name="Shape 50"/>
+        <p:cNvPr id="1" name="Shape 50"/>
         <p:cNvGrpSpPr/>
         <p:nvPr/>
       </p:nvGrpSpPr>
@@ -6055,12 +6105,12 @@
           </a:ln>
         </p:spPr>
         <p:txBody>
-          <a:bodyPr anchorCtr="0" anchor="ctr" bIns="91425" lIns="91425" spcFirstLastPara="1" rIns="91425" wrap="square" tIns="91425">
+          <a:bodyPr spcFirstLastPara="1" wrap="square" lIns="91425" tIns="91425" rIns="91425" bIns="91425" anchor="ctr" anchorCtr="0">
             <a:noAutofit/>
           </a:bodyPr>
           <a:lstStyle/>
           <a:p>
-            <a:pPr indent="0" lvl="0" marL="0" rtl="0" algn="l">
+            <a:pPr marL="0" lvl="0" indent="0" algn="l" rtl="0">
               <a:spcBef>
                 <a:spcPts val="0"/>
               </a:spcBef>
@@ -6069,9 +6119,6 @@
               </a:spcAft>
               <a:buNone/>
             </a:pPr>
-            <a:r>
-              <a:t/>
-            </a:r>
             <a:endParaRPr/>
           </a:p>
         </p:txBody>
@@ -6079,9 +6126,11 @@
       <p:sp>
         <p:nvSpPr>
           <p:cNvPr id="52" name="Google Shape;52;p10"/>
-          <p:cNvSpPr txBox="1"/>
+          <p:cNvSpPr txBox="1">
+            <a:spLocks noGrp="1"/>
+          </p:cNvSpPr>
           <p:nvPr>
-            <p:ph idx="1" type="body"/>
+            <p:ph type="body" idx="1"/>
           </p:nvPr>
         </p:nvSpPr>
         <p:spPr>
@@ -6094,11 +6143,11 @@
           </a:prstGeom>
         </p:spPr>
         <p:txBody>
-          <a:bodyPr anchorCtr="0" anchor="ctr" bIns="91425" lIns="91425" spcFirstLastPara="1" rIns="91425" wrap="square" tIns="91425">
+          <a:bodyPr spcFirstLastPara="1" wrap="square" lIns="91425" tIns="91425" rIns="91425" bIns="91425" anchor="ctr" anchorCtr="0">
             <a:normAutofit/>
           </a:bodyPr>
           <a:lstStyle>
-            <a:lvl1pPr indent="-228600" lvl="0" marL="457200">
+            <a:lvl1pPr marL="457200" lvl="0" indent="-228600">
               <a:lnSpc>
                 <a:spcPct val="100000"/>
               </a:lnSpc>
@@ -6125,15 +6174,19 @@
               </a:defRPr>
             </a:lvl1pPr>
           </a:lstStyle>
-          <a:p/>
+          <a:p>
+            <a:endParaRPr/>
+          </a:p>
         </p:txBody>
       </p:sp>
       <p:sp>
         <p:nvSpPr>
           <p:cNvPr id="53" name="Google Shape;53;p10"/>
-          <p:cNvSpPr txBox="1"/>
+          <p:cNvSpPr txBox="1">
+            <a:spLocks noGrp="1"/>
+          </p:cNvSpPr>
           <p:nvPr>
-            <p:ph idx="12" type="sldNum"/>
+            <p:ph type="sldNum" idx="12"/>
           </p:nvPr>
         </p:nvSpPr>
         <p:spPr>
@@ -6146,7 +6199,7 @@
           </a:prstGeom>
         </p:spPr>
         <p:txBody>
-          <a:bodyPr anchorCtr="0" anchor="ctr" bIns="91425" lIns="91425" spcFirstLastPara="1" rIns="91425" wrap="square" tIns="91425">
+          <a:bodyPr spcFirstLastPara="1" wrap="square" lIns="91425" tIns="91425" rIns="91425" bIns="91425" anchor="ctr" anchorCtr="0">
             <a:normAutofit/>
           </a:bodyPr>
           <a:lstStyle>
@@ -6224,7 +6277,7 @@
             </a:lvl9pPr>
           </a:lstStyle>
           <a:p>
-            <a:pPr indent="0" lvl="0" marL="0" rtl="0" algn="r">
+            <a:pPr marL="0" lvl="0" indent="0" algn="r" rtl="0">
               <a:spcBef>
                 <a:spcPts val="0"/>
               </a:spcBef>
@@ -6250,18 +6303,19 @@
 </file>
 
 <file path=ppt/slideMasters/slideMaster1.xml><?xml version="1.0" encoding="utf-8"?>
-<p:sldMaster xmlns:a="http://schemas.openxmlformats.org/drawingml/2006/main" xmlns:r="http://schemas.openxmlformats.org/officeDocument/2006/relationships" xmlns:mc="http://schemas.openxmlformats.org/markup-compatibility/2006" xmlns:mv="urn:schemas-microsoft-com:mac:vml" xmlns:p="http://schemas.openxmlformats.org/presentationml/2006/main" xmlns:c="http://schemas.openxmlformats.org/drawingml/2006/chart" xmlns:dgm="http://schemas.openxmlformats.org/drawingml/2006/diagram" xmlns:o="urn:schemas-microsoft-com:office:office" xmlns:v="urn:schemas-microsoft-com:vml" xmlns:pvml="urn:schemas-microsoft-com:office:powerpoint" xmlns:com="http://schemas.openxmlformats.org/drawingml/2006/compatibility" xmlns:p14="http://schemas.microsoft.com/office/powerpoint/2010/main" xmlns:p15="http://schemas.microsoft.com/office/powerpoint/2012/main" xmlns:ahyp="http://schemas.microsoft.com/office/drawing/2018/hyperlinkcolor">
+<p:sldMaster xmlns:a="http://schemas.openxmlformats.org/drawingml/2006/main" xmlns:r="http://schemas.openxmlformats.org/officeDocument/2006/relationships" xmlns:p="http://schemas.openxmlformats.org/presentationml/2006/main">
   <p:cSld name="paradigm">
     <p:bg>
       <p:bgPr>
         <a:solidFill>
           <a:schemeClr val="lt1"/>
         </a:solidFill>
+        <a:effectLst/>
       </p:bgPr>
     </p:bg>
     <p:spTree>
       <p:nvGrpSpPr>
-        <p:cNvPr id="5" name="Shape 5"/>
+        <p:cNvPr id="1" name="Shape 5"/>
         <p:cNvGrpSpPr/>
         <p:nvPr/>
       </p:nvGrpSpPr>
@@ -6276,7 +6330,9 @@
       <p:sp>
         <p:nvSpPr>
           <p:cNvPr id="6" name="Google Shape;6;p1"/>
-          <p:cNvSpPr txBox="1"/>
+          <p:cNvSpPr txBox="1">
+            <a:spLocks noGrp="1"/>
+          </p:cNvSpPr>
           <p:nvPr>
             <p:ph type="title"/>
           </p:nvPr>
@@ -6295,7 +6351,7 @@
           </a:ln>
         </p:spPr>
         <p:txBody>
-          <a:bodyPr anchorCtr="0" anchor="t" bIns="91425" lIns="91425" spcFirstLastPara="1" rIns="91425" wrap="square" tIns="91425">
+          <a:bodyPr spcFirstLastPara="1" wrap="square" lIns="91425" tIns="91425" rIns="91425" bIns="91425" anchor="t" anchorCtr="0">
             <a:normAutofit/>
           </a:bodyPr>
           <a:lstStyle>
@@ -6507,15 +6563,19 @@
               </a:defRPr>
             </a:lvl9pPr>
           </a:lstStyle>
-          <a:p/>
+          <a:p>
+            <a:endParaRPr/>
+          </a:p>
         </p:txBody>
       </p:sp>
       <p:sp>
         <p:nvSpPr>
           <p:cNvPr id="7" name="Google Shape;7;p1"/>
-          <p:cNvSpPr txBox="1"/>
+          <p:cNvSpPr txBox="1">
+            <a:spLocks noGrp="1"/>
+          </p:cNvSpPr>
           <p:nvPr>
-            <p:ph idx="1" type="body"/>
+            <p:ph type="body" idx="1"/>
           </p:nvPr>
         </p:nvSpPr>
         <p:spPr>
@@ -6532,11 +6592,11 @@
           </a:ln>
         </p:spPr>
         <p:txBody>
-          <a:bodyPr anchorCtr="0" anchor="t" bIns="91425" lIns="91425" spcFirstLastPara="1" rIns="91425" wrap="square" tIns="91425">
+          <a:bodyPr spcFirstLastPara="1" wrap="square" lIns="91425" tIns="91425" rIns="91425" bIns="91425" anchor="t" anchorCtr="0">
             <a:normAutofit/>
           </a:bodyPr>
           <a:lstStyle>
-            <a:lvl1pPr indent="-311150" lvl="0" marL="457200">
+            <a:lvl1pPr marL="457200" lvl="0" indent="-311150">
               <a:lnSpc>
                 <a:spcPct val="115000"/>
               </a:lnSpc>
@@ -6562,7 +6622,7 @@
                 <a:sym typeface="Roboto"/>
               </a:defRPr>
             </a:lvl1pPr>
-            <a:lvl2pPr indent="-298450" lvl="1" marL="914400">
+            <a:lvl2pPr marL="914400" lvl="1" indent="-298450">
               <a:lnSpc>
                 <a:spcPct val="115000"/>
               </a:lnSpc>
@@ -6588,7 +6648,7 @@
                 <a:sym typeface="Roboto"/>
               </a:defRPr>
             </a:lvl2pPr>
-            <a:lvl3pPr indent="-298450" lvl="2" marL="1371600">
+            <a:lvl3pPr marL="1371600" lvl="2" indent="-298450">
               <a:lnSpc>
                 <a:spcPct val="115000"/>
               </a:lnSpc>
@@ -6614,7 +6674,7 @@
                 <a:sym typeface="Roboto"/>
               </a:defRPr>
             </a:lvl3pPr>
-            <a:lvl4pPr indent="-298450" lvl="3" marL="1828800">
+            <a:lvl4pPr marL="1828800" lvl="3" indent="-298450">
               <a:lnSpc>
                 <a:spcPct val="115000"/>
               </a:lnSpc>
@@ -6640,7 +6700,7 @@
                 <a:sym typeface="Roboto"/>
               </a:defRPr>
             </a:lvl4pPr>
-            <a:lvl5pPr indent="-298450" lvl="4" marL="2286000">
+            <a:lvl5pPr marL="2286000" lvl="4" indent="-298450">
               <a:lnSpc>
                 <a:spcPct val="115000"/>
               </a:lnSpc>
@@ -6666,7 +6726,7 @@
                 <a:sym typeface="Roboto"/>
               </a:defRPr>
             </a:lvl5pPr>
-            <a:lvl6pPr indent="-298450" lvl="5" marL="2743200">
+            <a:lvl6pPr marL="2743200" lvl="5" indent="-298450">
               <a:lnSpc>
                 <a:spcPct val="115000"/>
               </a:lnSpc>
@@ -6692,7 +6752,7 @@
                 <a:sym typeface="Roboto"/>
               </a:defRPr>
             </a:lvl6pPr>
-            <a:lvl7pPr indent="-298450" lvl="6" marL="3200400">
+            <a:lvl7pPr marL="3200400" lvl="6" indent="-298450">
               <a:lnSpc>
                 <a:spcPct val="115000"/>
               </a:lnSpc>
@@ -6718,7 +6778,7 @@
                 <a:sym typeface="Roboto"/>
               </a:defRPr>
             </a:lvl7pPr>
-            <a:lvl8pPr indent="-298450" lvl="7" marL="3657600">
+            <a:lvl8pPr marL="3657600" lvl="7" indent="-298450">
               <a:lnSpc>
                 <a:spcPct val="115000"/>
               </a:lnSpc>
@@ -6744,7 +6804,7 @@
                 <a:sym typeface="Roboto"/>
               </a:defRPr>
             </a:lvl8pPr>
-            <a:lvl9pPr indent="-298450" lvl="8" marL="4114800">
+            <a:lvl9pPr marL="4114800" lvl="8" indent="-298450">
               <a:lnSpc>
                 <a:spcPct val="115000"/>
               </a:lnSpc>
@@ -6771,15 +6831,19 @@
               </a:defRPr>
             </a:lvl9pPr>
           </a:lstStyle>
-          <a:p/>
+          <a:p>
+            <a:endParaRPr/>
+          </a:p>
         </p:txBody>
       </p:sp>
       <p:sp>
         <p:nvSpPr>
           <p:cNvPr id="8" name="Google Shape;8;p1"/>
-          <p:cNvSpPr txBox="1"/>
+          <p:cNvSpPr txBox="1">
+            <a:spLocks noGrp="1"/>
+          </p:cNvSpPr>
           <p:nvPr>
-            <p:ph idx="12" type="sldNum"/>
+            <p:ph type="sldNum" idx="12"/>
           </p:nvPr>
         </p:nvSpPr>
         <p:spPr>
@@ -6796,7 +6860,7 @@
           </a:ln>
         </p:spPr>
         <p:txBody>
-          <a:bodyPr anchorCtr="0" anchor="ctr" bIns="91425" lIns="91425" spcFirstLastPara="1" rIns="91425" wrap="square" tIns="91425">
+          <a:bodyPr spcFirstLastPara="1" wrap="square" lIns="91425" tIns="91425" rIns="91425" bIns="91425" anchor="ctr" anchorCtr="0">
             <a:normAutofit/>
           </a:bodyPr>
           <a:lstStyle>
@@ -6910,7 +6974,7 @@
             </a:lvl9pPr>
           </a:lstStyle>
           <a:p>
-            <a:pPr indent="0" lvl="0" marL="0" rtl="0" algn="r">
+            <a:pPr marL="0" lvl="0" indent="0" algn="r" rtl="0">
               <a:spcBef>
                 <a:spcPts val="0"/>
               </a:spcBef>
@@ -6929,7 +6993,7 @@
       </p:sp>
     </p:spTree>
   </p:cSld>
-  <p:clrMap accent1="accent1" accent2="accent2" accent3="accent3" accent4="accent4" accent5="accent5" accent6="accent6" bg1="lt1" bg2="dk2" tx1="dk1" tx2="lt2" folHlink="folHlink" hlink="hlink"/>
+  <p:clrMap bg1="lt1" tx1="dk1" bg2="dk2" tx2="lt2" accent1="accent1" accent2="accent2" accent3="accent3" accent4="accent4" accent5="accent5" accent6="accent6" hlink="hlink" folHlink="folHlink"/>
   <p:sldLayoutIdLst>
     <p:sldLayoutId id="2147483648" r:id="rId1"/>
     <p:sldLayoutId id="2147483649" r:id="rId2"/>
@@ -6943,10 +7007,10 @@
     <p:sldLayoutId id="2147483657" r:id="rId10"/>
     <p:sldLayoutId id="2147483658" r:id="rId11"/>
   </p:sldLayoutIdLst>
-  <p:hf dt="0" ftr="0" hdr="0" sldNum="0"/>
+  <p:hf sldNum="0" hdr="0" ftr="0" dt="0"/>
   <p:txStyles>
     <p:titleStyle>
-      <a:defPPr lvl="0" marR="0" rtl="0" algn="l">
+      <a:defPPr marR="0" lvl="0" algn="l" rtl="0">
         <a:lnSpc>
           <a:spcPct val="100000"/>
         </a:lnSpc>
@@ -6957,7 +7021,7 @@
           <a:spcPts val="0"/>
         </a:spcAft>
       </a:defPPr>
-      <a:lvl1pPr lvl="0" marR="0" rtl="0" algn="l">
+      <a:lvl1pPr marR="0" lvl="0" algn="l" rtl="0">
         <a:lnSpc>
           <a:spcPct val="100000"/>
         </a:lnSpc>
@@ -6971,7 +7035,7 @@
           <a:srgbClr val="000000"/>
         </a:buClr>
         <a:buFont typeface="Arial"/>
-        <a:defRPr b="0" i="0" sz="1400" u="none" cap="none" strike="noStrike">
+        <a:defRPr sz="1400" b="0" i="0" u="none" strike="noStrike" cap="none">
           <a:solidFill>
             <a:srgbClr val="000000"/>
           </a:solidFill>
@@ -6981,7 +7045,7 @@
           <a:sym typeface="Arial"/>
         </a:defRPr>
       </a:lvl1pPr>
-      <a:lvl2pPr lvl="1" marR="0" rtl="0" algn="l">
+      <a:lvl2pPr marR="0" lvl="1" algn="l" rtl="0">
         <a:lnSpc>
           <a:spcPct val="100000"/>
         </a:lnSpc>
@@ -6995,7 +7059,7 @@
           <a:srgbClr val="000000"/>
         </a:buClr>
         <a:buFont typeface="Arial"/>
-        <a:defRPr b="0" i="0" sz="1400" u="none" cap="none" strike="noStrike">
+        <a:defRPr sz="1400" b="0" i="0" u="none" strike="noStrike" cap="none">
           <a:solidFill>
             <a:srgbClr val="000000"/>
           </a:solidFill>
@@ -7005,7 +7069,7 @@
           <a:sym typeface="Arial"/>
         </a:defRPr>
       </a:lvl2pPr>
-      <a:lvl3pPr lvl="2" marR="0" rtl="0" algn="l">
+      <a:lvl3pPr marR="0" lvl="2" algn="l" rtl="0">
         <a:lnSpc>
           <a:spcPct val="100000"/>
         </a:lnSpc>
@@ -7019,7 +7083,7 @@
           <a:srgbClr val="000000"/>
         </a:buClr>
         <a:buFont typeface="Arial"/>
-        <a:defRPr b="0" i="0" sz="1400" u="none" cap="none" strike="noStrike">
+        <a:defRPr sz="1400" b="0" i="0" u="none" strike="noStrike" cap="none">
           <a:solidFill>
             <a:srgbClr val="000000"/>
           </a:solidFill>
@@ -7029,7 +7093,7 @@
           <a:sym typeface="Arial"/>
         </a:defRPr>
       </a:lvl3pPr>
-      <a:lvl4pPr lvl="3" marR="0" rtl="0" algn="l">
+      <a:lvl4pPr marR="0" lvl="3" algn="l" rtl="0">
         <a:lnSpc>
           <a:spcPct val="100000"/>
         </a:lnSpc>
@@ -7043,7 +7107,7 @@
           <a:srgbClr val="000000"/>
         </a:buClr>
         <a:buFont typeface="Arial"/>
-        <a:defRPr b="0" i="0" sz="1400" u="none" cap="none" strike="noStrike">
+        <a:defRPr sz="1400" b="0" i="0" u="none" strike="noStrike" cap="none">
           <a:solidFill>
             <a:srgbClr val="000000"/>
           </a:solidFill>
@@ -7053,7 +7117,7 @@
           <a:sym typeface="Arial"/>
         </a:defRPr>
       </a:lvl4pPr>
-      <a:lvl5pPr lvl="4" marR="0" rtl="0" algn="l">
+      <a:lvl5pPr marR="0" lvl="4" algn="l" rtl="0">
         <a:lnSpc>
           <a:spcPct val="100000"/>
         </a:lnSpc>
@@ -7067,7 +7131,7 @@
           <a:srgbClr val="000000"/>
         </a:buClr>
         <a:buFont typeface="Arial"/>
-        <a:defRPr b="0" i="0" sz="1400" u="none" cap="none" strike="noStrike">
+        <a:defRPr sz="1400" b="0" i="0" u="none" strike="noStrike" cap="none">
           <a:solidFill>
             <a:srgbClr val="000000"/>
           </a:solidFill>
@@ -7077,7 +7141,7 @@
           <a:sym typeface="Arial"/>
         </a:defRPr>
       </a:lvl5pPr>
-      <a:lvl6pPr lvl="5" marR="0" rtl="0" algn="l">
+      <a:lvl6pPr marR="0" lvl="5" algn="l" rtl="0">
         <a:lnSpc>
           <a:spcPct val="100000"/>
         </a:lnSpc>
@@ -7091,7 +7155,7 @@
           <a:srgbClr val="000000"/>
         </a:buClr>
         <a:buFont typeface="Arial"/>
-        <a:defRPr b="0" i="0" sz="1400" u="none" cap="none" strike="noStrike">
+        <a:defRPr sz="1400" b="0" i="0" u="none" strike="noStrike" cap="none">
           <a:solidFill>
             <a:srgbClr val="000000"/>
           </a:solidFill>
@@ -7101,7 +7165,7 @@
           <a:sym typeface="Arial"/>
         </a:defRPr>
       </a:lvl6pPr>
-      <a:lvl7pPr lvl="6" marR="0" rtl="0" algn="l">
+      <a:lvl7pPr marR="0" lvl="6" algn="l" rtl="0">
         <a:lnSpc>
           <a:spcPct val="100000"/>
         </a:lnSpc>
@@ -7115,7 +7179,7 @@
           <a:srgbClr val="000000"/>
         </a:buClr>
         <a:buFont typeface="Arial"/>
-        <a:defRPr b="0" i="0" sz="1400" u="none" cap="none" strike="noStrike">
+        <a:defRPr sz="1400" b="0" i="0" u="none" strike="noStrike" cap="none">
           <a:solidFill>
             <a:srgbClr val="000000"/>
           </a:solidFill>
@@ -7125,7 +7189,7 @@
           <a:sym typeface="Arial"/>
         </a:defRPr>
       </a:lvl7pPr>
-      <a:lvl8pPr lvl="7" marR="0" rtl="0" algn="l">
+      <a:lvl8pPr marR="0" lvl="7" algn="l" rtl="0">
         <a:lnSpc>
           <a:spcPct val="100000"/>
         </a:lnSpc>
@@ -7139,7 +7203,7 @@
           <a:srgbClr val="000000"/>
         </a:buClr>
         <a:buFont typeface="Arial"/>
-        <a:defRPr b="0" i="0" sz="1400" u="none" cap="none" strike="noStrike">
+        <a:defRPr sz="1400" b="0" i="0" u="none" strike="noStrike" cap="none">
           <a:solidFill>
             <a:srgbClr val="000000"/>
           </a:solidFill>
@@ -7149,7 +7213,7 @@
           <a:sym typeface="Arial"/>
         </a:defRPr>
       </a:lvl8pPr>
-      <a:lvl9pPr lvl="8" marR="0" rtl="0" algn="l">
+      <a:lvl9pPr marR="0" lvl="8" algn="l" rtl="0">
         <a:lnSpc>
           <a:spcPct val="100000"/>
         </a:lnSpc>
@@ -7163,7 +7227,7 @@
           <a:srgbClr val="000000"/>
         </a:buClr>
         <a:buFont typeface="Arial"/>
-        <a:defRPr b="0" i="0" sz="1400" u="none" cap="none" strike="noStrike">
+        <a:defRPr sz="1400" b="0" i="0" u="none" strike="noStrike" cap="none">
           <a:solidFill>
             <a:srgbClr val="000000"/>
           </a:solidFill>
@@ -7175,7 +7239,7 @@
       </a:lvl9pPr>
     </p:titleStyle>
     <p:bodyStyle>
-      <a:defPPr lvl="0" marR="0" rtl="0" algn="l">
+      <a:defPPr marR="0" lvl="0" algn="l" rtl="0">
         <a:lnSpc>
           <a:spcPct val="100000"/>
         </a:lnSpc>
@@ -7186,7 +7250,7 @@
           <a:spcPts val="0"/>
         </a:spcAft>
       </a:defPPr>
-      <a:lvl1pPr lvl="0" marR="0" rtl="0" algn="l">
+      <a:lvl1pPr marR="0" lvl="0" algn="l" rtl="0">
         <a:lnSpc>
           <a:spcPct val="100000"/>
         </a:lnSpc>
@@ -7200,7 +7264,7 @@
           <a:srgbClr val="000000"/>
         </a:buClr>
         <a:buFont typeface="Arial"/>
-        <a:defRPr b="0" i="0" sz="1400" u="none" cap="none" strike="noStrike">
+        <a:defRPr sz="1400" b="0" i="0" u="none" strike="noStrike" cap="none">
           <a:solidFill>
             <a:srgbClr val="000000"/>
           </a:solidFill>
@@ -7210,7 +7274,7 @@
           <a:sym typeface="Arial"/>
         </a:defRPr>
       </a:lvl1pPr>
-      <a:lvl2pPr lvl="1" marR="0" rtl="0" algn="l">
+      <a:lvl2pPr marR="0" lvl="1" algn="l" rtl="0">
         <a:lnSpc>
           <a:spcPct val="100000"/>
         </a:lnSpc>
@@ -7224,7 +7288,7 @@
           <a:srgbClr val="000000"/>
         </a:buClr>
         <a:buFont typeface="Arial"/>
-        <a:defRPr b="0" i="0" sz="1400" u="none" cap="none" strike="noStrike">
+        <a:defRPr sz="1400" b="0" i="0" u="none" strike="noStrike" cap="none">
           <a:solidFill>
             <a:srgbClr val="000000"/>
           </a:solidFill>
@@ -7234,7 +7298,7 @@
           <a:sym typeface="Arial"/>
         </a:defRPr>
       </a:lvl2pPr>
-      <a:lvl3pPr lvl="2" marR="0" rtl="0" algn="l">
+      <a:lvl3pPr marR="0" lvl="2" algn="l" rtl="0">
         <a:lnSpc>
           <a:spcPct val="100000"/>
         </a:lnSpc>
@@ -7248,7 +7312,7 @@
           <a:srgbClr val="000000"/>
         </a:buClr>
         <a:buFont typeface="Arial"/>
-        <a:defRPr b="0" i="0" sz="1400" u="none" cap="none" strike="noStrike">
+        <a:defRPr sz="1400" b="0" i="0" u="none" strike="noStrike" cap="none">
           <a:solidFill>
             <a:srgbClr val="000000"/>
           </a:solidFill>
@@ -7258,7 +7322,7 @@
           <a:sym typeface="Arial"/>
         </a:defRPr>
       </a:lvl3pPr>
-      <a:lvl4pPr lvl="3" marR="0" rtl="0" algn="l">
+      <a:lvl4pPr marR="0" lvl="3" algn="l" rtl="0">
         <a:lnSpc>
           <a:spcPct val="100000"/>
         </a:lnSpc>
@@ -7272,7 +7336,7 @@
           <a:srgbClr val="000000"/>
         </a:buClr>
         <a:buFont typeface="Arial"/>
-        <a:defRPr b="0" i="0" sz="1400" u="none" cap="none" strike="noStrike">
+        <a:defRPr sz="1400" b="0" i="0" u="none" strike="noStrike" cap="none">
           <a:solidFill>
             <a:srgbClr val="000000"/>
           </a:solidFill>
@@ -7282,7 +7346,7 @@
           <a:sym typeface="Arial"/>
         </a:defRPr>
       </a:lvl4pPr>
-      <a:lvl5pPr lvl="4" marR="0" rtl="0" algn="l">
+      <a:lvl5pPr marR="0" lvl="4" algn="l" rtl="0">
         <a:lnSpc>
           <a:spcPct val="100000"/>
         </a:lnSpc>
@@ -7296,7 +7360,7 @@
           <a:srgbClr val="000000"/>
         </a:buClr>
         <a:buFont typeface="Arial"/>
-        <a:defRPr b="0" i="0" sz="1400" u="none" cap="none" strike="noStrike">
+        <a:defRPr sz="1400" b="0" i="0" u="none" strike="noStrike" cap="none">
           <a:solidFill>
             <a:srgbClr val="000000"/>
           </a:solidFill>
@@ -7306,7 +7370,7 @@
           <a:sym typeface="Arial"/>
         </a:defRPr>
       </a:lvl5pPr>
-      <a:lvl6pPr lvl="5" marR="0" rtl="0" algn="l">
+      <a:lvl6pPr marR="0" lvl="5" algn="l" rtl="0">
         <a:lnSpc>
           <a:spcPct val="100000"/>
         </a:lnSpc>
@@ -7320,7 +7384,7 @@
           <a:srgbClr val="000000"/>
         </a:buClr>
         <a:buFont typeface="Arial"/>
-        <a:defRPr b="0" i="0" sz="1400" u="none" cap="none" strike="noStrike">
+        <a:defRPr sz="1400" b="0" i="0" u="none" strike="noStrike" cap="none">
           <a:solidFill>
             <a:srgbClr val="000000"/>
           </a:solidFill>
@@ -7330,7 +7394,7 @@
           <a:sym typeface="Arial"/>
         </a:defRPr>
       </a:lvl6pPr>
-      <a:lvl7pPr lvl="6" marR="0" rtl="0" algn="l">
+      <a:lvl7pPr marR="0" lvl="6" algn="l" rtl="0">
         <a:lnSpc>
           <a:spcPct val="100000"/>
         </a:lnSpc>
@@ -7344,7 +7408,7 @@
           <a:srgbClr val="000000"/>
         </a:buClr>
         <a:buFont typeface="Arial"/>
-        <a:defRPr b="0" i="0" sz="1400" u="none" cap="none" strike="noStrike">
+        <a:defRPr sz="1400" b="0" i="0" u="none" strike="noStrike" cap="none">
           <a:solidFill>
             <a:srgbClr val="000000"/>
           </a:solidFill>
@@ -7354,7 +7418,7 @@
           <a:sym typeface="Arial"/>
         </a:defRPr>
       </a:lvl7pPr>
-      <a:lvl8pPr lvl="7" marR="0" rtl="0" algn="l">
+      <a:lvl8pPr marR="0" lvl="7" algn="l" rtl="0">
         <a:lnSpc>
           <a:spcPct val="100000"/>
         </a:lnSpc>
@@ -7368,7 +7432,7 @@
           <a:srgbClr val="000000"/>
         </a:buClr>
         <a:buFont typeface="Arial"/>
-        <a:defRPr b="0" i="0" sz="1400" u="none" cap="none" strike="noStrike">
+        <a:defRPr sz="1400" b="0" i="0" u="none" strike="noStrike" cap="none">
           <a:solidFill>
             <a:srgbClr val="000000"/>
           </a:solidFill>
@@ -7378,7 +7442,7 @@
           <a:sym typeface="Arial"/>
         </a:defRPr>
       </a:lvl8pPr>
-      <a:lvl9pPr lvl="8" marR="0" rtl="0" algn="l">
+      <a:lvl9pPr marR="0" lvl="8" algn="l" rtl="0">
         <a:lnSpc>
           <a:spcPct val="100000"/>
         </a:lnSpc>
@@ -7392,7 +7456,7 @@
           <a:srgbClr val="000000"/>
         </a:buClr>
         <a:buFont typeface="Arial"/>
-        <a:defRPr b="0" i="0" sz="1400" u="none" cap="none" strike="noStrike">
+        <a:defRPr sz="1400" b="0" i="0" u="none" strike="noStrike" cap="none">
           <a:solidFill>
             <a:srgbClr val="000000"/>
           </a:solidFill>
@@ -7404,7 +7468,7 @@
       </a:lvl9pPr>
     </p:bodyStyle>
     <p:otherStyle>
-      <a:defPPr lvl="0" marR="0" rtl="0" algn="l">
+      <a:defPPr marR="0" lvl="0" algn="l" rtl="0">
         <a:lnSpc>
           <a:spcPct val="100000"/>
         </a:lnSpc>
@@ -7415,7 +7479,7 @@
           <a:spcPts val="0"/>
         </a:spcAft>
       </a:defPPr>
-      <a:lvl1pPr lvl="0" marR="0" rtl="0" algn="l">
+      <a:lvl1pPr marR="0" lvl="0" algn="l" rtl="0">
         <a:lnSpc>
           <a:spcPct val="100000"/>
         </a:lnSpc>
@@ -7429,7 +7493,7 @@
           <a:srgbClr val="000000"/>
         </a:buClr>
         <a:buFont typeface="Arial"/>
-        <a:defRPr b="0" i="0" sz="1400" u="none" cap="none" strike="noStrike">
+        <a:defRPr sz="1400" b="0" i="0" u="none" strike="noStrike" cap="none">
           <a:solidFill>
             <a:srgbClr val="000000"/>
           </a:solidFill>
@@ -7439,7 +7503,7 @@
           <a:sym typeface="Arial"/>
         </a:defRPr>
       </a:lvl1pPr>
-      <a:lvl2pPr lvl="1" marR="0" rtl="0" algn="l">
+      <a:lvl2pPr marR="0" lvl="1" algn="l" rtl="0">
         <a:lnSpc>
           <a:spcPct val="100000"/>
         </a:lnSpc>
@@ -7453,7 +7517,7 @@
           <a:srgbClr val="000000"/>
         </a:buClr>
         <a:buFont typeface="Arial"/>
-        <a:defRPr b="0" i="0" sz="1400" u="none" cap="none" strike="noStrike">
+        <a:defRPr sz="1400" b="0" i="0" u="none" strike="noStrike" cap="none">
           <a:solidFill>
             <a:srgbClr val="000000"/>
           </a:solidFill>
@@ -7463,7 +7527,7 @@
           <a:sym typeface="Arial"/>
         </a:defRPr>
       </a:lvl2pPr>
-      <a:lvl3pPr lvl="2" marR="0" rtl="0" algn="l">
+      <a:lvl3pPr marR="0" lvl="2" algn="l" rtl="0">
         <a:lnSpc>
           <a:spcPct val="100000"/>
         </a:lnSpc>
@@ -7477,7 +7541,7 @@
           <a:srgbClr val="000000"/>
         </a:buClr>
         <a:buFont typeface="Arial"/>
-        <a:defRPr b="0" i="0" sz="1400" u="none" cap="none" strike="noStrike">
+        <a:defRPr sz="1400" b="0" i="0" u="none" strike="noStrike" cap="none">
           <a:solidFill>
             <a:srgbClr val="000000"/>
           </a:solidFill>
@@ -7487,7 +7551,7 @@
           <a:sym typeface="Arial"/>
         </a:defRPr>
       </a:lvl3pPr>
-      <a:lvl4pPr lvl="3" marR="0" rtl="0" algn="l">
+      <a:lvl4pPr marR="0" lvl="3" algn="l" rtl="0">
         <a:lnSpc>
           <a:spcPct val="100000"/>
         </a:lnSpc>
@@ -7501,7 +7565,7 @@
           <a:srgbClr val="000000"/>
         </a:buClr>
         <a:buFont typeface="Arial"/>
-        <a:defRPr b="0" i="0" sz="1400" u="none" cap="none" strike="noStrike">
+        <a:defRPr sz="1400" b="0" i="0" u="none" strike="noStrike" cap="none">
           <a:solidFill>
             <a:srgbClr val="000000"/>
           </a:solidFill>
@@ -7511,7 +7575,7 @@
           <a:sym typeface="Arial"/>
         </a:defRPr>
       </a:lvl4pPr>
-      <a:lvl5pPr lvl="4" marR="0" rtl="0" algn="l">
+      <a:lvl5pPr marR="0" lvl="4" algn="l" rtl="0">
         <a:lnSpc>
           <a:spcPct val="100000"/>
         </a:lnSpc>
@@ -7525,7 +7589,7 @@
           <a:srgbClr val="000000"/>
         </a:buClr>
         <a:buFont typeface="Arial"/>
-        <a:defRPr b="0" i="0" sz="1400" u="none" cap="none" strike="noStrike">
+        <a:defRPr sz="1400" b="0" i="0" u="none" strike="noStrike" cap="none">
           <a:solidFill>
             <a:srgbClr val="000000"/>
           </a:solidFill>
@@ -7535,7 +7599,7 @@
           <a:sym typeface="Arial"/>
         </a:defRPr>
       </a:lvl5pPr>
-      <a:lvl6pPr lvl="5" marR="0" rtl="0" algn="l">
+      <a:lvl6pPr marR="0" lvl="5" algn="l" rtl="0">
         <a:lnSpc>
           <a:spcPct val="100000"/>
         </a:lnSpc>
@@ -7549,7 +7613,7 @@
           <a:srgbClr val="000000"/>
         </a:buClr>
         <a:buFont typeface="Arial"/>
-        <a:defRPr b="0" i="0" sz="1400" u="none" cap="none" strike="noStrike">
+        <a:defRPr sz="1400" b="0" i="0" u="none" strike="noStrike" cap="none">
           <a:solidFill>
             <a:srgbClr val="000000"/>
           </a:solidFill>
@@ -7559,7 +7623,7 @@
           <a:sym typeface="Arial"/>
         </a:defRPr>
       </a:lvl6pPr>
-      <a:lvl7pPr lvl="6" marR="0" rtl="0" algn="l">
+      <a:lvl7pPr marR="0" lvl="6" algn="l" rtl="0">
         <a:lnSpc>
           <a:spcPct val="100000"/>
         </a:lnSpc>
@@ -7573,7 +7637,7 @@
           <a:srgbClr val="000000"/>
         </a:buClr>
         <a:buFont typeface="Arial"/>
-        <a:defRPr b="0" i="0" sz="1400" u="none" cap="none" strike="noStrike">
+        <a:defRPr sz="1400" b="0" i="0" u="none" strike="noStrike" cap="none">
           <a:solidFill>
             <a:srgbClr val="000000"/>
           </a:solidFill>
@@ -7583,7 +7647,7 @@
           <a:sym typeface="Arial"/>
         </a:defRPr>
       </a:lvl7pPr>
-      <a:lvl8pPr lvl="7" marR="0" rtl="0" algn="l">
+      <a:lvl8pPr marR="0" lvl="7" algn="l" rtl="0">
         <a:lnSpc>
           <a:spcPct val="100000"/>
         </a:lnSpc>
@@ -7597,7 +7661,7 @@
           <a:srgbClr val="000000"/>
         </a:buClr>
         <a:buFont typeface="Arial"/>
-        <a:defRPr b="0" i="0" sz="1400" u="none" cap="none" strike="noStrike">
+        <a:defRPr sz="1400" b="0" i="0" u="none" strike="noStrike" cap="none">
           <a:solidFill>
             <a:srgbClr val="000000"/>
           </a:solidFill>
@@ -7607,7 +7671,7 @@
           <a:sym typeface="Arial"/>
         </a:defRPr>
       </a:lvl8pPr>
-      <a:lvl9pPr lvl="8" marR="0" rtl="0" algn="l">
+      <a:lvl9pPr marR="0" lvl="8" algn="l" rtl="0">
         <a:lnSpc>
           <a:spcPct val="100000"/>
         </a:lnSpc>
@@ -7621,7 +7685,7 @@
           <a:srgbClr val="000000"/>
         </a:buClr>
         <a:buFont typeface="Arial"/>
-        <a:defRPr b="0" i="0" sz="1400" u="none" cap="none" strike="noStrike">
+        <a:defRPr sz="1400" b="0" i="0" u="none" strike="noStrike" cap="none">
           <a:solidFill>
             <a:srgbClr val="000000"/>
           </a:solidFill>
@@ -7637,11 +7701,11 @@
 </file>
 
 <file path=ppt/slides/slide1.xml><?xml version="1.0" encoding="utf-8"?>
-<p:sld xmlns:a="http://schemas.openxmlformats.org/drawingml/2006/main" xmlns:r="http://schemas.openxmlformats.org/officeDocument/2006/relationships" xmlns:mc="http://schemas.openxmlformats.org/markup-compatibility/2006" xmlns:mv="urn:schemas-microsoft-com:mac:vml" xmlns:p="http://schemas.openxmlformats.org/presentationml/2006/main" xmlns:c="http://schemas.openxmlformats.org/drawingml/2006/chart" xmlns:dgm="http://schemas.openxmlformats.org/drawingml/2006/diagram" xmlns:o="urn:schemas-microsoft-com:office:office" xmlns:v="urn:schemas-microsoft-com:vml" xmlns:pvml="urn:schemas-microsoft-com:office:powerpoint" xmlns:com="http://schemas.openxmlformats.org/drawingml/2006/compatibility" xmlns:p14="http://schemas.microsoft.com/office/powerpoint/2010/main" xmlns:p15="http://schemas.microsoft.com/office/powerpoint/2012/main" xmlns:ahyp="http://schemas.microsoft.com/office/drawing/2018/hyperlinkcolor">
+<p:sld xmlns:a="http://schemas.openxmlformats.org/drawingml/2006/main" xmlns:r="http://schemas.openxmlformats.org/officeDocument/2006/relationships" xmlns:p="http://schemas.openxmlformats.org/presentationml/2006/main">
   <p:cSld>
     <p:spTree>
       <p:nvGrpSpPr>
-        <p:cNvPr id="63" name="Shape 63"/>
+        <p:cNvPr id="1" name="Shape 63"/>
         <p:cNvGrpSpPr/>
         <p:nvPr/>
       </p:nvGrpSpPr>
@@ -7656,7 +7720,9 @@
       <p:sp>
         <p:nvSpPr>
           <p:cNvPr id="64" name="Google Shape;64;p13"/>
-          <p:cNvSpPr txBox="1"/>
+          <p:cNvSpPr txBox="1">
+            <a:spLocks noGrp="1"/>
+          </p:cNvSpPr>
           <p:nvPr>
             <p:ph type="ctrTitle"/>
           </p:nvPr>
@@ -7671,12 +7737,12 @@
           </a:prstGeom>
         </p:spPr>
         <p:txBody>
-          <a:bodyPr anchorCtr="0" anchor="t" bIns="91425" lIns="91425" spcFirstLastPara="1" rIns="91425" wrap="square" tIns="91425">
+          <a:bodyPr spcFirstLastPara="1" wrap="square" lIns="91425" tIns="91425" rIns="91425" bIns="91425" anchor="t" anchorCtr="0">
             <a:normAutofit/>
           </a:bodyPr>
           <a:lstStyle/>
           <a:p>
-            <a:pPr indent="0" lvl="0" marL="0" rtl="0" algn="l">
+            <a:pPr marL="0" lvl="0" indent="0" algn="l" rtl="0">
               <a:spcBef>
                 <a:spcPts val="0"/>
               </a:spcBef>
@@ -7686,7 +7752,7 @@
               <a:buNone/>
             </a:pPr>
             <a:r>
-              <a:rPr b="1" lang="en-GB"/>
+              <a:rPr lang="en-GB" b="1"/>
               <a:t>Know What’s Real</a:t>
             </a:r>
             <a:endParaRPr b="1"/>
@@ -7696,9 +7762,11 @@
       <p:sp>
         <p:nvSpPr>
           <p:cNvPr id="65" name="Google Shape;65;p13"/>
-          <p:cNvSpPr txBox="1"/>
+          <p:cNvSpPr txBox="1">
+            <a:spLocks noGrp="1"/>
+          </p:cNvSpPr>
           <p:nvPr>
-            <p:ph idx="1" type="subTitle"/>
+            <p:ph type="subTitle" idx="1"/>
           </p:nvPr>
         </p:nvSpPr>
         <p:spPr>
@@ -7711,12 +7779,12 @@
           </a:prstGeom>
         </p:spPr>
         <p:txBody>
-          <a:bodyPr anchorCtr="0" anchor="t" bIns="91425" lIns="91425" spcFirstLastPara="1" rIns="91425" wrap="square" tIns="91425">
+          <a:bodyPr spcFirstLastPara="1" wrap="square" lIns="91425" tIns="91425" rIns="91425" bIns="91425" anchor="t" anchorCtr="0">
             <a:normAutofit/>
           </a:bodyPr>
           <a:lstStyle/>
           <a:p>
-            <a:pPr indent="0" lvl="0" marL="0" rtl="0" algn="l">
+            <a:pPr marL="0" lvl="0" indent="0" algn="l" rtl="0">
               <a:spcBef>
                 <a:spcPts val="0"/>
               </a:spcBef>
@@ -7726,7 +7794,7 @@
               <a:buNone/>
             </a:pPr>
             <a:r>
-              <a:rPr b="1" lang="en-GB"/>
+              <a:rPr lang="en-GB" b="1"/>
               <a:t>Natural Language Processing</a:t>
             </a:r>
             <a:endParaRPr b="1"/>
@@ -7753,12 +7821,12 @@
           </a:ln>
         </p:spPr>
         <p:txBody>
-          <a:bodyPr anchorCtr="0" anchor="t" bIns="91425" lIns="91425" spcFirstLastPara="1" rIns="91425" wrap="square" tIns="91425">
+          <a:bodyPr spcFirstLastPara="1" wrap="square" lIns="91425" tIns="91425" rIns="91425" bIns="91425" anchor="t" anchorCtr="0">
             <a:spAutoFit/>
           </a:bodyPr>
           <a:lstStyle/>
           <a:p>
-            <a:pPr indent="0" lvl="0" marL="0" rtl="0" algn="l">
+            <a:pPr marL="0" lvl="0" indent="0" algn="l" rtl="0">
               <a:spcBef>
                 <a:spcPts val="0"/>
               </a:spcBef>
@@ -7784,7 +7852,7 @@
             </a:endParaRPr>
           </a:p>
           <a:p>
-            <a:pPr indent="0" lvl="0" marL="0" rtl="0" algn="l">
+            <a:pPr marL="0" lvl="0" indent="0" algn="l" rtl="0">
               <a:spcBef>
                 <a:spcPts val="0"/>
               </a:spcBef>
@@ -7810,7 +7878,7 @@
             </a:endParaRPr>
           </a:p>
           <a:p>
-            <a:pPr indent="0" lvl="0" marL="0" rtl="0" algn="l">
+            <a:pPr marL="0" lvl="0" indent="0" algn="l" rtl="0">
               <a:spcBef>
                 <a:spcPts val="0"/>
               </a:spcBef>
@@ -7836,7 +7904,7 @@
             </a:endParaRPr>
           </a:p>
           <a:p>
-            <a:pPr indent="0" lvl="0" marL="0" rtl="0" algn="l">
+            <a:pPr marL="0" lvl="0" indent="0" algn="l" rtl="0">
               <a:spcBef>
                 <a:spcPts val="0"/>
               </a:spcBef>
@@ -7862,7 +7930,7 @@
             </a:endParaRPr>
           </a:p>
           <a:p>
-            <a:pPr indent="0" lvl="0" marL="0" rtl="0" algn="l">
+            <a:pPr marL="0" lvl="0" indent="0" algn="l" rtl="0">
               <a:spcBef>
                 <a:spcPts val="0"/>
               </a:spcBef>
@@ -7898,11 +7966,11 @@
 </file>
 
 <file path=ppt/slides/slide2.xml><?xml version="1.0" encoding="utf-8"?>
-<p:sld xmlns:a="http://schemas.openxmlformats.org/drawingml/2006/main" xmlns:r="http://schemas.openxmlformats.org/officeDocument/2006/relationships" xmlns:mc="http://schemas.openxmlformats.org/markup-compatibility/2006" xmlns:mv="urn:schemas-microsoft-com:mac:vml" xmlns:p="http://schemas.openxmlformats.org/presentationml/2006/main" xmlns:c="http://schemas.openxmlformats.org/drawingml/2006/chart" xmlns:dgm="http://schemas.openxmlformats.org/drawingml/2006/diagram" xmlns:o="urn:schemas-microsoft-com:office:office" xmlns:v="urn:schemas-microsoft-com:vml" xmlns:pvml="urn:schemas-microsoft-com:office:powerpoint" xmlns:com="http://schemas.openxmlformats.org/drawingml/2006/compatibility" xmlns:p14="http://schemas.microsoft.com/office/powerpoint/2010/main" xmlns:p15="http://schemas.microsoft.com/office/powerpoint/2012/main" xmlns:ahyp="http://schemas.microsoft.com/office/drawing/2018/hyperlinkcolor">
+<p:sld xmlns:a="http://schemas.openxmlformats.org/drawingml/2006/main" xmlns:r="http://schemas.openxmlformats.org/officeDocument/2006/relationships" xmlns:p="http://schemas.openxmlformats.org/presentationml/2006/main">
   <p:cSld>
     <p:spTree>
       <p:nvGrpSpPr>
-        <p:cNvPr id="70" name="Shape 70"/>
+        <p:cNvPr id="1" name="Shape 70"/>
         <p:cNvGrpSpPr/>
         <p:nvPr/>
       </p:nvGrpSpPr>
@@ -7917,7 +7985,9 @@
       <p:sp>
         <p:nvSpPr>
           <p:cNvPr id="71" name="Google Shape;71;p14"/>
-          <p:cNvSpPr txBox="1"/>
+          <p:cNvSpPr txBox="1">
+            <a:spLocks noGrp="1"/>
+          </p:cNvSpPr>
           <p:nvPr>
             <p:ph type="title"/>
           </p:nvPr>
@@ -7932,12 +8002,12 @@
           </a:prstGeom>
         </p:spPr>
         <p:txBody>
-          <a:bodyPr anchorCtr="0" anchor="t" bIns="91425" lIns="91425" spcFirstLastPara="1" rIns="91425" wrap="square" tIns="91425">
+          <a:bodyPr spcFirstLastPara="1" wrap="square" lIns="91425" tIns="91425" rIns="91425" bIns="91425" anchor="t" anchorCtr="0">
             <a:normAutofit/>
           </a:bodyPr>
           <a:lstStyle/>
           <a:p>
-            <a:pPr indent="0" lvl="0" marL="0" rtl="0" algn="l">
+            <a:pPr marL="0" lvl="0" indent="0" algn="l" rtl="0">
               <a:spcBef>
                 <a:spcPts val="0"/>
               </a:spcBef>
@@ -7974,12 +8044,12 @@
           </a:ln>
         </p:spPr>
         <p:txBody>
-          <a:bodyPr anchorCtr="0" anchor="t" bIns="91425" lIns="91425" spcFirstLastPara="1" rIns="91425" wrap="square" tIns="91425">
+          <a:bodyPr spcFirstLastPara="1" wrap="square" lIns="91425" tIns="91425" rIns="91425" bIns="91425" anchor="t" anchorCtr="0">
             <a:spAutoFit/>
           </a:bodyPr>
           <a:lstStyle/>
           <a:p>
-            <a:pPr indent="-400050" lvl="0" marL="457200" rtl="0" algn="l">
+            <a:pPr marL="457200" lvl="0" indent="-400050" algn="l" rtl="0">
               <a:spcBef>
                 <a:spcPts val="0"/>
               </a:spcBef>
@@ -7991,15 +8061,15 @@
               <a:buAutoNum type="arabicPeriod"/>
             </a:pPr>
             <a:r>
-              <a:rPr b="1" lang="en-GB" sz="2700">
-                <a:latin typeface="Roboto"/>
-                <a:ea typeface="Roboto"/>
-                <a:cs typeface="Roboto"/>
-                <a:sym typeface="Roboto"/>
-              </a:rPr>
-              <a:t>NLP is all about analyzing and representing human language computationally.</a:t>
-            </a:r>
-            <a:endParaRPr b="1" sz="2700">
+              <a:rPr lang="en-GB" sz="2700" b="1" dirty="0">
+                <a:latin typeface="Roboto"/>
+                <a:ea typeface="Roboto"/>
+                <a:cs typeface="Roboto"/>
+                <a:sym typeface="Roboto"/>
+              </a:rPr>
+              <a:t>NLP is all about analysing and representing human language computationally.</a:t>
+            </a:r>
+            <a:endParaRPr sz="2700" b="1" dirty="0">
               <a:latin typeface="Roboto"/>
               <a:ea typeface="Roboto"/>
               <a:cs typeface="Roboto"/>
@@ -8007,7 +8077,7 @@
             </a:endParaRPr>
           </a:p>
           <a:p>
-            <a:pPr indent="-317500" lvl="0" marL="457200" rtl="0" algn="l">
+            <a:pPr marL="457200" lvl="0" indent="-317500" algn="l" rtl="0">
               <a:spcBef>
                 <a:spcPts val="0"/>
               </a:spcBef>
@@ -8019,7 +8089,7 @@
               <a:buAutoNum type="arabicPeriod"/>
             </a:pPr>
             <a:r>
-              <a:rPr b="1" lang="en-GB" sz="2700">
+              <a:rPr lang="en-GB" sz="2700" b="1" dirty="0">
                 <a:latin typeface="Roboto"/>
                 <a:ea typeface="Roboto"/>
                 <a:cs typeface="Roboto"/>
@@ -8028,7 +8098,7 @@
               <a:t>It equips computers to respond using context just like a human would and the rise of technologies like text and speech recognition, sentiment analysis and machine-human communication has inspired several innovations.</a:t>
             </a:r>
             <a:r>
-              <a:rPr b="1" lang="en-GB">
+              <a:rPr lang="en-GB" b="1" dirty="0">
                 <a:latin typeface="Roboto"/>
                 <a:ea typeface="Roboto"/>
                 <a:cs typeface="Roboto"/>
@@ -8036,7 +8106,7 @@
               </a:rPr>
               <a:t>  </a:t>
             </a:r>
-            <a:endParaRPr b="1">
+            <a:endParaRPr b="1" dirty="0">
               <a:latin typeface="Roboto"/>
               <a:ea typeface="Roboto"/>
               <a:cs typeface="Roboto"/>
@@ -8054,11 +8124,11 @@
 </file>
 
 <file path=ppt/slides/slide3.xml><?xml version="1.0" encoding="utf-8"?>
-<p:sld xmlns:a="http://schemas.openxmlformats.org/drawingml/2006/main" xmlns:r="http://schemas.openxmlformats.org/officeDocument/2006/relationships" xmlns:mc="http://schemas.openxmlformats.org/markup-compatibility/2006" xmlns:mv="urn:schemas-microsoft-com:mac:vml" xmlns:p="http://schemas.openxmlformats.org/presentationml/2006/main" xmlns:c="http://schemas.openxmlformats.org/drawingml/2006/chart" xmlns:dgm="http://schemas.openxmlformats.org/drawingml/2006/diagram" xmlns:o="urn:schemas-microsoft-com:office:office" xmlns:v="urn:schemas-microsoft-com:vml" xmlns:pvml="urn:schemas-microsoft-com:office:powerpoint" xmlns:com="http://schemas.openxmlformats.org/drawingml/2006/compatibility" xmlns:p14="http://schemas.microsoft.com/office/powerpoint/2010/main" xmlns:p15="http://schemas.microsoft.com/office/powerpoint/2012/main" xmlns:ahyp="http://schemas.microsoft.com/office/drawing/2018/hyperlinkcolor">
+<p:sld xmlns:a="http://schemas.openxmlformats.org/drawingml/2006/main" xmlns:r="http://schemas.openxmlformats.org/officeDocument/2006/relationships" xmlns:p="http://schemas.openxmlformats.org/presentationml/2006/main">
   <p:cSld>
     <p:spTree>
       <p:nvGrpSpPr>
-        <p:cNvPr id="76" name="Shape 76"/>
+        <p:cNvPr id="1" name="Shape 76"/>
         <p:cNvGrpSpPr/>
         <p:nvPr/>
       </p:nvGrpSpPr>
@@ -8073,7 +8143,9 @@
       <p:sp>
         <p:nvSpPr>
           <p:cNvPr id="77" name="Google Shape;77;p15"/>
-          <p:cNvSpPr txBox="1"/>
+          <p:cNvSpPr txBox="1">
+            <a:spLocks noGrp="1"/>
+          </p:cNvSpPr>
           <p:nvPr>
             <p:ph type="title"/>
           </p:nvPr>
@@ -8088,12 +8160,12 @@
           </a:prstGeom>
         </p:spPr>
         <p:txBody>
-          <a:bodyPr anchorCtr="0" anchor="t" bIns="91425" lIns="91425" spcFirstLastPara="1" rIns="91425" wrap="square" tIns="91425">
+          <a:bodyPr spcFirstLastPara="1" wrap="square" lIns="91425" tIns="91425" rIns="91425" bIns="91425" anchor="t" anchorCtr="0">
             <a:normAutofit/>
           </a:bodyPr>
           <a:lstStyle/>
           <a:p>
-            <a:pPr indent="0" lvl="0" marL="0" rtl="0" algn="l">
+            <a:pPr marL="0" lvl="0" indent="0" algn="l" rtl="0">
               <a:spcBef>
                 <a:spcPts val="0"/>
               </a:spcBef>
@@ -8103,7 +8175,7 @@
               <a:buNone/>
             </a:pPr>
             <a:r>
-              <a:rPr b="1" lang="en-GB"/>
+              <a:rPr lang="en-GB" b="1"/>
               <a:t>Dataset</a:t>
             </a:r>
             <a:endParaRPr b="1"/>
@@ -8119,7 +8191,7 @@
         <p:spPr>
           <a:xfrm>
             <a:off x="543275" y="1559275"/>
-            <a:ext cx="7979700" cy="2555100"/>
+            <a:ext cx="7979700" cy="2769959"/>
           </a:xfrm>
           <a:prstGeom prst="rect">
             <a:avLst/>
@@ -8130,12 +8202,12 @@
           </a:ln>
         </p:spPr>
         <p:txBody>
-          <a:bodyPr anchorCtr="0" anchor="t" bIns="91425" lIns="91425" spcFirstLastPara="1" rIns="91425" wrap="square" tIns="91425">
+          <a:bodyPr spcFirstLastPara="1" wrap="square" lIns="91425" tIns="91425" rIns="91425" bIns="91425" anchor="t" anchorCtr="0">
             <a:spAutoFit/>
           </a:bodyPr>
           <a:lstStyle/>
           <a:p>
-            <a:pPr indent="-317500" lvl="0" marL="457200" rtl="0" algn="l">
+            <a:pPr marL="457200" lvl="0" indent="-317500" algn="l" rtl="0">
               <a:spcBef>
                 <a:spcPts val="0"/>
               </a:spcBef>
@@ -8147,7 +8219,7 @@
               <a:buAutoNum type="arabicPeriod"/>
             </a:pPr>
             <a:r>
-              <a:rPr lang="en-GB">
+              <a:rPr lang="en-GB" dirty="0">
                 <a:latin typeface="Roboto"/>
                 <a:ea typeface="Roboto"/>
                 <a:cs typeface="Roboto"/>
@@ -8155,7 +8227,7 @@
               </a:rPr>
               <a:t>The Data given in the Kaggle Dataset has following Columns :</a:t>
             </a:r>
-            <a:endParaRPr>
+            <a:endParaRPr dirty="0">
               <a:latin typeface="Roboto"/>
               <a:ea typeface="Roboto"/>
               <a:cs typeface="Roboto"/>
@@ -8163,26 +8235,18 @@
             </a:endParaRPr>
           </a:p>
           <a:p>
-            <a:pPr indent="0" lvl="0" marL="457200" rtl="0" algn="l">
-              <a:spcBef>
-                <a:spcPts val="0"/>
-              </a:spcBef>
-              <a:spcAft>
-                <a:spcPts val="0"/>
-              </a:spcAft>
-              <a:buNone/>
+            <a:pPr marL="800100" lvl="0" indent="-342900" algn="l" rtl="0">
+              <a:spcBef>
+                <a:spcPts val="0"/>
+              </a:spcBef>
+              <a:spcAft>
+                <a:spcPts val="0"/>
+              </a:spcAft>
+              <a:buFont typeface="+mj-lt"/>
+              <a:buAutoNum type="alphaLcPeriod"/>
             </a:pPr>
             <a:r>
-              <a:rPr lang="en-GB">
-                <a:latin typeface="Roboto"/>
-                <a:ea typeface="Roboto"/>
-                <a:cs typeface="Roboto"/>
-                <a:sym typeface="Roboto"/>
-              </a:rPr>
-              <a:t>a.</a:t>
-            </a:r>
-            <a:r>
-              <a:rPr b="1" lang="en-GB">
+              <a:rPr lang="en-GB" b="1" dirty="0">
                 <a:latin typeface="Roboto"/>
                 <a:ea typeface="Roboto"/>
                 <a:cs typeface="Roboto"/>
@@ -8191,7 +8255,7 @@
               <a:t>id</a:t>
             </a:r>
             <a:r>
-              <a:rPr lang="en-GB">
+              <a:rPr lang="en-GB" dirty="0">
                 <a:latin typeface="Roboto"/>
                 <a:ea typeface="Roboto"/>
                 <a:cs typeface="Roboto"/>
@@ -8199,7 +8263,7 @@
               </a:rPr>
               <a:t> - a unique identifier for each tweet.</a:t>
             </a:r>
-            <a:endParaRPr>
+            <a:endParaRPr dirty="0">
               <a:latin typeface="Roboto"/>
               <a:ea typeface="Roboto"/>
               <a:cs typeface="Roboto"/>
@@ -8207,26 +8271,18 @@
             </a:endParaRPr>
           </a:p>
           <a:p>
-            <a:pPr indent="0" lvl="0" marL="457200" rtl="0" algn="l">
-              <a:spcBef>
-                <a:spcPts val="0"/>
-              </a:spcBef>
-              <a:spcAft>
-                <a:spcPts val="0"/>
-              </a:spcAft>
-              <a:buNone/>
+            <a:pPr marL="800100" lvl="0" indent="-342900" algn="l" rtl="0">
+              <a:spcBef>
+                <a:spcPts val="0"/>
+              </a:spcBef>
+              <a:spcAft>
+                <a:spcPts val="0"/>
+              </a:spcAft>
+              <a:buFont typeface="+mj-lt"/>
+              <a:buAutoNum type="alphaLcPeriod"/>
             </a:pPr>
             <a:r>
-              <a:rPr lang="en-GB">
-                <a:latin typeface="Roboto"/>
-                <a:ea typeface="Roboto"/>
-                <a:cs typeface="Roboto"/>
-                <a:sym typeface="Roboto"/>
-              </a:rPr>
-              <a:t>b.</a:t>
-            </a:r>
-            <a:r>
-              <a:rPr b="1" lang="en-GB">
+              <a:rPr lang="en-GB" b="1" dirty="0">
                 <a:latin typeface="Roboto"/>
                 <a:ea typeface="Roboto"/>
                 <a:cs typeface="Roboto"/>
@@ -8235,7 +8291,7 @@
               <a:t>text</a:t>
             </a:r>
             <a:r>
-              <a:rPr lang="en-GB">
+              <a:rPr lang="en-GB" dirty="0">
                 <a:latin typeface="Roboto"/>
                 <a:ea typeface="Roboto"/>
                 <a:cs typeface="Roboto"/>
@@ -8243,7 +8299,7 @@
               </a:rPr>
               <a:t> - the text of the tweet.</a:t>
             </a:r>
-            <a:endParaRPr>
+            <a:endParaRPr dirty="0">
               <a:latin typeface="Roboto"/>
               <a:ea typeface="Roboto"/>
               <a:cs typeface="Roboto"/>
@@ -8251,26 +8307,18 @@
             </a:endParaRPr>
           </a:p>
           <a:p>
-            <a:pPr indent="0" lvl="0" marL="457200" rtl="0" algn="l">
-              <a:spcBef>
-                <a:spcPts val="0"/>
-              </a:spcBef>
-              <a:spcAft>
-                <a:spcPts val="0"/>
-              </a:spcAft>
-              <a:buNone/>
+            <a:pPr marL="800100" lvl="0" indent="-342900" algn="l" rtl="0">
+              <a:spcBef>
+                <a:spcPts val="0"/>
+              </a:spcBef>
+              <a:spcAft>
+                <a:spcPts val="0"/>
+              </a:spcAft>
+              <a:buFont typeface="+mj-lt"/>
+              <a:buAutoNum type="alphaLcPeriod"/>
             </a:pPr>
             <a:r>
-              <a:rPr lang="en-GB">
-                <a:latin typeface="Roboto"/>
-                <a:ea typeface="Roboto"/>
-                <a:cs typeface="Roboto"/>
-                <a:sym typeface="Roboto"/>
-              </a:rPr>
-              <a:t>c.</a:t>
-            </a:r>
-            <a:r>
-              <a:rPr b="1" lang="en-GB">
+              <a:rPr lang="en-GB" b="1" dirty="0">
                 <a:latin typeface="Roboto"/>
                 <a:ea typeface="Roboto"/>
                 <a:cs typeface="Roboto"/>
@@ -8279,7 +8327,7 @@
               <a:t>location</a:t>
             </a:r>
             <a:r>
-              <a:rPr lang="en-GB">
+              <a:rPr lang="en-GB" dirty="0">
                 <a:latin typeface="Roboto"/>
                 <a:ea typeface="Roboto"/>
                 <a:cs typeface="Roboto"/>
@@ -8287,7 +8335,7 @@
               </a:rPr>
               <a:t> - the location the tweet was sent from (may be blank).</a:t>
             </a:r>
-            <a:endParaRPr>
+            <a:endParaRPr dirty="0">
               <a:latin typeface="Roboto"/>
               <a:ea typeface="Roboto"/>
               <a:cs typeface="Roboto"/>
@@ -8295,26 +8343,18 @@
             </a:endParaRPr>
           </a:p>
           <a:p>
-            <a:pPr indent="0" lvl="0" marL="457200" rtl="0" algn="l">
-              <a:spcBef>
-                <a:spcPts val="0"/>
-              </a:spcBef>
-              <a:spcAft>
-                <a:spcPts val="0"/>
-              </a:spcAft>
-              <a:buNone/>
+            <a:pPr marL="800100" lvl="0" indent="-342900" algn="l" rtl="0">
+              <a:spcBef>
+                <a:spcPts val="0"/>
+              </a:spcBef>
+              <a:spcAft>
+                <a:spcPts val="0"/>
+              </a:spcAft>
+              <a:buFont typeface="+mj-lt"/>
+              <a:buAutoNum type="alphaLcPeriod"/>
             </a:pPr>
             <a:r>
-              <a:rPr lang="en-GB">
-                <a:latin typeface="Roboto"/>
-                <a:ea typeface="Roboto"/>
-                <a:cs typeface="Roboto"/>
-                <a:sym typeface="Roboto"/>
-              </a:rPr>
-              <a:t>d.</a:t>
-            </a:r>
-            <a:r>
-              <a:rPr b="1" lang="en-GB">
+              <a:rPr lang="en-GB" b="1" dirty="0">
                 <a:latin typeface="Roboto"/>
                 <a:ea typeface="Roboto"/>
                 <a:cs typeface="Roboto"/>
@@ -8323,7 +8363,7 @@
               <a:t>keyword</a:t>
             </a:r>
             <a:r>
-              <a:rPr lang="en-GB">
+              <a:rPr lang="en-GB" dirty="0">
                 <a:latin typeface="Roboto"/>
                 <a:ea typeface="Roboto"/>
                 <a:cs typeface="Roboto"/>
@@ -8331,7 +8371,7 @@
               </a:rPr>
               <a:t> - a particular keyword from the tweet (may be blank).</a:t>
             </a:r>
-            <a:endParaRPr>
+            <a:endParaRPr dirty="0">
               <a:latin typeface="Roboto"/>
               <a:ea typeface="Roboto"/>
               <a:cs typeface="Roboto"/>
@@ -8339,26 +8379,18 @@
             </a:endParaRPr>
           </a:p>
           <a:p>
-            <a:pPr indent="0" lvl="0" marL="457200" rtl="0" algn="l">
-              <a:spcBef>
-                <a:spcPts val="0"/>
-              </a:spcBef>
-              <a:spcAft>
-                <a:spcPts val="0"/>
-              </a:spcAft>
-              <a:buNone/>
+            <a:pPr marL="800100" lvl="0" indent="-342900" algn="l" rtl="0">
+              <a:spcBef>
+                <a:spcPts val="0"/>
+              </a:spcBef>
+              <a:spcAft>
+                <a:spcPts val="0"/>
+              </a:spcAft>
+              <a:buFont typeface="+mj-lt"/>
+              <a:buAutoNum type="alphaLcPeriod"/>
             </a:pPr>
             <a:r>
-              <a:rPr lang="en-GB">
-                <a:latin typeface="Roboto"/>
-                <a:ea typeface="Roboto"/>
-                <a:cs typeface="Roboto"/>
-                <a:sym typeface="Roboto"/>
-              </a:rPr>
-              <a:t>e.</a:t>
-            </a:r>
-            <a:r>
-              <a:rPr b="1" lang="en-GB">
+              <a:rPr lang="en-GB" b="1" dirty="0">
                 <a:latin typeface="Roboto"/>
                 <a:ea typeface="Roboto"/>
                 <a:cs typeface="Roboto"/>
@@ -8367,7 +8399,7 @@
               <a:t>target</a:t>
             </a:r>
             <a:r>
-              <a:rPr lang="en-GB">
+              <a:rPr lang="en-GB" dirty="0">
                 <a:latin typeface="Roboto"/>
                 <a:ea typeface="Roboto"/>
                 <a:cs typeface="Roboto"/>
@@ -8375,7 +8407,7 @@
               </a:rPr>
               <a:t> - in train.csv only, this denotes whether a tweet is about a real disaster (1) or not (0).</a:t>
             </a:r>
-            <a:endParaRPr>
+            <a:endParaRPr dirty="0">
               <a:latin typeface="Roboto"/>
               <a:ea typeface="Roboto"/>
               <a:cs typeface="Roboto"/>
@@ -8383,7 +8415,7 @@
             </a:endParaRPr>
           </a:p>
           <a:p>
-            <a:pPr indent="-317500" lvl="0" marL="457200" rtl="0" algn="l">
+            <a:pPr marL="457200" lvl="0" indent="-317500" algn="l" rtl="0">
               <a:spcBef>
                 <a:spcPts val="0"/>
               </a:spcBef>
@@ -8395,7 +8427,7 @@
               <a:buAutoNum type="arabicPeriod"/>
             </a:pPr>
             <a:r>
-              <a:rPr lang="en-GB">
+              <a:rPr lang="en-GB" dirty="0">
                 <a:latin typeface="Roboto"/>
                 <a:ea typeface="Roboto"/>
                 <a:cs typeface="Roboto"/>
@@ -8403,7 +8435,7 @@
               </a:rPr>
               <a:t>Missing values of columns like keyword will be addressed with a feasible method.</a:t>
             </a:r>
-            <a:endParaRPr>
+            <a:endParaRPr dirty="0">
               <a:latin typeface="Roboto"/>
               <a:ea typeface="Roboto"/>
               <a:cs typeface="Roboto"/>
@@ -8411,7 +8443,7 @@
             </a:endParaRPr>
           </a:p>
           <a:p>
-            <a:pPr indent="-317500" lvl="0" marL="457200" rtl="0" algn="l">
+            <a:pPr marL="457200" lvl="0" indent="-317500" algn="l" rtl="0">
               <a:spcBef>
                 <a:spcPts val="0"/>
               </a:spcBef>
@@ -8423,15 +8455,33 @@
               <a:buAutoNum type="arabicPeriod"/>
             </a:pPr>
             <a:r>
-              <a:rPr lang="en-GB">
-                <a:latin typeface="Roboto"/>
-                <a:ea typeface="Roboto"/>
-                <a:cs typeface="Roboto"/>
-                <a:sym typeface="Roboto"/>
-              </a:rPr>
-              <a:t>The column text will be pre-processed like removing the stopwords(prepositions and other common English words). </a:t>
-            </a:r>
-            <a:endParaRPr>
+              <a:rPr lang="en-GB" dirty="0">
+                <a:latin typeface="Roboto"/>
+                <a:ea typeface="Roboto"/>
+                <a:cs typeface="Roboto"/>
+                <a:sym typeface="Roboto"/>
+              </a:rPr>
+              <a:t>The column text will be pre-processed like removing the </a:t>
+            </a:r>
+            <a:r>
+              <a:rPr lang="en-GB" dirty="0" err="1">
+                <a:latin typeface="Roboto"/>
+                <a:ea typeface="Roboto"/>
+                <a:cs typeface="Roboto"/>
+                <a:sym typeface="Roboto"/>
+              </a:rPr>
+              <a:t>stopwords</a:t>
+            </a:r>
+            <a:r>
+              <a:rPr lang="en-GB" dirty="0">
+                <a:latin typeface="Roboto"/>
+                <a:ea typeface="Roboto"/>
+                <a:cs typeface="Roboto"/>
+                <a:sym typeface="Roboto"/>
+              </a:rPr>
+              <a:t>(prepositions and other common English words). </a:t>
+            </a:r>
+            <a:endParaRPr dirty="0">
               <a:latin typeface="Roboto"/>
               <a:ea typeface="Roboto"/>
               <a:cs typeface="Roboto"/>
@@ -8439,7 +8489,7 @@
             </a:endParaRPr>
           </a:p>
           <a:p>
-            <a:pPr indent="-317500" lvl="0" marL="457200" rtl="0" algn="l">
+            <a:pPr marL="457200" lvl="0" indent="-317500" algn="l" rtl="0">
               <a:spcBef>
                 <a:spcPts val="0"/>
               </a:spcBef>
@@ -8451,7 +8501,7 @@
               <a:buAutoNum type="arabicPeriod"/>
             </a:pPr>
             <a:r>
-              <a:rPr lang="en-GB">
+              <a:rPr lang="en-GB" dirty="0">
                 <a:latin typeface="Roboto"/>
                 <a:ea typeface="Roboto"/>
                 <a:cs typeface="Roboto"/>
@@ -8460,7 +8510,7 @@
               <a:t>After training the model with different algorithms the model with the </a:t>
             </a:r>
             <a:r>
-              <a:rPr b="1" lang="en-GB">
+              <a:rPr lang="en-GB" b="1" dirty="0">
                 <a:latin typeface="Roboto"/>
                 <a:ea typeface="Roboto"/>
                 <a:cs typeface="Roboto"/>
@@ -8469,7 +8519,7 @@
               <a:t>highest accuracy</a:t>
             </a:r>
             <a:r>
-              <a:rPr lang="en-GB">
+              <a:rPr lang="en-GB" dirty="0">
                 <a:latin typeface="Roboto"/>
                 <a:ea typeface="Roboto"/>
                 <a:cs typeface="Roboto"/>
@@ -8477,7 +8527,7 @@
               </a:rPr>
               <a:t> will be used to deploy the model.</a:t>
             </a:r>
-            <a:endParaRPr>
+            <a:endParaRPr dirty="0">
               <a:latin typeface="Roboto"/>
               <a:ea typeface="Roboto"/>
               <a:cs typeface="Roboto"/>
@@ -8495,11 +8545,11 @@
 </file>
 
 <file path=ppt/slides/slide4.xml><?xml version="1.0" encoding="utf-8"?>
-<p:sld xmlns:a="http://schemas.openxmlformats.org/drawingml/2006/main" xmlns:r="http://schemas.openxmlformats.org/officeDocument/2006/relationships" xmlns:mc="http://schemas.openxmlformats.org/markup-compatibility/2006" xmlns:mv="urn:schemas-microsoft-com:mac:vml" xmlns:p="http://schemas.openxmlformats.org/presentationml/2006/main" xmlns:c="http://schemas.openxmlformats.org/drawingml/2006/chart" xmlns:dgm="http://schemas.openxmlformats.org/drawingml/2006/diagram" xmlns:o="urn:schemas-microsoft-com:office:office" xmlns:v="urn:schemas-microsoft-com:vml" xmlns:pvml="urn:schemas-microsoft-com:office:powerpoint" xmlns:com="http://schemas.openxmlformats.org/drawingml/2006/compatibility" xmlns:p14="http://schemas.microsoft.com/office/powerpoint/2010/main" xmlns:p15="http://schemas.microsoft.com/office/powerpoint/2012/main" xmlns:ahyp="http://schemas.microsoft.com/office/drawing/2018/hyperlinkcolor">
+<p:sld xmlns:a="http://schemas.openxmlformats.org/drawingml/2006/main" xmlns:r="http://schemas.openxmlformats.org/officeDocument/2006/relationships" xmlns:p="http://schemas.openxmlformats.org/presentationml/2006/main">
   <p:cSld>
     <p:spTree>
       <p:nvGrpSpPr>
-        <p:cNvPr id="82" name="Shape 82"/>
+        <p:cNvPr id="1" name="Shape 82"/>
         <p:cNvGrpSpPr/>
         <p:nvPr/>
       </p:nvGrpSpPr>
@@ -8514,7 +8564,9 @@
       <p:sp>
         <p:nvSpPr>
           <p:cNvPr id="83" name="Google Shape;83;p16"/>
-          <p:cNvSpPr txBox="1"/>
+          <p:cNvSpPr txBox="1">
+            <a:spLocks noGrp="1"/>
+          </p:cNvSpPr>
           <p:nvPr>
             <p:ph type="title"/>
           </p:nvPr>
@@ -8529,12 +8581,12 @@
           </a:prstGeom>
         </p:spPr>
         <p:txBody>
-          <a:bodyPr anchorCtr="0" anchor="t" bIns="91425" lIns="91425" spcFirstLastPara="1" rIns="91425" wrap="square" tIns="91425">
+          <a:bodyPr spcFirstLastPara="1" wrap="square" lIns="91425" tIns="91425" rIns="91425" bIns="91425" anchor="t" anchorCtr="0">
             <a:normAutofit/>
           </a:bodyPr>
           <a:lstStyle/>
           <a:p>
-            <a:pPr indent="0" lvl="0" marL="0" rtl="0" algn="l">
+            <a:pPr marL="0" lvl="0" indent="0" algn="l" rtl="0">
               <a:spcBef>
                 <a:spcPts val="0"/>
               </a:spcBef>
@@ -8544,7 +8596,7 @@
               <a:buNone/>
             </a:pPr>
             <a:r>
-              <a:rPr b="1" lang="en-GB"/>
+              <a:rPr lang="en-GB" b="1"/>
               <a:t>Models</a:t>
             </a:r>
             <a:endParaRPr b="1"/>
@@ -8571,12 +8623,12 @@
           </a:ln>
         </p:spPr>
         <p:txBody>
-          <a:bodyPr anchorCtr="0" anchor="t" bIns="91425" lIns="91425" spcFirstLastPara="1" rIns="91425" wrap="square" tIns="91425">
+          <a:bodyPr spcFirstLastPara="1" wrap="square" lIns="91425" tIns="91425" rIns="91425" bIns="91425" anchor="t" anchorCtr="0">
             <a:spAutoFit/>
           </a:bodyPr>
           <a:lstStyle/>
           <a:p>
-            <a:pPr indent="-463550" lvl="0" marL="457200" rtl="0" algn="l">
+            <a:pPr marL="457200" lvl="0" indent="-463550" algn="l" rtl="0">
               <a:spcBef>
                 <a:spcPts val="0"/>
               </a:spcBef>
@@ -8588,7 +8640,7 @@
               <a:buAutoNum type="arabicPeriod"/>
             </a:pPr>
             <a:r>
-              <a:rPr b="1" lang="en-GB" sz="3700">
+              <a:rPr lang="en-GB" sz="3700" b="1">
                 <a:latin typeface="Roboto"/>
                 <a:ea typeface="Roboto"/>
                 <a:cs typeface="Roboto"/>
@@ -8596,7 +8648,7 @@
               </a:rPr>
               <a:t>Naive Bayes</a:t>
             </a:r>
-            <a:endParaRPr b="1" sz="3700">
+            <a:endParaRPr sz="3700" b="1">
               <a:latin typeface="Roboto"/>
               <a:ea typeface="Roboto"/>
               <a:cs typeface="Roboto"/>
@@ -8604,7 +8656,7 @@
             </a:endParaRPr>
           </a:p>
           <a:p>
-            <a:pPr indent="-463550" lvl="0" marL="457200" rtl="0" algn="l">
+            <a:pPr marL="457200" lvl="0" indent="-463550" algn="l" rtl="0">
               <a:spcBef>
                 <a:spcPts val="0"/>
               </a:spcBef>
@@ -8616,7 +8668,7 @@
               <a:buAutoNum type="arabicPeriod"/>
             </a:pPr>
             <a:r>
-              <a:rPr b="1" lang="en-GB" sz="3700">
+              <a:rPr lang="en-GB" sz="3700" b="1">
                 <a:latin typeface="Roboto"/>
                 <a:ea typeface="Roboto"/>
                 <a:cs typeface="Roboto"/>
@@ -8624,7 +8676,7 @@
               </a:rPr>
               <a:t>Logistic Regression</a:t>
             </a:r>
-            <a:endParaRPr b="1" sz="3700">
+            <a:endParaRPr sz="3700" b="1">
               <a:latin typeface="Roboto"/>
               <a:ea typeface="Roboto"/>
               <a:cs typeface="Roboto"/>
@@ -8632,7 +8684,7 @@
             </a:endParaRPr>
           </a:p>
           <a:p>
-            <a:pPr indent="-463550" lvl="0" marL="457200" rtl="0" algn="l">
+            <a:pPr marL="457200" lvl="0" indent="-463550" algn="l" rtl="0">
               <a:spcBef>
                 <a:spcPts val="0"/>
               </a:spcBef>
@@ -8644,7 +8696,7 @@
               <a:buAutoNum type="arabicPeriod"/>
             </a:pPr>
             <a:r>
-              <a:rPr b="1" lang="en-GB" sz="3700">
+              <a:rPr lang="en-GB" sz="3700" b="1">
                 <a:latin typeface="Roboto"/>
                 <a:ea typeface="Roboto"/>
                 <a:cs typeface="Roboto"/>
@@ -8652,7 +8704,7 @@
               </a:rPr>
               <a:t>K Nearest Neighbours</a:t>
             </a:r>
-            <a:endParaRPr b="1" sz="3700">
+            <a:endParaRPr sz="3700" b="1">
               <a:latin typeface="Roboto"/>
               <a:ea typeface="Roboto"/>
               <a:cs typeface="Roboto"/>
@@ -8660,7 +8712,7 @@
             </a:endParaRPr>
           </a:p>
           <a:p>
-            <a:pPr indent="-463550" lvl="0" marL="457200" rtl="0" algn="l">
+            <a:pPr marL="457200" lvl="0" indent="-463550" algn="l" rtl="0">
               <a:spcBef>
                 <a:spcPts val="0"/>
               </a:spcBef>
@@ -8672,7 +8724,7 @@
               <a:buAutoNum type="arabicPeriod"/>
             </a:pPr>
             <a:r>
-              <a:rPr b="1" lang="en-GB" sz="3700">
+              <a:rPr lang="en-GB" sz="3700" b="1">
                 <a:latin typeface="Roboto"/>
                 <a:ea typeface="Roboto"/>
                 <a:cs typeface="Roboto"/>
@@ -8680,7 +8732,7 @@
               </a:rPr>
               <a:t>Decision Tree</a:t>
             </a:r>
-            <a:endParaRPr b="1" sz="3700">
+            <a:endParaRPr sz="3700" b="1">
               <a:latin typeface="Roboto"/>
               <a:ea typeface="Roboto"/>
               <a:cs typeface="Roboto"/>
@@ -8698,11 +8750,11 @@
 </file>
 
 <file path=ppt/slides/slide5.xml><?xml version="1.0" encoding="utf-8"?>
-<p:sld xmlns:a="http://schemas.openxmlformats.org/drawingml/2006/main" xmlns:r="http://schemas.openxmlformats.org/officeDocument/2006/relationships" xmlns:mc="http://schemas.openxmlformats.org/markup-compatibility/2006" xmlns:mv="urn:schemas-microsoft-com:mac:vml" xmlns:p="http://schemas.openxmlformats.org/presentationml/2006/main" xmlns:c="http://schemas.openxmlformats.org/drawingml/2006/chart" xmlns:dgm="http://schemas.openxmlformats.org/drawingml/2006/diagram" xmlns:o="urn:schemas-microsoft-com:office:office" xmlns:v="urn:schemas-microsoft-com:vml" xmlns:pvml="urn:schemas-microsoft-com:office:powerpoint" xmlns:com="http://schemas.openxmlformats.org/drawingml/2006/compatibility" xmlns:p14="http://schemas.microsoft.com/office/powerpoint/2010/main" xmlns:p15="http://schemas.microsoft.com/office/powerpoint/2012/main" xmlns:ahyp="http://schemas.microsoft.com/office/drawing/2018/hyperlinkcolor">
+<p:sld xmlns:a="http://schemas.openxmlformats.org/drawingml/2006/main" xmlns:r="http://schemas.openxmlformats.org/officeDocument/2006/relationships" xmlns:p="http://schemas.openxmlformats.org/presentationml/2006/main">
   <p:cSld>
     <p:spTree>
       <p:nvGrpSpPr>
-        <p:cNvPr id="88" name="Shape 88"/>
+        <p:cNvPr id="1" name="Shape 88"/>
         <p:cNvGrpSpPr/>
         <p:nvPr/>
       </p:nvGrpSpPr>
@@ -8717,7 +8769,9 @@
       <p:sp>
         <p:nvSpPr>
           <p:cNvPr id="89" name="Google Shape;89;p17"/>
-          <p:cNvSpPr txBox="1"/>
+          <p:cNvSpPr txBox="1">
+            <a:spLocks noGrp="1"/>
+          </p:cNvSpPr>
           <p:nvPr>
             <p:ph type="title"/>
           </p:nvPr>
@@ -8732,12 +8786,12 @@
           </a:prstGeom>
         </p:spPr>
         <p:txBody>
-          <a:bodyPr anchorCtr="0" anchor="t" bIns="91425" lIns="91425" spcFirstLastPara="1" rIns="91425" wrap="square" tIns="91425">
+          <a:bodyPr spcFirstLastPara="1" wrap="square" lIns="91425" tIns="91425" rIns="91425" bIns="91425" anchor="t" anchorCtr="0">
             <a:normAutofit/>
           </a:bodyPr>
           <a:lstStyle/>
           <a:p>
-            <a:pPr indent="0" lvl="0" marL="0" rtl="0" algn="l">
+            <a:pPr marL="0" lvl="0" indent="0" algn="l" rtl="0">
               <a:spcBef>
                 <a:spcPts val="0"/>
               </a:spcBef>
@@ -8747,7 +8801,7 @@
               <a:buNone/>
             </a:pPr>
             <a:r>
-              <a:rPr b="1" lang="en-GB"/>
+              <a:rPr lang="en-GB" b="1"/>
               <a:t>Naive Bayes </a:t>
             </a:r>
             <a:endParaRPr b="1"/>
@@ -8774,12 +8828,12 @@
           </a:ln>
         </p:spPr>
         <p:txBody>
-          <a:bodyPr anchorCtr="0" anchor="t" bIns="91425" lIns="91425" spcFirstLastPara="1" rIns="91425" wrap="square" tIns="91425">
+          <a:bodyPr spcFirstLastPara="1" wrap="square" lIns="91425" tIns="91425" rIns="91425" bIns="91425" anchor="t" anchorCtr="0">
             <a:spAutoFit/>
           </a:bodyPr>
           <a:lstStyle/>
           <a:p>
-            <a:pPr indent="-304800" lvl="0" marL="457200" rtl="0" algn="l">
+            <a:pPr marL="457200" lvl="0" indent="-304800" algn="l" rtl="0">
               <a:spcBef>
                 <a:spcPts val="0"/>
               </a:spcBef>
@@ -8791,7 +8845,7 @@
               <a:buAutoNum type="arabicPeriod"/>
             </a:pPr>
             <a:r>
-              <a:rPr lang="en-GB" sz="1200">
+              <a:rPr lang="en-GB" sz="1200" dirty="0">
                 <a:highlight>
                   <a:srgbClr val="FFFFFF"/>
                 </a:highlight>
@@ -8803,7 +8857,7 @@
               <a:t>Naïve Bayes algorithm is a supervised learning algorithm, which is based on </a:t>
             </a:r>
             <a:r>
-              <a:rPr b="1" lang="en-GB" sz="1200">
+              <a:rPr lang="en-GB" sz="1200" b="1" dirty="0">
                 <a:highlight>
                   <a:srgbClr val="FFFFFF"/>
                 </a:highlight>
@@ -8815,7 +8869,7 @@
               <a:t>Bayes theorem</a:t>
             </a:r>
             <a:r>
-              <a:rPr lang="en-GB" sz="1200">
+              <a:rPr lang="en-GB" sz="1200" dirty="0">
                 <a:highlight>
                   <a:srgbClr val="FFFFFF"/>
                 </a:highlight>
@@ -8826,7 +8880,7 @@
               </a:rPr>
               <a:t> and used for solving classification problems.</a:t>
             </a:r>
-            <a:endParaRPr sz="1200">
+            <a:endParaRPr sz="1200" dirty="0">
               <a:highlight>
                 <a:srgbClr val="FFFFFF"/>
               </a:highlight>
@@ -8837,7 +8891,7 @@
             </a:endParaRPr>
           </a:p>
           <a:p>
-            <a:pPr indent="-304800" lvl="0" marL="457200" marR="25400" rtl="0" algn="l">
+            <a:pPr marL="457200" marR="25400" lvl="0" indent="-304800" algn="l" rtl="0">
               <a:lnSpc>
                 <a:spcPct val="156250"/>
               </a:lnSpc>
@@ -8852,7 +8906,7 @@
               <a:buAutoNum type="arabicPeriod"/>
             </a:pPr>
             <a:r>
-              <a:rPr b="1" lang="en-GB" sz="1200">
+              <a:rPr lang="en-GB" sz="1200" b="1" dirty="0">
                 <a:highlight>
                   <a:srgbClr val="FFFFFF"/>
                 </a:highlight>
@@ -8864,7 +8918,7 @@
               <a:t>It is a probabilistic classifier, which means it predicts on the basis of the probability of an object</a:t>
             </a:r>
             <a:r>
-              <a:rPr lang="en-GB" sz="1200">
+              <a:rPr lang="en-GB" sz="1200" dirty="0">
                 <a:highlight>
                   <a:srgbClr val="FFFFFF"/>
                 </a:highlight>
@@ -8875,7 +8929,7 @@
               </a:rPr>
               <a:t>.</a:t>
             </a:r>
-            <a:endParaRPr sz="1200">
+            <a:endParaRPr sz="1200" dirty="0">
               <a:highlight>
                 <a:srgbClr val="FFFFFF"/>
               </a:highlight>
@@ -8886,7 +8940,7 @@
             </a:endParaRPr>
           </a:p>
           <a:p>
-            <a:pPr indent="-304800" lvl="0" marL="457200" rtl="0" algn="l">
+            <a:pPr marL="457200" lvl="0" indent="-304800" algn="l" rtl="0">
               <a:spcBef>
                 <a:spcPts val="0"/>
               </a:spcBef>
@@ -8898,7 +8952,7 @@
               <a:buAutoNum type="arabicPeriod"/>
             </a:pPr>
             <a:r>
-              <a:rPr b="1" lang="en-GB" sz="1200">
+              <a:rPr lang="en-GB" sz="1200" b="1" dirty="0">
                 <a:highlight>
                   <a:srgbClr val="FFFFFF"/>
                 </a:highlight>
@@ -8910,7 +8964,7 @@
               <a:t>Bayes Theorem : </a:t>
             </a:r>
             <a:r>
-              <a:rPr lang="en-GB" sz="1200">
+              <a:rPr lang="en-GB" sz="1200" dirty="0">
                 <a:highlight>
                   <a:srgbClr val="FFFFFF"/>
                 </a:highlight>
@@ -8921,7 +8975,7 @@
               </a:rPr>
               <a:t>P(A | B) = P(A)P(B | A)/P(B).</a:t>
             </a:r>
-            <a:endParaRPr sz="1200">
+            <a:endParaRPr sz="1200" dirty="0">
               <a:highlight>
                 <a:srgbClr val="FFFFFF"/>
               </a:highlight>
@@ -8932,7 +8986,7 @@
             </a:endParaRPr>
           </a:p>
           <a:p>
-            <a:pPr indent="-304800" lvl="0" marL="457200" rtl="0" algn="l">
+            <a:pPr marL="457200" lvl="0" indent="-304800" algn="l" rtl="0">
               <a:spcBef>
                 <a:spcPts val="0"/>
               </a:spcBef>
@@ -8944,7 +8998,7 @@
               <a:buAutoNum type="arabicPeriod"/>
             </a:pPr>
             <a:r>
-              <a:rPr lang="en-GB" sz="1200">
+              <a:rPr lang="en-GB" sz="1200" dirty="0">
                 <a:highlight>
                   <a:srgbClr val="FFFFFF"/>
                 </a:highlight>
@@ -8955,7 +9009,7 @@
               </a:rPr>
               <a:t>The Procedure to implement Naive Bayes as follows:</a:t>
             </a:r>
-            <a:endParaRPr sz="1200">
+            <a:endParaRPr sz="1200" dirty="0">
               <a:highlight>
                 <a:srgbClr val="FFFFFF"/>
               </a:highlight>
@@ -8966,7 +9020,7 @@
             </a:endParaRPr>
           </a:p>
           <a:p>
-            <a:pPr indent="0" lvl="0" marL="457200" rtl="0" algn="l">
+            <a:pPr marL="457200" lvl="0" indent="0" algn="l" rtl="0">
               <a:spcBef>
                 <a:spcPts val="0"/>
               </a:spcBef>
@@ -8976,7 +9030,7 @@
               <a:buNone/>
             </a:pPr>
             <a:r>
-              <a:rPr lang="en-GB" sz="1200">
+              <a:rPr lang="en-GB" sz="1200" dirty="0">
                 <a:highlight>
                   <a:srgbClr val="FFFFFF"/>
                 </a:highlight>
@@ -8987,7 +9041,7 @@
               </a:rPr>
               <a:t>       a. Convert the given dataset into frequency tables.</a:t>
             </a:r>
-            <a:endParaRPr sz="1200">
+            <a:endParaRPr sz="1200" dirty="0">
               <a:highlight>
                 <a:srgbClr val="FFFFFF"/>
               </a:highlight>
@@ -8998,7 +9052,7 @@
             </a:endParaRPr>
           </a:p>
           <a:p>
-            <a:pPr indent="0" lvl="0" marL="457200" rtl="0" algn="l">
+            <a:pPr marL="457200" lvl="0" indent="0" algn="l" rtl="0">
               <a:spcBef>
                 <a:spcPts val="0"/>
               </a:spcBef>
@@ -9008,7 +9062,7 @@
               <a:buNone/>
             </a:pPr>
             <a:r>
-              <a:rPr lang="en-GB" sz="1200">
+              <a:rPr lang="en-GB" sz="1200" dirty="0">
                 <a:highlight>
                   <a:srgbClr val="FFFFFF"/>
                 </a:highlight>
@@ -9019,7 +9073,7 @@
               </a:rPr>
               <a:t>       b. Generate Likelihood table by finding the probabilities of given features.</a:t>
             </a:r>
-            <a:endParaRPr sz="1200">
+            <a:endParaRPr sz="1200" dirty="0">
               <a:highlight>
                 <a:srgbClr val="FFFFFF"/>
               </a:highlight>
@@ -9030,7 +9084,7 @@
             </a:endParaRPr>
           </a:p>
           <a:p>
-            <a:pPr indent="0" lvl="0" marL="457200" rtl="0" algn="l">
+            <a:pPr marL="457200" lvl="0" indent="0" algn="l" rtl="0">
               <a:spcBef>
                 <a:spcPts val="0"/>
               </a:spcBef>
@@ -9040,7 +9094,7 @@
               <a:buNone/>
             </a:pPr>
             <a:r>
-              <a:rPr lang="en-GB" sz="1200">
+              <a:rPr lang="en-GB" sz="1200" dirty="0">
                 <a:highlight>
                   <a:srgbClr val="FFFFFF"/>
                 </a:highlight>
@@ -9051,7 +9105,7 @@
               </a:rPr>
               <a:t>       c. Now, use Bayes theorem to calculate the posterior probability.</a:t>
             </a:r>
-            <a:endParaRPr sz="1200">
+            <a:endParaRPr sz="1200" dirty="0">
               <a:highlight>
                 <a:srgbClr val="FFFFFF"/>
               </a:highlight>
@@ -9062,7 +9116,7 @@
             </a:endParaRPr>
           </a:p>
           <a:p>
-            <a:pPr indent="-304800" lvl="0" marL="457200" rtl="0" algn="l">
+            <a:pPr marL="457200" lvl="0" indent="-304800" algn="l" rtl="0">
               <a:spcBef>
                 <a:spcPts val="0"/>
               </a:spcBef>
@@ -9074,7 +9128,7 @@
               <a:buAutoNum type="arabicPeriod"/>
             </a:pPr>
             <a:r>
-              <a:rPr lang="en-GB" sz="1200">
+              <a:rPr lang="en-GB" sz="1200" dirty="0">
                 <a:highlight>
                   <a:srgbClr val="FFFFFF"/>
                 </a:highlight>
@@ -9083,10 +9137,10 @@
                 <a:cs typeface="Roboto"/>
                 <a:sym typeface="Roboto"/>
               </a:rPr>
-              <a:t>The Naives Bayes Model we used to solve this is </a:t>
-            </a:r>
-            <a:r>
-              <a:rPr b="1" lang="en-GB" sz="1200">
+              <a:t>The Naive Bayes Model we used to solve this is </a:t>
+            </a:r>
+            <a:r>
+              <a:rPr lang="en-GB" sz="1200" b="1" dirty="0">
                 <a:highlight>
                   <a:srgbClr val="FFFFFF"/>
                 </a:highlight>
@@ -9095,10 +9149,10 @@
                 <a:cs typeface="Roboto"/>
                 <a:sym typeface="Roboto"/>
               </a:rPr>
-              <a:t>Guassian </a:t>
-            </a:r>
-            <a:r>
-              <a:rPr lang="en-GB" sz="1200">
+              <a:t>Gaussian </a:t>
+            </a:r>
+            <a:r>
+              <a:rPr lang="en-GB" sz="1200" dirty="0">
                 <a:highlight>
                   <a:srgbClr val="FFFFFF"/>
                 </a:highlight>
@@ -9109,7 +9163,7 @@
               </a:rPr>
               <a:t>model.</a:t>
             </a:r>
-            <a:endParaRPr sz="1200">
+            <a:endParaRPr sz="1200" dirty="0">
               <a:highlight>
                 <a:srgbClr val="FFFFFF"/>
               </a:highlight>
@@ -9120,7 +9174,7 @@
             </a:endParaRPr>
           </a:p>
           <a:p>
-            <a:pPr indent="-304800" lvl="0" marL="457200" rtl="0" algn="l">
+            <a:pPr marL="457200" lvl="0" indent="-304800" algn="l" rtl="0">
               <a:spcBef>
                 <a:spcPts val="0"/>
               </a:spcBef>
@@ -9132,7 +9186,7 @@
               <a:buAutoNum type="arabicPeriod"/>
             </a:pPr>
             <a:r>
-              <a:rPr lang="en-GB" sz="1200">
+              <a:rPr lang="en-GB" sz="1200" dirty="0">
                 <a:highlight>
                   <a:srgbClr val="FFFFFF"/>
                 </a:highlight>
@@ -9144,7 +9198,7 @@
               <a:t>Python implementation of </a:t>
             </a:r>
             <a:r>
-              <a:rPr b="1" lang="en-GB" sz="1200">
+              <a:rPr lang="en-GB" sz="1200" b="1" dirty="0">
                 <a:highlight>
                   <a:srgbClr val="FFFFFF"/>
                 </a:highlight>
@@ -9156,7 +9210,7 @@
               <a:t>Naive Bayes</a:t>
             </a:r>
             <a:r>
-              <a:rPr lang="en-GB" sz="1200">
+              <a:rPr lang="en-GB" sz="1200" dirty="0">
                 <a:highlight>
                   <a:srgbClr val="FFFFFF"/>
                 </a:highlight>
@@ -9167,7 +9221,7 @@
               </a:rPr>
               <a:t> model:</a:t>
             </a:r>
-            <a:endParaRPr sz="1200">
+            <a:endParaRPr sz="1200" dirty="0">
               <a:highlight>
                 <a:srgbClr val="FFFFFF"/>
               </a:highlight>
@@ -9178,7 +9232,7 @@
             </a:endParaRPr>
           </a:p>
           <a:p>
-            <a:pPr indent="0" lvl="0" marL="457200" rtl="0" algn="l">
+            <a:pPr marL="457200" lvl="0" indent="0" algn="l" rtl="0">
               <a:spcBef>
                 <a:spcPts val="0"/>
               </a:spcBef>
@@ -9188,7 +9242,7 @@
               <a:buNone/>
             </a:pPr>
             <a:r>
-              <a:rPr lang="en-GB" sz="1200">
+              <a:rPr lang="en-GB" sz="1200" dirty="0">
                 <a:highlight>
                   <a:srgbClr val="FFFFFF"/>
                 </a:highlight>
@@ -9197,21 +9251,9 @@
                 <a:cs typeface="Roboto"/>
                 <a:sym typeface="Roboto"/>
               </a:rPr>
-              <a:t>        a. </a:t>
-            </a:r>
-            <a:r>
-              <a:rPr lang="en-GB" sz="1200">
-                <a:highlight>
-                  <a:srgbClr val="FFFFFF"/>
-                </a:highlight>
-                <a:latin typeface="Roboto"/>
-                <a:ea typeface="Roboto"/>
-                <a:cs typeface="Roboto"/>
-                <a:sym typeface="Roboto"/>
-              </a:rPr>
-              <a:t>Data pre processing step.</a:t>
-            </a:r>
-            <a:endParaRPr sz="1200">
+              <a:t>        a. Data pre processing step.</a:t>
+            </a:r>
+            <a:endParaRPr sz="1200" dirty="0">
               <a:highlight>
                 <a:srgbClr val="FFFFFF"/>
               </a:highlight>
@@ -9222,7 +9264,7 @@
             </a:endParaRPr>
           </a:p>
           <a:p>
-            <a:pPr indent="0" lvl="0" marL="457200" rtl="0" algn="l">
+            <a:pPr marL="457200" lvl="0" indent="0" algn="l" rtl="0">
               <a:spcBef>
                 <a:spcPts val="0"/>
               </a:spcBef>
@@ -9232,7 +9274,7 @@
               <a:buNone/>
             </a:pPr>
             <a:r>
-              <a:rPr lang="en-GB" sz="1200">
+              <a:rPr lang="en-GB" sz="1200" dirty="0">
                 <a:highlight>
                   <a:srgbClr val="FFFFFF"/>
                 </a:highlight>
@@ -9243,7 +9285,7 @@
               </a:rPr>
               <a:t>        b. Fitting Naive Bayes to the Training set.</a:t>
             </a:r>
-            <a:endParaRPr sz="1200">
+            <a:endParaRPr sz="1200" dirty="0">
               <a:highlight>
                 <a:srgbClr val="FFFFFF"/>
               </a:highlight>
@@ -9254,7 +9296,7 @@
             </a:endParaRPr>
           </a:p>
           <a:p>
-            <a:pPr indent="0" lvl="0" marL="457200" rtl="0" algn="l">
+            <a:pPr marL="457200" lvl="0" indent="0" algn="l" rtl="0">
               <a:spcBef>
                 <a:spcPts val="0"/>
               </a:spcBef>
@@ -9264,7 +9306,7 @@
               <a:buNone/>
             </a:pPr>
             <a:r>
-              <a:rPr lang="en-GB" sz="1200">
+              <a:rPr lang="en-GB" sz="1200" dirty="0">
                 <a:highlight>
                   <a:srgbClr val="FFFFFF"/>
                 </a:highlight>
@@ -9275,7 +9317,7 @@
               </a:rPr>
               <a:t>        c. Predicting the test result.</a:t>
             </a:r>
-            <a:endParaRPr sz="1200">
+            <a:endParaRPr sz="1200" dirty="0">
               <a:highlight>
                 <a:srgbClr val="FFFFFF"/>
               </a:highlight>
@@ -9286,7 +9328,7 @@
             </a:endParaRPr>
           </a:p>
           <a:p>
-            <a:pPr indent="0" lvl="0" marL="457200" rtl="0" algn="l">
+            <a:pPr marL="457200" lvl="0" indent="0" algn="l" rtl="0">
               <a:spcBef>
                 <a:spcPts val="0"/>
               </a:spcBef>
@@ -9296,7 +9338,7 @@
               <a:buNone/>
             </a:pPr>
             <a:r>
-              <a:rPr lang="en-GB" sz="1200">
+              <a:rPr lang="en-GB" sz="1200" dirty="0">
                 <a:highlight>
                   <a:srgbClr val="FFFFFF"/>
                 </a:highlight>
@@ -9307,7 +9349,7 @@
               </a:rPr>
               <a:t>        d. Test accuracy of the result(Creation of Confusion matrix).</a:t>
             </a:r>
-            <a:endParaRPr sz="1200">
+            <a:endParaRPr sz="1200" dirty="0">
               <a:highlight>
                 <a:srgbClr val="FFFFFF"/>
               </a:highlight>
@@ -9318,7 +9360,7 @@
             </a:endParaRPr>
           </a:p>
           <a:p>
-            <a:pPr indent="0" lvl="0" marL="457200" rtl="0" algn="l">
+            <a:pPr marL="457200" lvl="0" indent="0" algn="l" rtl="0">
               <a:spcBef>
                 <a:spcPts val="0"/>
               </a:spcBef>
@@ -9328,7 +9370,7 @@
               <a:buNone/>
             </a:pPr>
             <a:r>
-              <a:rPr lang="en-GB" sz="1200">
+              <a:rPr lang="en-GB" sz="1200" dirty="0">
                 <a:highlight>
                   <a:srgbClr val="FFFFFF"/>
                 </a:highlight>
@@ -9337,33 +9379,9 @@
                 <a:cs typeface="Roboto"/>
                 <a:sym typeface="Roboto"/>
               </a:rPr>
-              <a:t>        e</a:t>
-            </a:r>
-            <a:r>
-              <a:rPr lang="en-GB" sz="1200">
-                <a:highlight>
-                  <a:srgbClr val="FFFFFF"/>
-                </a:highlight>
-                <a:latin typeface="Roboto"/>
-                <a:ea typeface="Roboto"/>
-                <a:cs typeface="Roboto"/>
-                <a:sym typeface="Roboto"/>
-              </a:rPr>
-              <a:t>. </a:t>
-            </a:r>
-            <a:r>
-              <a:rPr lang="en-GB" sz="1200">
-                <a:highlight>
-                  <a:srgbClr val="FFFFFF"/>
-                </a:highlight>
-                <a:latin typeface="Roboto"/>
-                <a:ea typeface="Roboto"/>
-                <a:cs typeface="Roboto"/>
-                <a:sym typeface="Roboto"/>
-              </a:rPr>
-              <a:t>Visualizing the test set result.</a:t>
-            </a:r>
-            <a:endParaRPr sz="1200">
+              <a:t>        e. Visualizing the test set result.</a:t>
+            </a:r>
+            <a:endParaRPr sz="1200" dirty="0">
               <a:highlight>
                 <a:srgbClr val="FFFFFF"/>
               </a:highlight>
@@ -9374,7 +9392,7 @@
             </a:endParaRPr>
           </a:p>
           <a:p>
-            <a:pPr indent="-304800" lvl="0" marL="457200" rtl="0" algn="l">
+            <a:pPr marL="457200" lvl="0" indent="-304800" algn="l" rtl="0">
               <a:spcBef>
                 <a:spcPts val="0"/>
               </a:spcBef>
@@ -9386,7 +9404,7 @@
               <a:buAutoNum type="arabicPeriod"/>
             </a:pPr>
             <a:r>
-              <a:rPr lang="en-GB" sz="1200">
+              <a:rPr lang="en-GB" sz="1200" dirty="0">
                 <a:highlight>
                   <a:srgbClr val="FFFFFF"/>
                 </a:highlight>
@@ -9398,7 +9416,7 @@
               <a:t>This Model yielded an accuracy of </a:t>
             </a:r>
             <a:r>
-              <a:rPr b="1" lang="en-GB" sz="1200">
+              <a:rPr lang="en-GB" sz="1200" b="1" dirty="0">
                 <a:highlight>
                   <a:srgbClr val="FFFFFF"/>
                 </a:highlight>
@@ -9410,7 +9428,7 @@
               <a:t>78%</a:t>
             </a:r>
             <a:r>
-              <a:rPr lang="en-GB" sz="1200">
+              <a:rPr lang="en-GB" sz="1200" dirty="0">
                 <a:highlight>
                   <a:srgbClr val="FFFFFF"/>
                 </a:highlight>
@@ -9421,7 +9439,7 @@
               </a:rPr>
               <a:t>.</a:t>
             </a:r>
-            <a:endParaRPr sz="1200">
+            <a:endParaRPr sz="1200" dirty="0">
               <a:highlight>
                 <a:srgbClr val="FFFFFF"/>
               </a:highlight>
@@ -9432,7 +9450,7 @@
             </a:endParaRPr>
           </a:p>
           <a:p>
-            <a:pPr indent="0" lvl="0" marL="457200" rtl="0" algn="l">
+            <a:pPr marL="457200" lvl="0" indent="0" algn="l" rtl="0">
               <a:spcBef>
                 <a:spcPts val="0"/>
               </a:spcBef>
@@ -9441,10 +9459,7 @@
               </a:spcAft>
               <a:buNone/>
             </a:pPr>
-            <a:r>
-              <a:t/>
-            </a:r>
-            <a:endParaRPr sz="1200">
+            <a:endParaRPr sz="1200" dirty="0">
               <a:highlight>
                 <a:srgbClr val="FFFFFF"/>
               </a:highlight>
@@ -9465,11 +9480,11 @@
 </file>
 
 <file path=ppt/slides/slide6.xml><?xml version="1.0" encoding="utf-8"?>
-<p:sld xmlns:a="http://schemas.openxmlformats.org/drawingml/2006/main" xmlns:r="http://schemas.openxmlformats.org/officeDocument/2006/relationships" xmlns:mc="http://schemas.openxmlformats.org/markup-compatibility/2006" xmlns:mv="urn:schemas-microsoft-com:mac:vml" xmlns:p="http://schemas.openxmlformats.org/presentationml/2006/main" xmlns:c="http://schemas.openxmlformats.org/drawingml/2006/chart" xmlns:dgm="http://schemas.openxmlformats.org/drawingml/2006/diagram" xmlns:o="urn:schemas-microsoft-com:office:office" xmlns:v="urn:schemas-microsoft-com:vml" xmlns:pvml="urn:schemas-microsoft-com:office:powerpoint" xmlns:com="http://schemas.openxmlformats.org/drawingml/2006/compatibility" xmlns:p14="http://schemas.microsoft.com/office/powerpoint/2010/main" xmlns:p15="http://schemas.microsoft.com/office/powerpoint/2012/main" xmlns:ahyp="http://schemas.microsoft.com/office/drawing/2018/hyperlinkcolor">
+<p:sld xmlns:a="http://schemas.openxmlformats.org/drawingml/2006/main" xmlns:r="http://schemas.openxmlformats.org/officeDocument/2006/relationships" xmlns:p="http://schemas.openxmlformats.org/presentationml/2006/main">
   <p:cSld>
     <p:spTree>
       <p:nvGrpSpPr>
-        <p:cNvPr id="94" name="Shape 94"/>
+        <p:cNvPr id="1" name="Shape 94"/>
         <p:cNvGrpSpPr/>
         <p:nvPr/>
       </p:nvGrpSpPr>
@@ -9484,7 +9499,9 @@
       <p:sp>
         <p:nvSpPr>
           <p:cNvPr id="95" name="Google Shape;95;p18"/>
-          <p:cNvSpPr txBox="1"/>
+          <p:cNvSpPr txBox="1">
+            <a:spLocks noGrp="1"/>
+          </p:cNvSpPr>
           <p:nvPr>
             <p:ph type="title"/>
           </p:nvPr>
@@ -9499,12 +9516,12 @@
           </a:prstGeom>
         </p:spPr>
         <p:txBody>
-          <a:bodyPr anchorCtr="0" anchor="t" bIns="91425" lIns="91425" spcFirstLastPara="1" rIns="91425" wrap="square" tIns="91425">
+          <a:bodyPr spcFirstLastPara="1" wrap="square" lIns="91425" tIns="91425" rIns="91425" bIns="91425" anchor="t" anchorCtr="0">
             <a:normAutofit/>
           </a:bodyPr>
           <a:lstStyle/>
           <a:p>
-            <a:pPr indent="0" lvl="0" marL="0" rtl="0" algn="l">
+            <a:pPr marL="0" lvl="0" indent="0" algn="l" rtl="0">
               <a:spcBef>
                 <a:spcPts val="0"/>
               </a:spcBef>
@@ -9514,7 +9531,7 @@
               <a:buNone/>
             </a:pPr>
             <a:r>
-              <a:rPr b="1" lang="en-GB"/>
+              <a:rPr lang="en-GB" b="1"/>
               <a:t>Logistic Regression</a:t>
             </a:r>
             <a:endParaRPr b="1"/>
@@ -9541,12 +9558,12 @@
           </a:ln>
         </p:spPr>
         <p:txBody>
-          <a:bodyPr anchorCtr="0" anchor="t" bIns="91425" lIns="91425" spcFirstLastPara="1" rIns="91425" wrap="square" tIns="91425">
+          <a:bodyPr spcFirstLastPara="1" wrap="square" lIns="91425" tIns="91425" rIns="91425" bIns="91425" anchor="t" anchorCtr="0">
             <a:spAutoFit/>
           </a:bodyPr>
           <a:lstStyle/>
           <a:p>
-            <a:pPr indent="-304800" lvl="0" marL="457200" marR="25400" rtl="0" algn="l">
+            <a:pPr marL="457200" marR="25400" lvl="0" indent="-304800" algn="l" rtl="0">
               <a:lnSpc>
                 <a:spcPct val="100000"/>
               </a:lnSpc>
@@ -9586,7 +9603,7 @@
             </a:endParaRPr>
           </a:p>
           <a:p>
-            <a:pPr indent="-304800" lvl="0" marL="457200" marR="25400" rtl="0" algn="l">
+            <a:pPr marL="457200" marR="25400" lvl="0" indent="-304800" algn="l" rtl="0">
               <a:lnSpc>
                 <a:spcPct val="100000"/>
               </a:lnSpc>
@@ -9616,7 +9633,7 @@
               <a:t>Logistic regression predicts the output of a categorical dependent variable. Therefore the outcome must be a categorical or discrete value. It can be either Yes or No, 0 or 1, true or False, etc. but instead of giving the exact value as 0 and 1, </a:t>
             </a:r>
             <a:r>
-              <a:rPr b="1" lang="en-GB" sz="1200">
+              <a:rPr lang="en-GB" sz="1200" b="1">
                 <a:highlight>
                   <a:srgbClr val="FFFFFF"/>
                 </a:highlight>
@@ -9650,7 +9667,7 @@
             </a:endParaRPr>
           </a:p>
           <a:p>
-            <a:pPr indent="-304800" lvl="0" marL="457200" marR="25400" rtl="0" algn="l">
+            <a:pPr marL="457200" marR="25400" lvl="0" indent="-304800" algn="l" rtl="0">
               <a:lnSpc>
                 <a:spcPct val="100000"/>
               </a:lnSpc>
@@ -9680,7 +9697,7 @@
               <a:t>Python implementation of </a:t>
             </a:r>
             <a:r>
-              <a:rPr b="1" lang="en-GB" sz="1200">
+              <a:rPr lang="en-GB" sz="1200" b="1">
                 <a:highlight>
                   <a:srgbClr val="FFFFFF"/>
                 </a:highlight>
@@ -9714,7 +9731,7 @@
             </a:endParaRPr>
           </a:p>
           <a:p>
-            <a:pPr indent="-304800" lvl="0" marL="457200" marR="25400" rtl="0" algn="l">
+            <a:pPr marL="457200" marR="25400" lvl="0" indent="-304800" algn="l" rtl="0">
               <a:lnSpc>
                 <a:spcPct val="100000"/>
               </a:lnSpc>
@@ -9751,7 +9768,7 @@
             </a:endParaRPr>
           </a:p>
           <a:p>
-            <a:pPr indent="-304800" lvl="0" marL="457200" marR="25400" rtl="0" algn="l">
+            <a:pPr marL="457200" marR="25400" lvl="0" indent="-304800" algn="l" rtl="0">
               <a:lnSpc>
                 <a:spcPct val="100000"/>
               </a:lnSpc>
@@ -9788,7 +9805,7 @@
             </a:endParaRPr>
           </a:p>
           <a:p>
-            <a:pPr indent="-304800" lvl="0" marL="457200" marR="25400" rtl="0" algn="l">
+            <a:pPr marL="457200" marR="25400" lvl="0" indent="-304800" algn="l" rtl="0">
               <a:lnSpc>
                 <a:spcPct val="100000"/>
               </a:lnSpc>
@@ -9825,7 +9842,7 @@
             </a:endParaRPr>
           </a:p>
           <a:p>
-            <a:pPr indent="-304800" lvl="0" marL="457200" marR="25400" rtl="0" algn="l">
+            <a:pPr marL="457200" marR="25400" lvl="0" indent="-304800" algn="l" rtl="0">
               <a:lnSpc>
                 <a:spcPct val="100000"/>
               </a:lnSpc>
@@ -9862,7 +9879,7 @@
             </a:endParaRPr>
           </a:p>
           <a:p>
-            <a:pPr indent="-304800" lvl="0" marL="457200" marR="25400" rtl="0" algn="l">
+            <a:pPr marL="457200" marR="25400" lvl="0" indent="-304800" algn="l" rtl="0">
               <a:lnSpc>
                 <a:spcPct val="100000"/>
               </a:lnSpc>
@@ -9899,7 +9916,7 @@
             </a:endParaRPr>
           </a:p>
           <a:p>
-            <a:pPr indent="-304800" lvl="0" marL="457200" marR="25400" rtl="0" algn="l">
+            <a:pPr marL="457200" marR="25400" lvl="0" indent="-304800" algn="l" rtl="0">
               <a:lnSpc>
                 <a:spcPct val="100000"/>
               </a:lnSpc>
@@ -9929,7 +9946,7 @@
               <a:t>Equation for </a:t>
             </a:r>
             <a:r>
-              <a:rPr b="1" lang="en-GB" sz="1200">
+              <a:rPr lang="en-GB" sz="1200" b="1">
                 <a:highlight>
                   <a:srgbClr val="FFFFFF"/>
                 </a:highlight>
@@ -9963,7 +9980,7 @@
             </a:endParaRPr>
           </a:p>
           <a:p>
-            <a:pPr indent="0" lvl="0" marL="457200" marR="25400" rtl="0" algn="l">
+            <a:pPr marL="457200" marR="25400" lvl="0" indent="0" algn="l" rtl="0">
               <a:lnSpc>
                 <a:spcPct val="100000"/>
               </a:lnSpc>
@@ -9975,9 +9992,6 @@
               </a:spcAft>
               <a:buNone/>
             </a:pPr>
-            <a:r>
-              <a:t/>
-            </a:r>
             <a:endParaRPr sz="1200">
               <a:highlight>
                 <a:srgbClr val="FFFFFF"/>
@@ -9989,7 +10003,7 @@
             </a:endParaRPr>
           </a:p>
           <a:p>
-            <a:pPr indent="-304800" lvl="0" marL="457200" marR="25400" rtl="0" algn="l">
+            <a:pPr marL="457200" marR="25400" lvl="0" indent="-304800" algn="l" rtl="0">
               <a:lnSpc>
                 <a:spcPct val="100000"/>
               </a:lnSpc>
@@ -10019,7 +10033,7 @@
               <a:t>This Method yielded an accuracy of </a:t>
             </a:r>
             <a:r>
-              <a:rPr b="1" lang="en-GB" sz="1200">
+              <a:rPr lang="en-GB" sz="1200" b="1">
                 <a:highlight>
                   <a:srgbClr val="FFFFFF"/>
                 </a:highlight>
@@ -10064,7 +10078,7 @@
           <a:blip r:embed="rId3">
             <a:alphaModFix/>
           </a:blip>
-          <a:srcRect b="0" l="-2550" r="2550" t="0"/>
+          <a:srcRect l="-2550" r="2550"/>
           <a:stretch/>
         </p:blipFill>
         <p:spPr>
@@ -10090,11 +10104,11 @@
 </file>
 
 <file path=ppt/slides/slide7.xml><?xml version="1.0" encoding="utf-8"?>
-<p:sld xmlns:a="http://schemas.openxmlformats.org/drawingml/2006/main" xmlns:r="http://schemas.openxmlformats.org/officeDocument/2006/relationships" xmlns:mc="http://schemas.openxmlformats.org/markup-compatibility/2006" xmlns:mv="urn:schemas-microsoft-com:mac:vml" xmlns:p="http://schemas.openxmlformats.org/presentationml/2006/main" xmlns:c="http://schemas.openxmlformats.org/drawingml/2006/chart" xmlns:dgm="http://schemas.openxmlformats.org/drawingml/2006/diagram" xmlns:o="urn:schemas-microsoft-com:office:office" xmlns:v="urn:schemas-microsoft-com:vml" xmlns:pvml="urn:schemas-microsoft-com:office:powerpoint" xmlns:com="http://schemas.openxmlformats.org/drawingml/2006/compatibility" xmlns:p14="http://schemas.microsoft.com/office/powerpoint/2010/main" xmlns:p15="http://schemas.microsoft.com/office/powerpoint/2012/main" xmlns:ahyp="http://schemas.microsoft.com/office/drawing/2018/hyperlinkcolor">
+<p:sld xmlns:a="http://schemas.openxmlformats.org/drawingml/2006/main" xmlns:r="http://schemas.openxmlformats.org/officeDocument/2006/relationships" xmlns:p="http://schemas.openxmlformats.org/presentationml/2006/main">
   <p:cSld>
     <p:spTree>
       <p:nvGrpSpPr>
-        <p:cNvPr id="101" name="Shape 101"/>
+        <p:cNvPr id="1" name="Shape 101"/>
         <p:cNvGrpSpPr/>
         <p:nvPr/>
       </p:nvGrpSpPr>
@@ -10109,7 +10123,9 @@
       <p:sp>
         <p:nvSpPr>
           <p:cNvPr id="102" name="Google Shape;102;p19"/>
-          <p:cNvSpPr txBox="1"/>
+          <p:cNvSpPr txBox="1">
+            <a:spLocks noGrp="1"/>
+          </p:cNvSpPr>
           <p:nvPr>
             <p:ph type="title"/>
           </p:nvPr>
@@ -10124,12 +10140,12 @@
           </a:prstGeom>
         </p:spPr>
         <p:txBody>
-          <a:bodyPr anchorCtr="0" anchor="t" bIns="91425" lIns="91425" spcFirstLastPara="1" rIns="91425" wrap="square" tIns="91425">
+          <a:bodyPr spcFirstLastPara="1" wrap="square" lIns="91425" tIns="91425" rIns="91425" bIns="91425" anchor="t" anchorCtr="0">
             <a:normAutofit/>
           </a:bodyPr>
           <a:lstStyle/>
           <a:p>
-            <a:pPr indent="0" lvl="0" marL="0" rtl="0" algn="l">
+            <a:pPr marL="0" lvl="0" indent="0" algn="l" rtl="0">
               <a:spcBef>
                 <a:spcPts val="0"/>
               </a:spcBef>
@@ -10139,7 +10155,7 @@
               <a:buNone/>
             </a:pPr>
             <a:r>
-              <a:rPr b="1" lang="en-GB"/>
+              <a:rPr lang="en-GB" b="1"/>
               <a:t>K Nearest Neighbours</a:t>
             </a:r>
             <a:endParaRPr b="1"/>
@@ -10166,12 +10182,12 @@
           </a:ln>
         </p:spPr>
         <p:txBody>
-          <a:bodyPr anchorCtr="0" anchor="t" bIns="91425" lIns="91425" spcFirstLastPara="1" rIns="91425" wrap="square" tIns="91425">
+          <a:bodyPr spcFirstLastPara="1" wrap="square" lIns="91425" tIns="91425" rIns="91425" bIns="91425" anchor="t" anchorCtr="0">
             <a:spAutoFit/>
           </a:bodyPr>
           <a:lstStyle/>
           <a:p>
-            <a:pPr indent="-304800" lvl="0" marL="457200" marR="25400" rtl="0" algn="l">
+            <a:pPr marL="457200" marR="25400" lvl="0" indent="-304800" algn="l" rtl="0">
               <a:lnSpc>
                 <a:spcPct val="100000"/>
               </a:lnSpc>
@@ -10208,7 +10224,7 @@
             </a:endParaRPr>
           </a:p>
           <a:p>
-            <a:pPr indent="-304800" lvl="0" marL="457200" marR="25400" rtl="0" algn="l">
+            <a:pPr marL="457200" marR="25400" lvl="0" indent="-304800" algn="l" rtl="0">
               <a:lnSpc>
                 <a:spcPct val="100000"/>
               </a:lnSpc>
@@ -10245,7 +10261,7 @@
             </a:endParaRPr>
           </a:p>
           <a:p>
-            <a:pPr indent="-304800" lvl="0" marL="457200" marR="25400" rtl="0" algn="l">
+            <a:pPr marL="457200" marR="25400" lvl="0" indent="-304800" algn="l" rtl="0">
               <a:lnSpc>
                 <a:spcPct val="100000"/>
               </a:lnSpc>
@@ -10272,7 +10288,7 @@
               <a:t>K-NN is a </a:t>
             </a:r>
             <a:r>
-              <a:rPr b="1" lang="en-GB" sz="1200">
+              <a:rPr lang="en-GB" sz="1200" b="1">
                 <a:highlight>
                   <a:srgbClr val="FFFFFF"/>
                 </a:highlight>
@@ -10306,7 +10322,7 @@
             </a:endParaRPr>
           </a:p>
           <a:p>
-            <a:pPr indent="-317500" lvl="0" marL="457200" rtl="0" algn="l">
+            <a:pPr marL="457200" lvl="0" indent="-317500" algn="l" rtl="0">
               <a:spcBef>
                 <a:spcPts val="0"/>
               </a:spcBef>
@@ -10327,7 +10343,7 @@
               <a:t>Setting Value for </a:t>
             </a:r>
             <a:r>
-              <a:rPr b="1" lang="en-GB">
+              <a:rPr lang="en-GB" b="1">
                 <a:latin typeface="Roboto"/>
                 <a:ea typeface="Roboto"/>
                 <a:cs typeface="Roboto"/>
@@ -10352,7 +10368,7 @@
             </a:endParaRPr>
           </a:p>
           <a:p>
-            <a:pPr indent="0" lvl="0" marL="457200" rtl="0" algn="l">
+            <a:pPr marL="457200" lvl="0" indent="0" algn="l" rtl="0">
               <a:spcBef>
                 <a:spcPts val="0"/>
               </a:spcBef>
@@ -10368,16 +10384,7 @@
                 <a:cs typeface="Roboto"/>
                 <a:sym typeface="Roboto"/>
               </a:rPr>
-              <a:t>a</a:t>
-            </a:r>
-            <a:r>
-              <a:rPr lang="en-GB">
-                <a:latin typeface="Roboto"/>
-                <a:ea typeface="Roboto"/>
-                <a:cs typeface="Roboto"/>
-                <a:sym typeface="Roboto"/>
-              </a:rPr>
-              <a:t>.</a:t>
+              <a:t>a.</a:t>
             </a:r>
             <a:r>
               <a:rPr lang="en-GB" sz="1200">
@@ -10402,7 +10409,7 @@
             </a:endParaRPr>
           </a:p>
           <a:p>
-            <a:pPr indent="0" lvl="0" marL="457200" rtl="0" algn="l">
+            <a:pPr marL="457200" lvl="0" indent="0" algn="l" rtl="0">
               <a:spcBef>
                 <a:spcPts val="0"/>
               </a:spcBef>
@@ -10434,7 +10441,7 @@
             </a:endParaRPr>
           </a:p>
           <a:p>
-            <a:pPr indent="-304800" lvl="0" marL="457200" rtl="0" algn="l">
+            <a:pPr marL="457200" lvl="0" indent="-304800" algn="l" rtl="0">
               <a:spcBef>
                 <a:spcPts val="0"/>
               </a:spcBef>
@@ -10458,7 +10465,7 @@
               <a:t>Python implementation of </a:t>
             </a:r>
             <a:r>
-              <a:rPr b="1" lang="en-GB" sz="1200">
+              <a:rPr lang="en-GB" sz="1200" b="1">
                 <a:highlight>
                   <a:srgbClr val="FFFFFF"/>
                 </a:highlight>
@@ -10469,7 +10476,7 @@
               </a:rPr>
               <a:t>KNN:</a:t>
             </a:r>
-            <a:endParaRPr b="1" sz="1200">
+            <a:endParaRPr sz="1200" b="1">
               <a:highlight>
                 <a:srgbClr val="FFFFFF"/>
               </a:highlight>
@@ -10480,7 +10487,7 @@
             </a:endParaRPr>
           </a:p>
           <a:p>
-            <a:pPr indent="0" lvl="0" marL="457200" rtl="0" algn="l">
+            <a:pPr marL="457200" lvl="0" indent="0" algn="l" rtl="0">
               <a:spcBef>
                 <a:spcPts val="0"/>
               </a:spcBef>
@@ -10512,7 +10519,7 @@
             </a:endParaRPr>
           </a:p>
           <a:p>
-            <a:pPr indent="0" lvl="0" marL="457200" rtl="0" algn="l">
+            <a:pPr marL="457200" lvl="0" indent="0" algn="l" rtl="0">
               <a:spcBef>
                 <a:spcPts val="0"/>
               </a:spcBef>
@@ -10544,7 +10551,7 @@
             </a:endParaRPr>
           </a:p>
           <a:p>
-            <a:pPr indent="0" lvl="0" marL="457200" rtl="0" algn="l">
+            <a:pPr marL="457200" lvl="0" indent="0" algn="l" rtl="0">
               <a:spcBef>
                 <a:spcPts val="0"/>
               </a:spcBef>
@@ -10576,7 +10583,7 @@
             </a:endParaRPr>
           </a:p>
           <a:p>
-            <a:pPr indent="0" lvl="0" marL="457200" rtl="0" algn="l">
+            <a:pPr marL="457200" lvl="0" indent="0" algn="l" rtl="0">
               <a:spcBef>
                 <a:spcPts val="0"/>
               </a:spcBef>
@@ -10608,7 +10615,7 @@
             </a:endParaRPr>
           </a:p>
           <a:p>
-            <a:pPr indent="0" lvl="0" marL="457200" rtl="0" algn="l">
+            <a:pPr marL="457200" lvl="0" indent="0" algn="l" rtl="0">
               <a:spcBef>
                 <a:spcPts val="0"/>
               </a:spcBef>
@@ -10640,7 +10647,7 @@
             </a:endParaRPr>
           </a:p>
           <a:p>
-            <a:pPr indent="-304800" lvl="0" marL="457200" rtl="0" algn="l">
+            <a:pPr marL="457200" lvl="0" indent="-304800" algn="l" rtl="0">
               <a:spcBef>
                 <a:spcPts val="0"/>
               </a:spcBef>
@@ -10664,7 +10671,7 @@
               <a:t>This model yielded an accuracy of </a:t>
             </a:r>
             <a:r>
-              <a:rPr b="1" lang="en-GB" sz="1200">
+              <a:rPr lang="en-GB" sz="1200" b="1">
                 <a:highlight>
                   <a:srgbClr val="FFFFFF"/>
                 </a:highlight>
@@ -10708,11 +10715,11 @@
 </file>
 
 <file path=ppt/slides/slide8.xml><?xml version="1.0" encoding="utf-8"?>
-<p:sld xmlns:a="http://schemas.openxmlformats.org/drawingml/2006/main" xmlns:r="http://schemas.openxmlformats.org/officeDocument/2006/relationships" xmlns:mc="http://schemas.openxmlformats.org/markup-compatibility/2006" xmlns:mv="urn:schemas-microsoft-com:mac:vml" xmlns:p="http://schemas.openxmlformats.org/presentationml/2006/main" xmlns:c="http://schemas.openxmlformats.org/drawingml/2006/chart" xmlns:dgm="http://schemas.openxmlformats.org/drawingml/2006/diagram" xmlns:o="urn:schemas-microsoft-com:office:office" xmlns:v="urn:schemas-microsoft-com:vml" xmlns:pvml="urn:schemas-microsoft-com:office:powerpoint" xmlns:com="http://schemas.openxmlformats.org/drawingml/2006/compatibility" xmlns:p14="http://schemas.microsoft.com/office/powerpoint/2010/main" xmlns:p15="http://schemas.microsoft.com/office/powerpoint/2012/main" xmlns:ahyp="http://schemas.microsoft.com/office/drawing/2018/hyperlinkcolor">
+<p:sld xmlns:a="http://schemas.openxmlformats.org/drawingml/2006/main" xmlns:r="http://schemas.openxmlformats.org/officeDocument/2006/relationships" xmlns:p="http://schemas.openxmlformats.org/presentationml/2006/main">
   <p:cSld>
     <p:spTree>
       <p:nvGrpSpPr>
-        <p:cNvPr id="107" name="Shape 107"/>
+        <p:cNvPr id="1" name="Shape 107"/>
         <p:cNvGrpSpPr/>
         <p:nvPr/>
       </p:nvGrpSpPr>
@@ -10727,7 +10734,9 @@
       <p:sp>
         <p:nvSpPr>
           <p:cNvPr id="108" name="Google Shape;108;p20"/>
-          <p:cNvSpPr txBox="1"/>
+          <p:cNvSpPr txBox="1">
+            <a:spLocks noGrp="1"/>
+          </p:cNvSpPr>
           <p:nvPr>
             <p:ph type="title"/>
           </p:nvPr>
@@ -10742,12 +10751,12 @@
           </a:prstGeom>
         </p:spPr>
         <p:txBody>
-          <a:bodyPr anchorCtr="0" anchor="t" bIns="91425" lIns="91425" spcFirstLastPara="1" rIns="91425" wrap="square" tIns="91425">
+          <a:bodyPr spcFirstLastPara="1" wrap="square" lIns="91425" tIns="91425" rIns="91425" bIns="91425" anchor="t" anchorCtr="0">
             <a:normAutofit/>
           </a:bodyPr>
           <a:lstStyle/>
           <a:p>
-            <a:pPr indent="0" lvl="0" marL="0" rtl="0" algn="l">
+            <a:pPr marL="0" lvl="0" indent="0" algn="l" rtl="0">
               <a:spcBef>
                 <a:spcPts val="0"/>
               </a:spcBef>
@@ -10757,7 +10766,7 @@
               <a:buNone/>
             </a:pPr>
             <a:r>
-              <a:rPr b="1" lang="en-GB"/>
+              <a:rPr lang="en-GB" b="1"/>
               <a:t>Decision Tree</a:t>
             </a:r>
             <a:endParaRPr b="1"/>
@@ -10784,12 +10793,12 @@
           </a:ln>
         </p:spPr>
         <p:txBody>
-          <a:bodyPr anchorCtr="0" anchor="t" bIns="91425" lIns="91425" spcFirstLastPara="1" rIns="91425" wrap="square" tIns="91425">
+          <a:bodyPr spcFirstLastPara="1" wrap="square" lIns="91425" tIns="91425" rIns="91425" bIns="91425" anchor="t" anchorCtr="0">
             <a:spAutoFit/>
           </a:bodyPr>
           <a:lstStyle/>
           <a:p>
-            <a:pPr indent="-304800" lvl="0" marL="457200" marR="25400" rtl="0" algn="l">
+            <a:pPr marL="457200" marR="25400" lvl="0" indent="-304800" algn="l" rtl="0">
               <a:lnSpc>
                 <a:spcPct val="100000"/>
               </a:lnSpc>
@@ -10804,7 +10813,7 @@
               <a:buAutoNum type="arabicPeriod"/>
             </a:pPr>
             <a:r>
-              <a:rPr lang="en-GB" sz="1200">
+              <a:rPr lang="en-GB" sz="1200" dirty="0">
                 <a:highlight>
                   <a:srgbClr val="FFFFFF"/>
                 </a:highlight>
@@ -10816,7 +10825,7 @@
               <a:t>Decision Tree is a </a:t>
             </a:r>
             <a:r>
-              <a:rPr b="1" lang="en-GB" sz="1200">
+              <a:rPr lang="en-GB" sz="1200" b="1" dirty="0">
                 <a:highlight>
                   <a:srgbClr val="FFFFFF"/>
                 </a:highlight>
@@ -10828,7 +10837,7 @@
               <a:t>Supervised learning technique </a:t>
             </a:r>
             <a:r>
-              <a:rPr lang="en-GB" sz="1200">
+              <a:rPr lang="en-GB" sz="1200" dirty="0">
                 <a:highlight>
                   <a:srgbClr val="FFFFFF"/>
                 </a:highlight>
@@ -10840,7 +10849,7 @@
               <a:t>that can be used for both classification and Regression problems, but mostly it is preferred for solving Classification problems. It is a tree-structured classifier, where</a:t>
             </a:r>
             <a:r>
-              <a:rPr b="1" lang="en-GB" sz="1200">
+              <a:rPr lang="en-GB" sz="1200" b="1" dirty="0">
                 <a:highlight>
                   <a:srgbClr val="FFFFFF"/>
                 </a:highlight>
@@ -10852,7 +10861,7 @@
               <a:t> internal nodes represent the features of a dataset, branches represent the decision rules</a:t>
             </a:r>
             <a:r>
-              <a:rPr lang="en-GB" sz="1200">
+              <a:rPr lang="en-GB" sz="1200" dirty="0">
                 <a:highlight>
                   <a:srgbClr val="FFFFFF"/>
                 </a:highlight>
@@ -10864,7 +10873,7 @@
               <a:t> and </a:t>
             </a:r>
             <a:r>
-              <a:rPr b="1" lang="en-GB" sz="1200">
+              <a:rPr lang="en-GB" sz="1200" b="1" dirty="0">
                 <a:highlight>
                   <a:srgbClr val="FFFFFF"/>
                 </a:highlight>
@@ -10875,7 +10884,7 @@
               </a:rPr>
               <a:t>each leaf node represents the outcome.</a:t>
             </a:r>
-            <a:endParaRPr b="1" sz="1200">
+            <a:endParaRPr sz="1200" b="1" dirty="0">
               <a:highlight>
                 <a:srgbClr val="FFFFFF"/>
               </a:highlight>
@@ -10886,7 +10895,7 @@
             </a:endParaRPr>
           </a:p>
           <a:p>
-            <a:pPr indent="-304800" lvl="0" marL="457200" marR="25400" rtl="0" algn="l">
+            <a:pPr marL="457200" marR="25400" lvl="0" indent="-304800" algn="l" rtl="0">
               <a:lnSpc>
                 <a:spcPct val="100000"/>
               </a:lnSpc>
@@ -10901,7 +10910,7 @@
               <a:buAutoNum type="arabicPeriod"/>
             </a:pPr>
             <a:r>
-              <a:rPr lang="en-GB" sz="1200">
+              <a:rPr lang="en-GB" sz="1200" dirty="0">
                 <a:highlight>
                   <a:srgbClr val="FFFFFF"/>
                 </a:highlight>
@@ -10913,7 +10922,7 @@
               <a:t>In a Decision tree, there are two nodes, which are the </a:t>
             </a:r>
             <a:r>
-              <a:rPr b="1" lang="en-GB" sz="1200">
+              <a:rPr lang="en-GB" sz="1200" b="1" dirty="0">
                 <a:highlight>
                   <a:srgbClr val="FFFFFF"/>
                 </a:highlight>
@@ -10925,7 +10934,7 @@
               <a:t>Decision Node</a:t>
             </a:r>
             <a:r>
-              <a:rPr lang="en-GB" sz="1200">
+              <a:rPr lang="en-GB" sz="1200" dirty="0">
                 <a:highlight>
                   <a:srgbClr val="FFFFFF"/>
                 </a:highlight>
@@ -10937,7 +10946,7 @@
               <a:t> and</a:t>
             </a:r>
             <a:r>
-              <a:rPr b="1" lang="en-GB" sz="1200">
+              <a:rPr lang="en-GB" sz="1200" b="1" dirty="0">
                 <a:highlight>
                   <a:srgbClr val="FFFFFF"/>
                 </a:highlight>
@@ -10949,7 +10958,7 @@
               <a:t> Leaf Node.</a:t>
             </a:r>
             <a:r>
-              <a:rPr lang="en-GB" sz="1200">
+              <a:rPr lang="en-GB" sz="1200" dirty="0">
                 <a:highlight>
                   <a:srgbClr val="FFFFFF"/>
                 </a:highlight>
@@ -10960,7 +10969,7 @@
               </a:rPr>
               <a:t> Decision nodes are used to make any decision and have multiple branches, whereas Leaf nodes are the output of those decisions and do not contain any further branches.</a:t>
             </a:r>
-            <a:endParaRPr sz="1200">
+            <a:endParaRPr sz="1200" dirty="0">
               <a:highlight>
                 <a:srgbClr val="FFFFFF"/>
               </a:highlight>
@@ -10971,7 +10980,7 @@
             </a:endParaRPr>
           </a:p>
           <a:p>
-            <a:pPr indent="-304800" lvl="0" marL="457200" marR="25400" rtl="0" algn="l">
+            <a:pPr marL="457200" marR="25400" lvl="0" indent="-304800" algn="l" rtl="0">
               <a:lnSpc>
                 <a:spcPct val="100000"/>
               </a:lnSpc>
@@ -10986,7 +10995,7 @@
               <a:buAutoNum type="arabicPeriod"/>
             </a:pPr>
             <a:r>
-              <a:rPr b="1" i="1" lang="en-GB" sz="1200">
+              <a:rPr lang="en-GB" sz="1200" b="1" i="1" dirty="0">
                 <a:highlight>
                   <a:srgbClr val="FFFFFF"/>
                 </a:highlight>
@@ -10997,7 +11006,7 @@
               </a:rPr>
               <a:t>It is a graphical representation for getting all the possible solutions to a problem/decision based on given conditions.</a:t>
             </a:r>
-            <a:endParaRPr b="1" i="1" sz="1200">
+            <a:endParaRPr sz="1200" b="1" i="1" dirty="0">
               <a:highlight>
                 <a:srgbClr val="FFFFFF"/>
               </a:highlight>
@@ -11008,7 +11017,7 @@
             </a:endParaRPr>
           </a:p>
           <a:p>
-            <a:pPr indent="-304800" lvl="0" marL="457200" marR="25400" rtl="0" algn="l">
+            <a:pPr marL="457200" marR="25400" lvl="0" indent="-304800" algn="l" rtl="0">
               <a:lnSpc>
                 <a:spcPct val="100000"/>
               </a:lnSpc>
@@ -11023,7 +11032,7 @@
               <a:buAutoNum type="arabicPeriod"/>
             </a:pPr>
             <a:r>
-              <a:rPr lang="en-GB" sz="1200">
+              <a:rPr lang="en-GB" sz="1200" dirty="0">
                 <a:highlight>
                   <a:srgbClr val="FFFFFF"/>
                 </a:highlight>
@@ -11035,7 +11044,7 @@
               <a:t>In order to build a tree, we use the </a:t>
             </a:r>
             <a:r>
-              <a:rPr b="1" lang="en-GB" sz="1200">
+              <a:rPr lang="en-GB" sz="1200" b="1" dirty="0">
                 <a:highlight>
                   <a:srgbClr val="FFFFFF"/>
                 </a:highlight>
@@ -11047,7 +11056,7 @@
               <a:t>CART algorithm,</a:t>
             </a:r>
             <a:r>
-              <a:rPr lang="en-GB" sz="1200">
+              <a:rPr lang="en-GB" sz="1200" dirty="0">
                 <a:highlight>
                   <a:srgbClr val="FFFFFF"/>
                 </a:highlight>
@@ -11059,7 +11068,7 @@
               <a:t> which stands for </a:t>
             </a:r>
             <a:r>
-              <a:rPr b="1" lang="en-GB" sz="1200">
+              <a:rPr lang="en-GB" sz="1200" b="1" dirty="0">
                 <a:highlight>
                   <a:srgbClr val="FFFFFF"/>
                 </a:highlight>
@@ -11070,7 +11079,7 @@
               </a:rPr>
               <a:t>Classification and Regression Tree algorithm.</a:t>
             </a:r>
-            <a:endParaRPr b="1" sz="1200">
+            <a:endParaRPr sz="1200" b="1" dirty="0">
               <a:highlight>
                 <a:srgbClr val="FFFFFF"/>
               </a:highlight>
@@ -11081,7 +11090,7 @@
             </a:endParaRPr>
           </a:p>
           <a:p>
-            <a:pPr indent="-304800" lvl="0" marL="457200" marR="25400" rtl="0" algn="l">
+            <a:pPr marL="457200" marR="25400" lvl="0" indent="-304800" algn="l" rtl="0">
               <a:lnSpc>
                 <a:spcPct val="100000"/>
               </a:lnSpc>
@@ -11096,7 +11105,7 @@
               <a:buAutoNum type="arabicPeriod"/>
             </a:pPr>
             <a:r>
-              <a:rPr b="1" lang="en-GB" sz="1200">
+              <a:rPr lang="en-GB" sz="1200" b="1" dirty="0">
                 <a:highlight>
                   <a:srgbClr val="FFFFFF"/>
                 </a:highlight>
@@ -11107,7 +11116,7 @@
               </a:rPr>
               <a:t>Attribute Selection Measures:</a:t>
             </a:r>
-            <a:endParaRPr b="1" sz="1200">
+            <a:endParaRPr sz="1200" b="1" dirty="0">
               <a:highlight>
                 <a:srgbClr val="FFFFFF"/>
               </a:highlight>
@@ -11118,7 +11127,7 @@
             </a:endParaRPr>
           </a:p>
           <a:p>
-            <a:pPr indent="0" lvl="0" marL="457200" marR="25400" rtl="0" algn="l">
+            <a:pPr marL="685800" marR="25400" lvl="0" indent="-228600" algn="l" rtl="0">
               <a:lnSpc>
                 <a:spcPct val="100000"/>
               </a:lnSpc>
@@ -11128,10 +11137,11 @@
               <a:spcAft>
                 <a:spcPts val="0"/>
               </a:spcAft>
-              <a:buNone/>
+              <a:buFont typeface="+mj-lt"/>
+              <a:buAutoNum type="alphaLcParenR"/>
             </a:pPr>
             <a:r>
-              <a:rPr lang="en-GB" sz="1200">
+              <a:rPr lang="en-GB" sz="1200" dirty="0">
                 <a:highlight>
                   <a:srgbClr val="FFFFFF"/>
                 </a:highlight>
@@ -11140,18 +11150,36 @@
                 <a:cs typeface="Roboto"/>
                 <a:sym typeface="Roboto"/>
               </a:rPr>
-              <a:t>a.Information Gain:  </a:t>
-            </a:r>
-            <a:r>
-              <a:rPr b="1" lang="en-GB" sz="1200">
-                <a:latin typeface="Roboto"/>
-                <a:ea typeface="Roboto"/>
-                <a:cs typeface="Roboto"/>
-                <a:sym typeface="Roboto"/>
-              </a:rPr>
-              <a:t>Information Gain= Entropy(S)- [(Weighted Avg) *Entropy(each feature).</a:t>
-            </a:r>
-            <a:endParaRPr b="1" sz="1200">
+              <a:t>Information Gain:  </a:t>
+            </a:r>
+            <a:r>
+              <a:rPr lang="en-GB" sz="1200" b="1" dirty="0">
+                <a:latin typeface="Roboto"/>
+                <a:ea typeface="Roboto"/>
+                <a:cs typeface="Roboto"/>
+                <a:sym typeface="Roboto"/>
+              </a:rPr>
+              <a:t>Information Gain= Entropy(S)- [(Weighted </a:t>
+            </a:r>
+            <a:r>
+              <a:rPr lang="en-GB" sz="1200" b="1" dirty="0" err="1">
+                <a:latin typeface="Roboto"/>
+                <a:ea typeface="Roboto"/>
+                <a:cs typeface="Roboto"/>
+                <a:sym typeface="Roboto"/>
+              </a:rPr>
+              <a:t>Avg</a:t>
+            </a:r>
+            <a:r>
+              <a:rPr lang="en-GB" sz="1200" b="1" dirty="0">
+                <a:latin typeface="Roboto"/>
+                <a:ea typeface="Roboto"/>
+                <a:cs typeface="Roboto"/>
+                <a:sym typeface="Roboto"/>
+              </a:rPr>
+              <a:t>) *Entropy(each feature).</a:t>
+            </a:r>
+            <a:endParaRPr sz="1200" b="1" dirty="0">
               <a:latin typeface="Roboto"/>
               <a:ea typeface="Roboto"/>
               <a:cs typeface="Roboto"/>
@@ -11159,7 +11187,7 @@
             </a:endParaRPr>
           </a:p>
           <a:p>
-            <a:pPr indent="0" lvl="0" marL="457200" marR="25400" rtl="0" algn="l">
+            <a:pPr marL="685800" marR="25400" lvl="0" indent="-228600" algn="l" rtl="0">
               <a:lnSpc>
                 <a:spcPct val="100000"/>
               </a:lnSpc>
@@ -11169,19 +11197,20 @@
               <a:spcAft>
                 <a:spcPts val="0"/>
               </a:spcAft>
-              <a:buNone/>
+              <a:buFont typeface="+mj-lt"/>
+              <a:buAutoNum type="alphaLcParenR"/>
             </a:pPr>
             <a:r>
-              <a:rPr lang="en-GB" sz="1200">
-                <a:latin typeface="Roboto"/>
-                <a:ea typeface="Roboto"/>
-                <a:cs typeface="Roboto"/>
-                <a:sym typeface="Roboto"/>
-              </a:rPr>
-              <a:t>b.Gini index:   </a:t>
-            </a:r>
-            <a:r>
-              <a:rPr b="1" lang="en-GB" sz="1200">
+              <a:rPr lang="en-GB" sz="1200" dirty="0">
+                <a:latin typeface="Roboto"/>
+                <a:ea typeface="Roboto"/>
+                <a:cs typeface="Roboto"/>
+                <a:sym typeface="Roboto"/>
+              </a:rPr>
+              <a:t>Gini index:   </a:t>
+            </a:r>
+            <a:r>
+              <a:rPr lang="en-GB" sz="1200" b="1" dirty="0">
                 <a:solidFill>
                   <a:srgbClr val="333333"/>
                 </a:solidFill>
@@ -11189,7 +11218,7 @@
               <a:t>Gini Index= 1- ∑</a:t>
             </a:r>
             <a:r>
-              <a:rPr b="1" baseline="-25000" lang="en-GB" sz="1200">
+              <a:rPr lang="en-GB" sz="1200" b="1" baseline="-25000" dirty="0">
                 <a:solidFill>
                   <a:srgbClr val="333333"/>
                 </a:solidFill>
@@ -11197,7 +11226,7 @@
               <a:t>j</a:t>
             </a:r>
             <a:r>
-              <a:rPr b="1" lang="en-GB" sz="1200">
+              <a:rPr lang="en-GB" sz="1200" b="1" dirty="0">
                 <a:solidFill>
                   <a:srgbClr val="333333"/>
                 </a:solidFill>
@@ -11205,7 +11234,7 @@
               <a:t>P</a:t>
             </a:r>
             <a:r>
-              <a:rPr b="1" baseline="-25000" lang="en-GB" sz="1200">
+              <a:rPr lang="en-GB" sz="1200" b="1" baseline="-25000" dirty="0">
                 <a:solidFill>
                   <a:srgbClr val="333333"/>
                 </a:solidFill>
@@ -11213,14 +11242,14 @@
               <a:t>j</a:t>
             </a:r>
             <a:r>
-              <a:rPr b="1" baseline="30000" lang="en-GB" sz="1200">
+              <a:rPr lang="en-GB" sz="1200" b="1" baseline="30000" dirty="0">
                 <a:solidFill>
                   <a:srgbClr val="333333"/>
                 </a:solidFill>
               </a:rPr>
               <a:t>2</a:t>
             </a:r>
-            <a:endParaRPr b="1" sz="1200">
+            <a:endParaRPr sz="1200" b="1" dirty="0">
               <a:latin typeface="Roboto"/>
               <a:ea typeface="Roboto"/>
               <a:cs typeface="Roboto"/>
@@ -11228,7 +11257,7 @@
             </a:endParaRPr>
           </a:p>
           <a:p>
-            <a:pPr indent="-304800" lvl="0" marL="457200" marR="25400" rtl="0" algn="l">
+            <a:pPr marL="457200" marR="25400" lvl="0" indent="-304800" algn="l" rtl="0">
               <a:lnSpc>
                 <a:spcPct val="100000"/>
               </a:lnSpc>
@@ -11243,7 +11272,7 @@
               <a:buAutoNum type="arabicPeriod"/>
             </a:pPr>
             <a:r>
-              <a:rPr lang="en-GB" sz="1200">
+              <a:rPr lang="en-GB" sz="1200" dirty="0">
                 <a:highlight>
                   <a:srgbClr val="FFFFFF"/>
                 </a:highlight>
@@ -11255,7 +11284,7 @@
               <a:t>This method yielded an accuracy of </a:t>
             </a:r>
             <a:r>
-              <a:rPr b="1" lang="en-GB" sz="1200">
+              <a:rPr lang="en-GB" sz="1200" b="1" dirty="0">
                 <a:highlight>
                   <a:srgbClr val="FFFFFF"/>
                 </a:highlight>
@@ -11267,7 +11296,7 @@
               <a:t>76%</a:t>
             </a:r>
             <a:r>
-              <a:rPr lang="en-GB" sz="1200">
+              <a:rPr lang="en-GB" sz="1200" dirty="0">
                 <a:highlight>
                   <a:srgbClr val="FFFFFF"/>
                 </a:highlight>
@@ -11278,169 +11307,10 @@
               </a:rPr>
               <a:t>.</a:t>
             </a:r>
-            <a:endParaRPr sz="1200">
+            <a:endParaRPr sz="1200" dirty="0">
               <a:highlight>
                 <a:srgbClr val="FFFFFF"/>
               </a:highlight>
-              <a:latin typeface="Roboto"/>
-              <a:ea typeface="Roboto"/>
-              <a:cs typeface="Roboto"/>
-              <a:sym typeface="Roboto"/>
-            </a:endParaRPr>
-          </a:p>
-        </p:txBody>
-      </p:sp>
-    </p:spTree>
-  </p:cSld>
-  <p:clrMapOvr>
-    <a:masterClrMapping/>
-  </p:clrMapOvr>
-</p:sld>
-</file>
-
-<file path=ppt/slides/slide9.xml><?xml version="1.0" encoding="utf-8"?>
-<p:sld xmlns:a="http://schemas.openxmlformats.org/drawingml/2006/main" xmlns:r="http://schemas.openxmlformats.org/officeDocument/2006/relationships" xmlns:mc="http://schemas.openxmlformats.org/markup-compatibility/2006" xmlns:mv="urn:schemas-microsoft-com:mac:vml" xmlns:p="http://schemas.openxmlformats.org/presentationml/2006/main" xmlns:c="http://schemas.openxmlformats.org/drawingml/2006/chart" xmlns:dgm="http://schemas.openxmlformats.org/drawingml/2006/diagram" xmlns:o="urn:schemas-microsoft-com:office:office" xmlns:v="urn:schemas-microsoft-com:vml" xmlns:pvml="urn:schemas-microsoft-com:office:powerpoint" xmlns:com="http://schemas.openxmlformats.org/drawingml/2006/compatibility" xmlns:p14="http://schemas.microsoft.com/office/powerpoint/2010/main" xmlns:p15="http://schemas.microsoft.com/office/powerpoint/2012/main" xmlns:ahyp="http://schemas.microsoft.com/office/drawing/2018/hyperlinkcolor">
-  <p:cSld>
-    <p:spTree>
-      <p:nvGrpSpPr>
-        <p:cNvPr id="113" name="Shape 113"/>
-        <p:cNvGrpSpPr/>
-        <p:nvPr/>
-      </p:nvGrpSpPr>
-      <p:grpSpPr>
-        <a:xfrm>
-          <a:off x="0" y="0"/>
-          <a:ext cx="0" cy="0"/>
-          <a:chOff x="0" y="0"/>
-          <a:chExt cx="0" cy="0"/>
-        </a:xfrm>
-      </p:grpSpPr>
-      <p:sp>
-        <p:nvSpPr>
-          <p:cNvPr id="114" name="Google Shape;114;p21"/>
-          <p:cNvSpPr txBox="1"/>
-          <p:nvPr>
-            <p:ph type="title"/>
-          </p:nvPr>
-        </p:nvSpPr>
-        <p:spPr>
-          <a:xfrm>
-            <a:off x="311725" y="500925"/>
-            <a:ext cx="8520600" cy="623700"/>
-          </a:xfrm>
-          <a:prstGeom prst="rect">
-            <a:avLst/>
-          </a:prstGeom>
-        </p:spPr>
-        <p:txBody>
-          <a:bodyPr anchorCtr="0" anchor="t" bIns="91425" lIns="91425" spcFirstLastPara="1" rIns="91425" wrap="square" tIns="91425">
-            <a:normAutofit/>
-          </a:bodyPr>
-          <a:lstStyle/>
-          <a:p>
-            <a:pPr indent="0" lvl="0" marL="0" rtl="0" algn="l">
-              <a:spcBef>
-                <a:spcPts val="0"/>
-              </a:spcBef>
-              <a:spcAft>
-                <a:spcPts val="0"/>
-              </a:spcAft>
-              <a:buNone/>
-            </a:pPr>
-            <a:r>
-              <a:rPr b="1" lang="en-GB"/>
-              <a:t>Accurate One</a:t>
-            </a:r>
-            <a:endParaRPr b="1"/>
-          </a:p>
-        </p:txBody>
-      </p:sp>
-      <p:sp>
-        <p:nvSpPr>
-          <p:cNvPr id="115" name="Google Shape;115;p21"/>
-          <p:cNvSpPr txBox="1"/>
-          <p:nvPr/>
-        </p:nvSpPr>
-        <p:spPr>
-          <a:xfrm>
-            <a:off x="423325" y="1573400"/>
-            <a:ext cx="8064600" cy="615600"/>
-          </a:xfrm>
-          <a:prstGeom prst="rect">
-            <a:avLst/>
-          </a:prstGeom>
-          <a:noFill/>
-          <a:ln>
-            <a:noFill/>
-          </a:ln>
-        </p:spPr>
-        <p:txBody>
-          <a:bodyPr anchorCtr="0" anchor="t" bIns="91425" lIns="91425" spcFirstLastPara="1" rIns="91425" wrap="square" tIns="91425">
-            <a:spAutoFit/>
-          </a:bodyPr>
-          <a:lstStyle/>
-          <a:p>
-            <a:pPr indent="-317500" lvl="0" marL="457200" rtl="0" algn="l">
-              <a:spcBef>
-                <a:spcPts val="0"/>
-              </a:spcBef>
-              <a:spcAft>
-                <a:spcPts val="0"/>
-              </a:spcAft>
-              <a:buSzPts val="1400"/>
-              <a:buFont typeface="Roboto"/>
-              <a:buAutoNum type="arabicPeriod"/>
-            </a:pPr>
-            <a:r>
-              <a:rPr lang="en-GB">
-                <a:latin typeface="Roboto"/>
-                <a:ea typeface="Roboto"/>
-                <a:cs typeface="Roboto"/>
-                <a:sym typeface="Roboto"/>
-              </a:rPr>
-              <a:t>Among the above four models </a:t>
-            </a:r>
-            <a:r>
-              <a:rPr b="1" lang="en-GB">
-                <a:latin typeface="Roboto"/>
-                <a:ea typeface="Roboto"/>
-                <a:cs typeface="Roboto"/>
-                <a:sym typeface="Roboto"/>
-              </a:rPr>
-              <a:t>Logistic Regression </a:t>
-            </a:r>
-            <a:r>
-              <a:rPr lang="en-GB">
-                <a:latin typeface="Roboto"/>
-                <a:ea typeface="Roboto"/>
-                <a:cs typeface="Roboto"/>
-                <a:sym typeface="Roboto"/>
-              </a:rPr>
-              <a:t>yielded a better result.</a:t>
-            </a:r>
-            <a:endParaRPr>
-              <a:latin typeface="Roboto"/>
-              <a:ea typeface="Roboto"/>
-              <a:cs typeface="Roboto"/>
-              <a:sym typeface="Roboto"/>
-            </a:endParaRPr>
-          </a:p>
-          <a:p>
-            <a:pPr indent="-317500" lvl="0" marL="457200" rtl="0" algn="l">
-              <a:spcBef>
-                <a:spcPts val="0"/>
-              </a:spcBef>
-              <a:spcAft>
-                <a:spcPts val="0"/>
-              </a:spcAft>
-              <a:buSzPts val="1400"/>
-              <a:buFont typeface="Roboto"/>
-              <a:buAutoNum type="arabicPeriod"/>
-            </a:pPr>
-            <a:r>
-              <a:t/>
-            </a:r>
-            <a:endParaRPr>
               <a:latin typeface="Roboto"/>
               <a:ea typeface="Roboto"/>
               <a:cs typeface="Roboto"/>
@@ -11458,7 +11328,7 @@
 </file>
 
 <file path=ppt/theme/theme1.xml><?xml version="1.0" encoding="utf-8"?>
-<a:theme xmlns:a="http://schemas.openxmlformats.org/drawingml/2006/main" xmlns:r="http://schemas.openxmlformats.org/officeDocument/2006/relationships" name="Paradigm">
+<a:theme xmlns:a="http://schemas.openxmlformats.org/drawingml/2006/main" name="Paradigm">
   <a:themeElements>
     <a:clrScheme name="Paradigm">
       <a:dk1>
@@ -11733,11 +11603,13 @@
       </a:bgFillStyleLst>
     </a:fmtScheme>
   </a:themeElements>
+  <a:objectDefaults/>
+  <a:extraClrSchemeLst/>
 </a:theme>
 </file>
 
 <file path=ppt/theme/theme2.xml><?xml version="1.0" encoding="utf-8"?>
-<a:theme xmlns:a="http://schemas.openxmlformats.org/drawingml/2006/main" xmlns:r="http://schemas.openxmlformats.org/officeDocument/2006/relationships">
+<a:theme xmlns:a="http://schemas.openxmlformats.org/drawingml/2006/main">
   <a:themeElements>
     <a:clrScheme name="Default">
       <a:dk1>
@@ -12012,5 +11884,7 @@
       </a:bgFillStyleLst>
     </a:fmtScheme>
   </a:themeElements>
+  <a:objectDefaults/>
+  <a:extraClrSchemeLst/>
 </a:theme>
 </file>